--- a/slides/WSTA_L12_question answering.pptx
+++ b/slides/WSTA_L12_question answering.pptx
@@ -5,32 +5,34 @@
     <p:sldMasterId id="2147483648" r:id="rId1"/>
   </p:sldMasterIdLst>
   <p:notesMasterIdLst>
-    <p:notesMasterId r:id="rId25"/>
+    <p:notesMasterId r:id="rId27"/>
   </p:notesMasterIdLst>
   <p:sldIdLst>
     <p:sldId id="256" r:id="rId2"/>
     <p:sldId id="258" r:id="rId3"/>
-    <p:sldId id="259" r:id="rId4"/>
-    <p:sldId id="280" r:id="rId5"/>
-    <p:sldId id="260" r:id="rId6"/>
-    <p:sldId id="282" r:id="rId7"/>
-    <p:sldId id="283" r:id="rId8"/>
-    <p:sldId id="289" r:id="rId9"/>
-    <p:sldId id="281" r:id="rId10"/>
-    <p:sldId id="284" r:id="rId11"/>
-    <p:sldId id="285" r:id="rId12"/>
-    <p:sldId id="286" r:id="rId13"/>
-    <p:sldId id="287" r:id="rId14"/>
-    <p:sldId id="288" r:id="rId15"/>
-    <p:sldId id="290" r:id="rId16"/>
-    <p:sldId id="291" r:id="rId17"/>
-    <p:sldId id="293" r:id="rId18"/>
-    <p:sldId id="292" r:id="rId19"/>
-    <p:sldId id="294" r:id="rId20"/>
-    <p:sldId id="295" r:id="rId21"/>
-    <p:sldId id="296" r:id="rId22"/>
-    <p:sldId id="297" r:id="rId23"/>
-    <p:sldId id="277" r:id="rId24"/>
+    <p:sldId id="298" r:id="rId4"/>
+    <p:sldId id="259" r:id="rId5"/>
+    <p:sldId id="280" r:id="rId6"/>
+    <p:sldId id="260" r:id="rId7"/>
+    <p:sldId id="282" r:id="rId8"/>
+    <p:sldId id="283" r:id="rId9"/>
+    <p:sldId id="289" r:id="rId10"/>
+    <p:sldId id="281" r:id="rId11"/>
+    <p:sldId id="284" r:id="rId12"/>
+    <p:sldId id="285" r:id="rId13"/>
+    <p:sldId id="286" r:id="rId14"/>
+    <p:sldId id="287" r:id="rId15"/>
+    <p:sldId id="288" r:id="rId16"/>
+    <p:sldId id="290" r:id="rId17"/>
+    <p:sldId id="291" r:id="rId18"/>
+    <p:sldId id="296" r:id="rId19"/>
+    <p:sldId id="297" r:id="rId20"/>
+    <p:sldId id="293" r:id="rId21"/>
+    <p:sldId id="292" r:id="rId22"/>
+    <p:sldId id="294" r:id="rId23"/>
+    <p:sldId id="295" r:id="rId24"/>
+    <p:sldId id="299" r:id="rId25"/>
+    <p:sldId id="277" r:id="rId26"/>
   </p:sldIdLst>
   <p:sldSz cx="13004800" cy="9753600"/>
   <p:notesSz cx="6858000" cy="9144000"/>
@@ -895,7 +897,7 @@
           </a:ln>
           <a:extLst>
             <a:ext uri="{C572A759-6A51-4108-AA02-DFA0A04FC94B}">
-              <ma14:wrappingTextBoxFlag xmlns="" xmlns:ma14="http://schemas.microsoft.com/office/mac/drawingml/2011/main" val="1"/>
+              <ma14:wrappingTextBoxFlag xmlns:ma14="http://schemas.microsoft.com/office/mac/drawingml/2011/main" xmlns="" val="1"/>
             </a:ext>
           </a:extLst>
         </p:spPr>
@@ -2573,7 +2575,7 @@
           </a:ln>
           <a:extLst>
             <a:ext uri="{C572A759-6A51-4108-AA02-DFA0A04FC94B}">
-              <ma14:wrappingTextBoxFlag xmlns="" xmlns:ma14="http://schemas.microsoft.com/office/mac/drawingml/2011/main" val="1"/>
+              <ma14:wrappingTextBoxFlag xmlns:ma14="http://schemas.microsoft.com/office/mac/drawingml/2011/main" xmlns="" val="1"/>
             </a:ext>
           </a:extLst>
         </p:spPr>
@@ -2613,7 +2615,7 @@
           </a:ln>
           <a:extLst>
             <a:ext uri="{C572A759-6A51-4108-AA02-DFA0A04FC94B}">
-              <ma14:wrappingTextBoxFlag xmlns="" xmlns:ma14="http://schemas.microsoft.com/office/mac/drawingml/2011/main" val="1"/>
+              <ma14:wrappingTextBoxFlag xmlns:ma14="http://schemas.microsoft.com/office/mac/drawingml/2011/main" xmlns="" val="1"/>
             </a:ext>
           </a:extLst>
         </p:spPr>
@@ -3828,7 +3830,7 @@
           <a:p>
             <a:r>
               <a:rPr lang="en-AU" dirty="0" smtClean="0"/>
-              <a:t>Query Formulation for IR QA</a:t>
+              <a:t>Some Harder (to parse) Questions</a:t>
             </a:r>
             <a:endParaRPr lang="en-AU" dirty="0"/>
           </a:p>
@@ -3851,63 +3853,65 @@
           </a:bodyPr>
           <a:lstStyle/>
           <a:p>
-            <a:r>
-              <a:rPr lang="en-AU" dirty="0" smtClean="0"/>
-              <a:t>Convert the question to information retrieval query</a:t>
-            </a:r>
-          </a:p>
-          <a:p>
-            <a:pPr lvl="1"/>
-            <a:r>
-              <a:rPr lang="en-AU" dirty="0" smtClean="0"/>
-              <a:t>Used when searching for the answer in a text corpus</a:t>
-            </a:r>
-          </a:p>
-          <a:p>
-            <a:r>
-              <a:rPr lang="en-AU" dirty="0" smtClean="0"/>
-              <a:t>Remove </a:t>
-            </a:r>
-            <a:r>
-              <a:rPr lang="en-AU" dirty="0" err="1" smtClean="0"/>
-              <a:t>stopwords</a:t>
-            </a:r>
-            <a:endParaRPr lang="en-AU" dirty="0" smtClean="0"/>
-          </a:p>
-          <a:p>
-            <a:pPr lvl="1"/>
-            <a:r>
-              <a:rPr lang="en-AU" dirty="0" smtClean="0"/>
-              <a:t>Including </a:t>
-            </a:r>
-            <a:r>
-              <a:rPr lang="en-AU" i="1" dirty="0" err="1" smtClean="0"/>
-              <a:t>wh</a:t>
-            </a:r>
-            <a:r>
-              <a:rPr lang="en-AU" dirty="0" smtClean="0"/>
-              <a:t>-word and common verbs</a:t>
-            </a:r>
-          </a:p>
-          <a:p>
-            <a:r>
-              <a:rPr lang="en-AU" dirty="0" smtClean="0"/>
-              <a:t>Query expansion using morphological variants, synonyms, or similar words</a:t>
-            </a:r>
-          </a:p>
-          <a:p>
-            <a:r>
-              <a:rPr lang="en-AU" dirty="0" smtClean="0"/>
-              <a:t>Re-order and rephrase so query structured like declarative answer</a:t>
-            </a:r>
+            <a:pPr marL="0" lvl="1" indent="0" rtl="0">
+              <a:spcBef>
+                <a:spcPts val="2600"/>
+              </a:spcBef>
+              <a:buNone/>
+            </a:pPr>
+            <a:r>
+              <a:rPr lang="en-AU" sz="3400" dirty="0" smtClean="0"/>
+              <a:t>What is the city where the Eiffel Tower is located? </a:t>
+            </a:r>
+            <a:r>
+              <a:rPr lang="en-AU" sz="3400" dirty="0">
+                <a:solidFill>
+                  <a:schemeClr val="bg1"/>
+                </a:solidFill>
+              </a:rPr>
+              <a:t>→</a:t>
+            </a:r>
+            <a:endParaRPr lang="en-AU" sz="3400" dirty="0"/>
           </a:p>
           <a:p>
             <a:pPr marL="0" indent="0">
               <a:buNone/>
             </a:pPr>
             <a:r>
-              <a:rPr lang="en-AU" dirty="0" smtClean="0"/>
-              <a:t>“Where is X?” </a:t>
+              <a:rPr lang="en-AU" dirty="0"/>
+              <a:t>l</a:t>
+            </a:r>
+            <a:r>
+              <a:rPr lang="en-AU" dirty="0" smtClean="0"/>
+              <a:t>ocated-in(</a:t>
+            </a:r>
+            <a:r>
+              <a:rPr lang="en-AU" dirty="0" err="1" smtClean="0"/>
+              <a:t>EIFFEL_TOWER,?x</a:t>
+            </a:r>
+            <a:r>
+              <a:rPr lang="en-AU" dirty="0" smtClean="0"/>
+              <a:t>) ^ </a:t>
+            </a:r>
+            <a:r>
+              <a:rPr lang="en-AU" i="1" dirty="0" smtClean="0"/>
+              <a:t>city</a:t>
+            </a:r>
+            <a:r>
+              <a:rPr lang="en-AU" dirty="0" smtClean="0"/>
+              <a:t>(?x) </a:t>
+            </a:r>
+          </a:p>
+          <a:p>
+            <a:pPr marL="0" lvl="1" indent="0" rtl="0">
+              <a:spcBef>
+                <a:spcPts val="2600"/>
+              </a:spcBef>
+              <a:buNone/>
+            </a:pPr>
+            <a:r>
+              <a:rPr lang="en-AU" dirty="0" smtClean="0"/>
+              <a:t>What kind of mammal lays eggs? </a:t>
             </a:r>
             <a:r>
               <a:rPr lang="en-AU" sz="3400" dirty="0" smtClean="0">
@@ -3917,17 +3921,124 @@
               </a:rPr>
               <a:t>→</a:t>
             </a:r>
-            <a:r>
-              <a:rPr lang="en-AU" dirty="0" smtClean="0"/>
-              <a:t> “X is in”</a:t>
-            </a:r>
+            <a:endParaRPr lang="en-AU" dirty="0" smtClean="0"/>
+          </a:p>
+          <a:p>
+            <a:pPr marL="0" indent="0">
+              <a:buNone/>
+            </a:pPr>
+            <a:r>
+              <a:rPr lang="en-AU" dirty="0" smtClean="0"/>
+              <a:t>Is-a</a:t>
+            </a:r>
+            <a:r>
+              <a:rPr lang="en-AU" dirty="0" smtClean="0"/>
+              <a:t>(?</a:t>
+            </a:r>
+            <a:r>
+              <a:rPr lang="en-AU" dirty="0" smtClean="0"/>
+              <a:t>x, MAMMAL)^egg-laying(?x)</a:t>
+            </a:r>
+          </a:p>
+          <a:p>
+            <a:pPr marL="0" lvl="1" indent="0" rtl="0">
+              <a:spcBef>
+                <a:spcPts val="2600"/>
+              </a:spcBef>
+              <a:buNone/>
+            </a:pPr>
+            <a:r>
+              <a:rPr lang="en-AU" dirty="0" smtClean="0"/>
+              <a:t>When was the </a:t>
+            </a:r>
+            <a:r>
+              <a:rPr lang="en-AU" dirty="0" smtClean="0"/>
+              <a:t>Magna Carta signed</a:t>
+            </a:r>
+            <a:r>
+              <a:rPr lang="en-AU" dirty="0" smtClean="0"/>
+              <a:t>? </a:t>
+            </a:r>
+            <a:r>
+              <a:rPr lang="en-AU" sz="3400" dirty="0" smtClean="0">
+                <a:solidFill>
+                  <a:schemeClr val="bg1"/>
+                </a:solidFill>
+              </a:rPr>
+              <a:t>→</a:t>
+            </a:r>
+            <a:endParaRPr lang="en-AU" dirty="0" smtClean="0"/>
+          </a:p>
+          <a:p>
+            <a:pPr marL="0" indent="0">
+              <a:buNone/>
+            </a:pPr>
+            <a:r>
+              <a:rPr lang="en-AU" dirty="0" smtClean="0"/>
+              <a:t>year(MAGNA_CARTA_SIGNING, </a:t>
+            </a:r>
+            <a:r>
+              <a:rPr lang="en-AU" dirty="0" smtClean="0"/>
+              <a:t>?x)</a:t>
+            </a:r>
+          </a:p>
+          <a:p>
+            <a:pPr marL="0" lvl="1" indent="0" rtl="0">
+              <a:spcBef>
+                <a:spcPts val="2600"/>
+              </a:spcBef>
+              <a:buNone/>
+            </a:pPr>
+            <a:r>
+              <a:rPr lang="en-AU" dirty="0"/>
+              <a:t>How many countries are there in the United Nations? </a:t>
+            </a:r>
+            <a:r>
+              <a:rPr lang="en-AU" sz="3400" dirty="0">
+                <a:solidFill>
+                  <a:schemeClr val="bg1"/>
+                </a:solidFill>
+              </a:rPr>
+              <a:t>→</a:t>
+            </a:r>
+            <a:endParaRPr lang="en-AU" dirty="0"/>
+          </a:p>
+          <a:p>
+            <a:pPr marL="0" indent="0">
+              <a:buNone/>
+            </a:pPr>
+            <a:r>
+              <a:rPr lang="en-AU" i="1" dirty="0"/>
+              <a:t>Count</a:t>
+            </a:r>
+            <a:r>
+              <a:rPr lang="en-AU" dirty="0" smtClean="0"/>
+              <a:t>(∀ ?</a:t>
+            </a:r>
+            <a:r>
+              <a:rPr lang="en-AU" dirty="0"/>
+              <a:t>x </a:t>
+            </a:r>
+            <a:r>
+              <a:rPr lang="en-AU" dirty="0" err="1"/>
+              <a:t>s.t.</a:t>
+            </a:r>
+            <a:r>
+              <a:rPr lang="en-AU" dirty="0"/>
+              <a:t> member-of(?x, UNITED_NATIONS</a:t>
+            </a:r>
+            <a:r>
+              <a:rPr lang="en-AU" dirty="0" smtClean="0"/>
+              <a:t>)) </a:t>
+            </a:r>
+            <a:endParaRPr lang="en-AU" dirty="0"/>
           </a:p>
         </p:txBody>
       </p:sp>
     </p:spTree>
     <p:extLst>
       <p:ext uri="{BB962C8B-B14F-4D97-AF65-F5344CB8AC3E}">
-        <p14:creationId xmlns:p14="http://schemas.microsoft.com/office/powerpoint/2010/main" val="2929926192"/>
+        <p14:creationId xmlns:p14="http://schemas.microsoft.com/office/powerpoint/2010/main" val="2689816690"/>
       </p:ext>
     </p:extLst>
   </p:cSld>
@@ -3941,6 +4052,198 @@
         <p:cTn id="1" dur="indefinite" restart="never" nodeType="tmRoot"/>
       </p:par>
     </p:tnLst>
+    <p:bldLst>
+      <p:bldP spid="3" grpId="0" uiExpand="1" build="p">
+        <p:tmplLst>
+          <p:tmpl>
+            <p:tnLst>
+              <p:par>
+                <p:cTn presetID="1" presetClass="entr" presetSubtype="0" fill="hold" nodeType="clickEffect">
+                  <p:stCondLst>
+                    <p:cond delay="0"/>
+                  </p:stCondLst>
+                  <p:childTnLst>
+                    <p:set>
+                      <p:cBhvr>
+                        <p:cTn dur="1" fill="hold">
+                          <p:stCondLst>
+                            <p:cond delay="0"/>
+                          </p:stCondLst>
+                        </p:cTn>
+                        <p:tgtEl>
+                          <p:spTgt spid="3"/>
+                        </p:tgtEl>
+                        <p:attrNameLst>
+                          <p:attrName>style.visibility</p:attrName>
+                        </p:attrNameLst>
+                      </p:cBhvr>
+                      <p:to>
+                        <p:strVal val="visible"/>
+                      </p:to>
+                    </p:set>
+                  </p:childTnLst>
+                </p:cTn>
+              </p:par>
+            </p:tnLst>
+          </p:tmpl>
+          <p:tmpl lvl="1">
+            <p:tnLst>
+              <p:par>
+                <p:cTn presetID="1" presetClass="entr" presetSubtype="0" fill="hold" nodeType="clickEffect">
+                  <p:stCondLst>
+                    <p:cond delay="0"/>
+                  </p:stCondLst>
+                  <p:childTnLst>
+                    <p:set>
+                      <p:cBhvr>
+                        <p:cTn dur="1" fill="hold">
+                          <p:stCondLst>
+                            <p:cond delay="0"/>
+                          </p:stCondLst>
+                        </p:cTn>
+                        <p:tgtEl>
+                          <p:spTgt spid="3"/>
+                        </p:tgtEl>
+                        <p:attrNameLst>
+                          <p:attrName>style.visibility</p:attrName>
+                        </p:attrNameLst>
+                      </p:cBhvr>
+                      <p:to>
+                        <p:strVal val="visible"/>
+                      </p:to>
+                    </p:set>
+                  </p:childTnLst>
+                </p:cTn>
+              </p:par>
+            </p:tnLst>
+          </p:tmpl>
+          <p:tmpl lvl="2">
+            <p:tnLst>
+              <p:par>
+                <p:cTn presetID="1" presetClass="entr" presetSubtype="0" fill="hold" nodeType="clickEffect">
+                  <p:stCondLst>
+                    <p:cond delay="0"/>
+                  </p:stCondLst>
+                  <p:childTnLst>
+                    <p:set>
+                      <p:cBhvr>
+                        <p:cTn dur="1" fill="hold">
+                          <p:stCondLst>
+                            <p:cond delay="0"/>
+                          </p:stCondLst>
+                        </p:cTn>
+                        <p:tgtEl>
+                          <p:spTgt spid="3"/>
+                        </p:tgtEl>
+                        <p:attrNameLst>
+                          <p:attrName>style.visibility</p:attrName>
+                        </p:attrNameLst>
+                      </p:cBhvr>
+                      <p:to>
+                        <p:strVal val="visible"/>
+                      </p:to>
+                    </p:set>
+                  </p:childTnLst>
+                </p:cTn>
+              </p:par>
+            </p:tnLst>
+          </p:tmpl>
+          <p:tmpl lvl="3">
+            <p:tnLst>
+              <p:par>
+                <p:cTn presetID="1" presetClass="entr" presetSubtype="0" fill="hold" nodeType="clickEffect">
+                  <p:stCondLst>
+                    <p:cond delay="0"/>
+                  </p:stCondLst>
+                  <p:childTnLst>
+                    <p:set>
+                      <p:cBhvr>
+                        <p:cTn dur="1" fill="hold">
+                          <p:stCondLst>
+                            <p:cond delay="0"/>
+                          </p:stCondLst>
+                        </p:cTn>
+                        <p:tgtEl>
+                          <p:spTgt spid="3"/>
+                        </p:tgtEl>
+                        <p:attrNameLst>
+                          <p:attrName>style.visibility</p:attrName>
+                        </p:attrNameLst>
+                      </p:cBhvr>
+                      <p:to>
+                        <p:strVal val="visible"/>
+                      </p:to>
+                    </p:set>
+                  </p:childTnLst>
+                </p:cTn>
+              </p:par>
+            </p:tnLst>
+          </p:tmpl>
+          <p:tmpl lvl="4">
+            <p:tnLst>
+              <p:par>
+                <p:cTn presetID="1" presetClass="entr" presetSubtype="0" fill="hold" nodeType="clickEffect">
+                  <p:stCondLst>
+                    <p:cond delay="0"/>
+                  </p:stCondLst>
+                  <p:childTnLst>
+                    <p:set>
+                      <p:cBhvr>
+                        <p:cTn dur="1" fill="hold">
+                          <p:stCondLst>
+                            <p:cond delay="0"/>
+                          </p:stCondLst>
+                        </p:cTn>
+                        <p:tgtEl>
+                          <p:spTgt spid="3"/>
+                        </p:tgtEl>
+                        <p:attrNameLst>
+                          <p:attrName>style.visibility</p:attrName>
+                        </p:attrNameLst>
+                      </p:cBhvr>
+                      <p:to>
+                        <p:strVal val="visible"/>
+                      </p:to>
+                    </p:set>
+                  </p:childTnLst>
+                </p:cTn>
+              </p:par>
+            </p:tnLst>
+          </p:tmpl>
+          <p:tmpl lvl="5">
+            <p:tnLst>
+              <p:par>
+                <p:cTn presetID="1" presetClass="entr" presetSubtype="0" fill="hold" nodeType="clickEffect">
+                  <p:stCondLst>
+                    <p:cond delay="0"/>
+                  </p:stCondLst>
+                  <p:childTnLst>
+                    <p:set>
+                      <p:cBhvr>
+                        <p:cTn dur="1" fill="hold">
+                          <p:stCondLst>
+                            <p:cond delay="0"/>
+                          </p:stCondLst>
+                        </p:cTn>
+                        <p:tgtEl>
+                          <p:spTgt spid="3"/>
+                        </p:tgtEl>
+                        <p:attrNameLst>
+                          <p:attrName>style.visibility</p:attrName>
+                        </p:attrNameLst>
+                      </p:cBhvr>
+                      <p:to>
+                        <p:strVal val="visible"/>
+                      </p:to>
+                    </p:set>
+                  </p:childTnLst>
+                </p:cTn>
+              </p:par>
+            </p:tnLst>
+          </p:tmpl>
+        </p:tmplLst>
+      </p:bldP>
+    </p:bldLst>
   </p:timing>
 </p:sld>
 </file>
@@ -3981,7 +4284,7 @@
           <a:p>
             <a:r>
               <a:rPr lang="en-AU" dirty="0" smtClean="0"/>
-              <a:t>Answer type recognition</a:t>
+              <a:t>Query Formulation for IR QA</a:t>
             </a:r>
             <a:endParaRPr lang="en-AU" dirty="0"/>
           </a:p>
@@ -3999,53 +4302,39 @@
         </p:nvSpPr>
         <p:spPr/>
         <p:txBody>
-          <a:bodyPr/>
+          <a:bodyPr>
+            <a:normAutofit/>
+          </a:bodyPr>
           <a:lstStyle/>
           <a:p>
             <a:r>
               <a:rPr lang="en-AU" dirty="0" smtClean="0"/>
-              <a:t>Select the best answer type from an answer type taxonomy, e.g.</a:t>
+              <a:t>Convert the question to information retrieval query</a:t>
             </a:r>
           </a:p>
           <a:p>
             <a:pPr lvl="1"/>
             <a:r>
               <a:rPr lang="en-AU" dirty="0" smtClean="0"/>
-              <a:t>People: Individual, group, title,…</a:t>
-            </a:r>
+              <a:t>Used when searching for the answer in a text corpus</a:t>
+            </a:r>
+          </a:p>
+          <a:p>
+            <a:r>
+              <a:rPr lang="en-AU" dirty="0" smtClean="0"/>
+              <a:t>Remove </a:t>
+            </a:r>
+            <a:r>
+              <a:rPr lang="en-AU" dirty="0" err="1" smtClean="0"/>
+              <a:t>stopwords</a:t>
+            </a:r>
+            <a:endParaRPr lang="en-AU" dirty="0" smtClean="0"/>
           </a:p>
           <a:p>
             <a:pPr lvl="1"/>
             <a:r>
               <a:rPr lang="en-AU" dirty="0" smtClean="0"/>
-              <a:t>Location: City, country, state, …</a:t>
-            </a:r>
-          </a:p>
-          <a:p>
-            <a:pPr lvl="1"/>
-            <a:r>
-              <a:rPr lang="en-AU" dirty="0" smtClean="0"/>
-              <a:t>Entity: product, food, vehicle, …</a:t>
-            </a:r>
-          </a:p>
-          <a:p>
-            <a:pPr lvl="1"/>
-            <a:r>
-              <a:rPr lang="en-AU" dirty="0" smtClean="0"/>
-              <a:t>Numeric: count, date, distance….</a:t>
-            </a:r>
-          </a:p>
-          <a:p>
-            <a:pPr lvl="1"/>
-            <a:r>
-              <a:rPr lang="en-AU" dirty="0" smtClean="0"/>
-              <a:t>Description: definition, reason… (hard!)</a:t>
-            </a:r>
-          </a:p>
-          <a:p>
-            <a:r>
-              <a:rPr lang="en-AU" dirty="0" smtClean="0"/>
-              <a:t>Rule-based classification using </a:t>
+              <a:t>Including </a:t>
             </a:r>
             <a:r>
               <a:rPr lang="en-AU" i="1" dirty="0" err="1" smtClean="0"/>
@@ -4053,22 +4342,82 @@
             </a:r>
             <a:r>
               <a:rPr lang="en-AU" dirty="0" smtClean="0"/>
-              <a:t>-word/headword question pattern </a:t>
-            </a:r>
-          </a:p>
-          <a:p>
-            <a:r>
-              <a:rPr lang="en-AU" dirty="0" smtClean="0"/>
-              <a:t>Supervised classification with BOW, POS, NE, and WordNet information</a:t>
-            </a:r>
-            <a:endParaRPr lang="en-AU" dirty="0"/>
+              <a:t>-word and common verbs</a:t>
+            </a:r>
+          </a:p>
+          <a:p>
+            <a:r>
+              <a:rPr lang="en-AU" dirty="0" smtClean="0"/>
+              <a:t>Query expansion using morphological variants, synonyms, or similar words</a:t>
+            </a:r>
+          </a:p>
+          <a:p>
+            <a:pPr lvl="1"/>
+            <a:r>
+              <a:rPr lang="en-AU" dirty="0" smtClean="0"/>
+              <a:t>E.g. for </a:t>
+            </a:r>
+            <a:r>
+              <a:rPr lang="en-AU" i="1" dirty="0" smtClean="0"/>
+              <a:t>found</a:t>
+            </a:r>
+            <a:r>
+              <a:rPr lang="en-AU" dirty="0" smtClean="0"/>
+              <a:t>, </a:t>
+            </a:r>
+            <a:r>
+              <a:rPr lang="en-AU" dirty="0" smtClean="0"/>
+              <a:t>include </a:t>
+            </a:r>
+            <a:r>
+              <a:rPr lang="en-AU" i="1" dirty="0" smtClean="0"/>
+              <a:t>founder</a:t>
+            </a:r>
+            <a:r>
+              <a:rPr lang="en-AU" dirty="0" smtClean="0"/>
+              <a:t>, </a:t>
+            </a:r>
+            <a:r>
+              <a:rPr lang="en-AU" i="1" dirty="0" smtClean="0"/>
+              <a:t>start a company</a:t>
+            </a:r>
+            <a:r>
+              <a:rPr lang="en-AU" dirty="0" smtClean="0"/>
+              <a:t> </a:t>
+            </a:r>
+            <a:endParaRPr lang="en-AU" dirty="0" smtClean="0"/>
+          </a:p>
+          <a:p>
+            <a:r>
+              <a:rPr lang="en-AU" dirty="0" smtClean="0"/>
+              <a:t>Re-order and rephrase so query structured like declarative answer</a:t>
+            </a:r>
+          </a:p>
+          <a:p>
+            <a:pPr lvl="1"/>
+            <a:r>
+              <a:rPr lang="en-AU" dirty="0" smtClean="0"/>
+              <a:t>E.g. “Where is X?” </a:t>
+            </a:r>
+            <a:r>
+              <a:rPr lang="en-AU" sz="3000" dirty="0" smtClean="0">
+                <a:solidFill>
+                  <a:schemeClr val="bg1"/>
+                </a:solidFill>
+              </a:rPr>
+              <a:t>→</a:t>
+            </a:r>
+            <a:r>
+              <a:rPr lang="en-AU" dirty="0" smtClean="0"/>
+              <a:t> “X is in/at/on”</a:t>
+            </a:r>
           </a:p>
         </p:txBody>
       </p:sp>
     </p:spTree>
     <p:extLst>
       <p:ext uri="{BB962C8B-B14F-4D97-AF65-F5344CB8AC3E}">
-        <p14:creationId xmlns:p14="http://schemas.microsoft.com/office/powerpoint/2010/main" val="2562955276"/>
+        <p14:creationId xmlns:p14="http://schemas.microsoft.com/office/powerpoint/2010/main" val="2929926192"/>
       </p:ext>
     </p:extLst>
   </p:cSld>
@@ -4082,2096 +4431,203 @@
         <p:cTn id="1" dur="indefinite" restart="never" nodeType="tmRoot"/>
       </p:par>
     </p:tnLst>
+    <p:bldLst>
+      <p:bldP spid="3" grpId="0" uiExpand="1" build="p">
+        <p:tmplLst>
+          <p:tmpl>
+            <p:tnLst>
+              <p:par>
+                <p:cTn presetID="1" presetClass="entr" presetSubtype="0" fill="hold" nodeType="clickEffect">
+                  <p:stCondLst>
+                    <p:cond delay="0"/>
+                  </p:stCondLst>
+                  <p:childTnLst>
+                    <p:set>
+                      <p:cBhvr>
+                        <p:cTn dur="1" fill="hold">
+                          <p:stCondLst>
+                            <p:cond delay="0"/>
+                          </p:stCondLst>
+                        </p:cTn>
+                        <p:tgtEl>
+                          <p:spTgt spid="3"/>
+                        </p:tgtEl>
+                        <p:attrNameLst>
+                          <p:attrName>style.visibility</p:attrName>
+                        </p:attrNameLst>
+                      </p:cBhvr>
+                      <p:to>
+                        <p:strVal val="visible"/>
+                      </p:to>
+                    </p:set>
+                  </p:childTnLst>
+                </p:cTn>
+              </p:par>
+            </p:tnLst>
+          </p:tmpl>
+          <p:tmpl lvl="1">
+            <p:tnLst>
+              <p:par>
+                <p:cTn presetID="1" presetClass="entr" presetSubtype="0" fill="hold" nodeType="clickEffect">
+                  <p:stCondLst>
+                    <p:cond delay="0"/>
+                  </p:stCondLst>
+                  <p:childTnLst>
+                    <p:set>
+                      <p:cBhvr>
+                        <p:cTn dur="1" fill="hold">
+                          <p:stCondLst>
+                            <p:cond delay="0"/>
+                          </p:stCondLst>
+                        </p:cTn>
+                        <p:tgtEl>
+                          <p:spTgt spid="3"/>
+                        </p:tgtEl>
+                        <p:attrNameLst>
+                          <p:attrName>style.visibility</p:attrName>
+                        </p:attrNameLst>
+                      </p:cBhvr>
+                      <p:to>
+                        <p:strVal val="visible"/>
+                      </p:to>
+                    </p:set>
+                  </p:childTnLst>
+                </p:cTn>
+              </p:par>
+            </p:tnLst>
+          </p:tmpl>
+          <p:tmpl lvl="2">
+            <p:tnLst>
+              <p:par>
+                <p:cTn presetID="1" presetClass="entr" presetSubtype="0" fill="hold" nodeType="clickEffect">
+                  <p:stCondLst>
+                    <p:cond delay="0"/>
+                  </p:stCondLst>
+                  <p:childTnLst>
+                    <p:set>
+                      <p:cBhvr>
+                        <p:cTn dur="1" fill="hold">
+                          <p:stCondLst>
+                            <p:cond delay="0"/>
+                          </p:stCondLst>
+                        </p:cTn>
+                        <p:tgtEl>
+                          <p:spTgt spid="3"/>
+                        </p:tgtEl>
+                        <p:attrNameLst>
+                          <p:attrName>style.visibility</p:attrName>
+                        </p:attrNameLst>
+                      </p:cBhvr>
+                      <p:to>
+                        <p:strVal val="visible"/>
+                      </p:to>
+                    </p:set>
+                  </p:childTnLst>
+                </p:cTn>
+              </p:par>
+            </p:tnLst>
+          </p:tmpl>
+          <p:tmpl lvl="3">
+            <p:tnLst>
+              <p:par>
+                <p:cTn presetID="1" presetClass="entr" presetSubtype="0" fill="hold" nodeType="clickEffect">
+                  <p:stCondLst>
+                    <p:cond delay="0"/>
+                  </p:stCondLst>
+                  <p:childTnLst>
+                    <p:set>
+                      <p:cBhvr>
+                        <p:cTn dur="1" fill="hold">
+                          <p:stCondLst>
+                            <p:cond delay="0"/>
+                          </p:stCondLst>
+                        </p:cTn>
+                        <p:tgtEl>
+                          <p:spTgt spid="3"/>
+                        </p:tgtEl>
+                        <p:attrNameLst>
+                          <p:attrName>style.visibility</p:attrName>
+                        </p:attrNameLst>
+                      </p:cBhvr>
+                      <p:to>
+                        <p:strVal val="visible"/>
+                      </p:to>
+                    </p:set>
+                  </p:childTnLst>
+                </p:cTn>
+              </p:par>
+            </p:tnLst>
+          </p:tmpl>
+          <p:tmpl lvl="4">
+            <p:tnLst>
+              <p:par>
+                <p:cTn presetID="1" presetClass="entr" presetSubtype="0" fill="hold" nodeType="clickEffect">
+                  <p:stCondLst>
+                    <p:cond delay="0"/>
+                  </p:stCondLst>
+                  <p:childTnLst>
+                    <p:set>
+                      <p:cBhvr>
+                        <p:cTn dur="1" fill="hold">
+                          <p:stCondLst>
+                            <p:cond delay="0"/>
+                          </p:stCondLst>
+                        </p:cTn>
+                        <p:tgtEl>
+                          <p:spTgt spid="3"/>
+                        </p:tgtEl>
+                        <p:attrNameLst>
+                          <p:attrName>style.visibility</p:attrName>
+                        </p:attrNameLst>
+                      </p:cBhvr>
+                      <p:to>
+                        <p:strVal val="visible"/>
+                      </p:to>
+                    </p:set>
+                  </p:childTnLst>
+                </p:cTn>
+              </p:par>
+            </p:tnLst>
+          </p:tmpl>
+          <p:tmpl lvl="5">
+            <p:tnLst>
+              <p:par>
+                <p:cTn presetID="1" presetClass="entr" presetSubtype="0" fill="hold" nodeType="clickEffect">
+                  <p:stCondLst>
+                    <p:cond delay="0"/>
+                  </p:stCondLst>
+                  <p:childTnLst>
+                    <p:set>
+                      <p:cBhvr>
+                        <p:cTn dur="1" fill="hold">
+                          <p:stCondLst>
+                            <p:cond delay="0"/>
+                          </p:stCondLst>
+                        </p:cTn>
+                        <p:tgtEl>
+                          <p:spTgt spid="3"/>
+                        </p:tgtEl>
+                        <p:attrNameLst>
+                          <p:attrName>style.visibility</p:attrName>
+                        </p:attrNameLst>
+                      </p:cBhvr>
+                      <p:to>
+                        <p:strVal val="visible"/>
+                      </p:to>
+                    </p:set>
+                  </p:childTnLst>
+                </p:cTn>
+              </p:par>
+            </p:tnLst>
+          </p:tmpl>
+        </p:tmplLst>
+      </p:bldP>
+    </p:bldLst>
   </p:timing>
 </p:sld>
 </file>
 
 <file path=ppt/slides/slide12.xml><?xml version="1.0" encoding="utf-8"?>
-<p:sld xmlns:a="http://schemas.openxmlformats.org/drawingml/2006/main" xmlns:r="http://schemas.openxmlformats.org/officeDocument/2006/relationships" xmlns:p="http://schemas.openxmlformats.org/presentationml/2006/main">
-  <p:cSld>
-    <p:spTree>
-      <p:nvGrpSpPr>
-        <p:cNvPr id="1" name=""/>
-        <p:cNvGrpSpPr/>
-        <p:nvPr/>
-      </p:nvGrpSpPr>
-      <p:grpSpPr>
-        <a:xfrm>
-          <a:off x="0" y="0"/>
-          <a:ext cx="0" cy="0"/>
-          <a:chOff x="0" y="0"/>
-          <a:chExt cx="0" cy="0"/>
-        </a:xfrm>
-      </p:grpSpPr>
-      <p:sp>
-        <p:nvSpPr>
-          <p:cNvPr id="2" name="Title 1"/>
-          <p:cNvSpPr>
-            <a:spLocks noGrp="1"/>
-          </p:cNvSpPr>
-          <p:nvPr>
-            <p:ph type="title"/>
-          </p:nvPr>
-        </p:nvSpPr>
-        <p:spPr/>
-        <p:txBody>
-          <a:bodyPr>
-            <a:normAutofit fontScale="90000"/>
-          </a:bodyPr>
-          <a:lstStyle/>
-          <a:p>
-            <a:r>
-              <a:rPr lang="en-AU" dirty="0" smtClean="0"/>
-              <a:t>Answer type examples</a:t>
-            </a:r>
-            <a:endParaRPr lang="en-AU" dirty="0"/>
-          </a:p>
-        </p:txBody>
-      </p:sp>
-      <p:sp>
-        <p:nvSpPr>
-          <p:cNvPr id="3" name="Text Placeholder 2"/>
-          <p:cNvSpPr>
-            <a:spLocks noGrp="1"/>
-          </p:cNvSpPr>
-          <p:nvPr>
-            <p:ph type="body" idx="1"/>
-          </p:nvPr>
-        </p:nvSpPr>
-        <p:spPr/>
-        <p:txBody>
-          <a:bodyPr/>
-          <a:lstStyle/>
-          <a:p>
-            <a:pPr marL="0" indent="0">
-              <a:buNone/>
-            </a:pPr>
-            <a:r>
-              <a:rPr lang="en-AU" dirty="0" smtClean="0"/>
-              <a:t>What kind of cheese is most common on pizza?</a:t>
-            </a:r>
-          </a:p>
-          <a:p>
-            <a:pPr marL="0" indent="0">
-              <a:buNone/>
-            </a:pPr>
-            <a:r>
-              <a:rPr lang="en-AU" dirty="0" smtClean="0"/>
-              <a:t>Answer type: food</a:t>
-            </a:r>
-          </a:p>
-          <a:p>
-            <a:pPr marL="0" indent="0">
-              <a:buNone/>
-            </a:pPr>
-            <a:r>
-              <a:rPr lang="en-AU" dirty="0"/>
-              <a:t>What kind of mammal lays </a:t>
-            </a:r>
-            <a:r>
-              <a:rPr lang="en-AU" dirty="0" smtClean="0"/>
-              <a:t>eggs?</a:t>
-            </a:r>
-          </a:p>
-          <a:p>
-            <a:pPr marL="0" indent="0">
-              <a:buNone/>
-            </a:pPr>
-            <a:r>
-              <a:rPr lang="en-AU" dirty="0" smtClean="0"/>
-              <a:t>Answer type: animal</a:t>
-            </a:r>
-          </a:p>
-          <a:p>
-            <a:pPr marL="0" indent="0">
-              <a:buNone/>
-            </a:pPr>
-            <a:r>
-              <a:rPr lang="en-AU" dirty="0" smtClean="0"/>
-              <a:t>What’s the capital of Nepal?</a:t>
-            </a:r>
-          </a:p>
-          <a:p>
-            <a:pPr marL="0" indent="0">
-              <a:buNone/>
-            </a:pPr>
-            <a:r>
-              <a:rPr lang="en-AU" dirty="0" smtClean="0"/>
-              <a:t>Answer type: city</a:t>
-            </a:r>
-          </a:p>
-          <a:p>
-            <a:pPr marL="0" indent="0">
-              <a:buNone/>
-            </a:pPr>
-            <a:r>
-              <a:rPr lang="en-AU" dirty="0" smtClean="0"/>
-              <a:t>How long did World War 2 last?</a:t>
-            </a:r>
-          </a:p>
-          <a:p>
-            <a:pPr marL="0" indent="0">
-              <a:buNone/>
-            </a:pPr>
-            <a:r>
-              <a:rPr lang="en-AU" dirty="0" smtClean="0"/>
-              <a:t>Answer type: period</a:t>
-            </a:r>
-          </a:p>
-          <a:p>
-            <a:pPr marL="0" indent="0">
-              <a:buNone/>
-            </a:pPr>
-            <a:r>
-              <a:rPr lang="en-AU" dirty="0" smtClean="0"/>
-              <a:t> </a:t>
-            </a:r>
-            <a:endParaRPr lang="en-AU" dirty="0"/>
-          </a:p>
-        </p:txBody>
-      </p:sp>
-    </p:spTree>
-    <p:extLst>
-      <p:ext uri="{BB962C8B-B14F-4D97-AF65-F5344CB8AC3E}">
-        <p14:creationId xmlns:p14="http://schemas.microsoft.com/office/powerpoint/2010/main" val="1549545126"/>
-      </p:ext>
-    </p:extLst>
-  </p:cSld>
-  <p:clrMapOvr>
-    <a:masterClrMapping/>
-  </p:clrMapOvr>
-  <p:transition spd="med"/>
-</p:sld>
-</file>
-
-<file path=ppt/slides/slide13.xml><?xml version="1.0" encoding="utf-8"?>
-<p:sld xmlns:a="http://schemas.openxmlformats.org/drawingml/2006/main" xmlns:r="http://schemas.openxmlformats.org/officeDocument/2006/relationships" xmlns:p="http://schemas.openxmlformats.org/presentationml/2006/main">
-  <p:cSld>
-    <p:spTree>
-      <p:nvGrpSpPr>
-        <p:cNvPr id="1" name=""/>
-        <p:cNvGrpSpPr/>
-        <p:nvPr/>
-      </p:nvGrpSpPr>
-      <p:grpSpPr>
-        <a:xfrm>
-          <a:off x="0" y="0"/>
-          <a:ext cx="0" cy="0"/>
-          <a:chOff x="0" y="0"/>
-          <a:chExt cx="0" cy="0"/>
-        </a:xfrm>
-      </p:grpSpPr>
-      <p:sp>
-        <p:nvSpPr>
-          <p:cNvPr id="2" name="Title 1"/>
-          <p:cNvSpPr>
-            <a:spLocks noGrp="1"/>
-          </p:cNvSpPr>
-          <p:nvPr>
-            <p:ph type="title"/>
-          </p:nvPr>
-        </p:nvSpPr>
-        <p:spPr/>
-        <p:txBody>
-          <a:bodyPr>
-            <a:normAutofit fontScale="90000"/>
-          </a:bodyPr>
-          <a:lstStyle/>
-          <a:p>
-            <a:r>
-              <a:rPr lang="en-AU" dirty="0" smtClean="0"/>
-              <a:t>Passage Retrieval</a:t>
-            </a:r>
-            <a:endParaRPr lang="en-AU" dirty="0"/>
-          </a:p>
-        </p:txBody>
-      </p:sp>
-      <p:sp>
-        <p:nvSpPr>
-          <p:cNvPr id="3" name="Text Placeholder 2"/>
-          <p:cNvSpPr>
-            <a:spLocks noGrp="1"/>
-          </p:cNvSpPr>
-          <p:nvPr>
-            <p:ph type="body" idx="1"/>
-          </p:nvPr>
-        </p:nvSpPr>
-        <p:spPr/>
-        <p:txBody>
-          <a:bodyPr/>
-          <a:lstStyle/>
-          <a:p>
-            <a:r>
-              <a:rPr lang="en-AU" dirty="0"/>
-              <a:t>Information </a:t>
-            </a:r>
-            <a:r>
-              <a:rPr lang="en-AU" dirty="0" smtClean="0"/>
-              <a:t>retrieval of large documents of limited use for Factoid QA</a:t>
-            </a:r>
-          </a:p>
-          <a:p>
-            <a:pPr lvl="1"/>
-            <a:r>
-              <a:rPr lang="en-AU" dirty="0" smtClean="0"/>
-              <a:t>Too much reading involved</a:t>
-            </a:r>
-          </a:p>
-          <a:p>
-            <a:pPr lvl="1"/>
-            <a:r>
-              <a:rPr lang="en-AU" dirty="0" smtClean="0"/>
-              <a:t>Highly relevant documents might not contain answer</a:t>
-            </a:r>
-          </a:p>
-          <a:p>
-            <a:r>
-              <a:rPr lang="en-AU" dirty="0" smtClean="0"/>
-              <a:t>Passage retrieval:  IR on small documents within a larger text collection </a:t>
-            </a:r>
-          </a:p>
-          <a:p>
-            <a:pPr lvl="1"/>
-            <a:r>
-              <a:rPr lang="en-AU" dirty="0" smtClean="0"/>
-              <a:t>E.g. section, paragraph, sentence</a:t>
-            </a:r>
-          </a:p>
-          <a:p>
-            <a:pPr lvl="1"/>
-            <a:r>
-              <a:rPr lang="en-AU" dirty="0" smtClean="0"/>
-              <a:t>Can be done by unsupervised VSM model</a:t>
-            </a:r>
-          </a:p>
-          <a:p>
-            <a:pPr lvl="1"/>
-            <a:r>
-              <a:rPr lang="en-AU" dirty="0" smtClean="0"/>
-              <a:t>But often considered a supervised </a:t>
-            </a:r>
-            <a:r>
-              <a:rPr lang="en-AU" i="1" dirty="0" smtClean="0"/>
-              <a:t>ranking</a:t>
-            </a:r>
-            <a:r>
-              <a:rPr lang="en-AU" dirty="0" smtClean="0"/>
-              <a:t> task</a:t>
-            </a:r>
-          </a:p>
-          <a:p>
-            <a:pPr lvl="1"/>
-            <a:endParaRPr lang="en-AU" dirty="0"/>
-          </a:p>
-        </p:txBody>
-      </p:sp>
-    </p:spTree>
-    <p:extLst>
-      <p:ext uri="{BB962C8B-B14F-4D97-AF65-F5344CB8AC3E}">
-        <p14:creationId xmlns:p14="http://schemas.microsoft.com/office/powerpoint/2010/main" val="1234332251"/>
-      </p:ext>
-    </p:extLst>
-  </p:cSld>
-  <p:clrMapOvr>
-    <a:masterClrMapping/>
-  </p:clrMapOvr>
-  <p:transition spd="med"/>
-</p:sld>
-</file>
-
-<file path=ppt/slides/slide14.xml><?xml version="1.0" encoding="utf-8"?>
-<p:sld xmlns:a="http://schemas.openxmlformats.org/drawingml/2006/main" xmlns:r="http://schemas.openxmlformats.org/officeDocument/2006/relationships" xmlns:p="http://schemas.openxmlformats.org/presentationml/2006/main">
-  <p:cSld>
-    <p:spTree>
-      <p:nvGrpSpPr>
-        <p:cNvPr id="1" name=""/>
-        <p:cNvGrpSpPr/>
-        <p:nvPr/>
-      </p:nvGrpSpPr>
-      <p:grpSpPr>
-        <a:xfrm>
-          <a:off x="0" y="0"/>
-          <a:ext cx="0" cy="0"/>
-          <a:chOff x="0" y="0"/>
-          <a:chExt cx="0" cy="0"/>
-        </a:xfrm>
-      </p:grpSpPr>
-      <p:sp>
-        <p:nvSpPr>
-          <p:cNvPr id="2" name="Title 1"/>
-          <p:cNvSpPr>
-            <a:spLocks noGrp="1"/>
-          </p:cNvSpPr>
-          <p:nvPr>
-            <p:ph type="title"/>
-          </p:nvPr>
-        </p:nvSpPr>
-        <p:spPr/>
-        <p:txBody>
-          <a:bodyPr>
-            <a:normAutofit fontScale="90000"/>
-          </a:bodyPr>
-          <a:lstStyle/>
-          <a:p>
-            <a:r>
-              <a:rPr lang="en-AU" dirty="0" smtClean="0"/>
-              <a:t>Features for passage retrieval</a:t>
-            </a:r>
-            <a:endParaRPr lang="en-AU" dirty="0"/>
-          </a:p>
-        </p:txBody>
-      </p:sp>
-      <p:sp>
-        <p:nvSpPr>
-          <p:cNvPr id="3" name="Text Placeholder 2"/>
-          <p:cNvSpPr>
-            <a:spLocks noGrp="1"/>
-          </p:cNvSpPr>
-          <p:nvPr>
-            <p:ph type="body" idx="1"/>
-          </p:nvPr>
-        </p:nvSpPr>
-        <p:spPr/>
-        <p:txBody>
-          <a:bodyPr/>
-          <a:lstStyle/>
-          <a:p>
-            <a:r>
-              <a:rPr lang="en-AU" dirty="0"/>
-              <a:t>N</a:t>
-            </a:r>
-            <a:r>
-              <a:rPr lang="en-AU" dirty="0" smtClean="0"/>
-              <a:t>amed entities corresponding to answer type</a:t>
-            </a:r>
-          </a:p>
-          <a:p>
-            <a:r>
-              <a:rPr lang="en-AU" dirty="0" smtClean="0"/>
-              <a:t>Count of query words</a:t>
-            </a:r>
-          </a:p>
-          <a:p>
-            <a:r>
-              <a:rPr lang="en-AU" dirty="0" smtClean="0"/>
-              <a:t>Longest overlapping sequence of query words</a:t>
-            </a:r>
-          </a:p>
-          <a:p>
-            <a:r>
-              <a:rPr lang="en-AU" dirty="0" smtClean="0"/>
-              <a:t>Proximity of query words to each other</a:t>
-            </a:r>
-          </a:p>
-          <a:p>
-            <a:r>
-              <a:rPr lang="en-AU" dirty="0" smtClean="0"/>
-              <a:t>N-gram overlap between query and passage</a:t>
-            </a:r>
-          </a:p>
-          <a:p>
-            <a:endParaRPr lang="en-AU" dirty="0"/>
-          </a:p>
-        </p:txBody>
-      </p:sp>
-    </p:spTree>
-    <p:extLst>
-      <p:ext uri="{BB962C8B-B14F-4D97-AF65-F5344CB8AC3E}">
-        <p14:creationId xmlns:p14="http://schemas.microsoft.com/office/powerpoint/2010/main" val="1882062281"/>
-      </p:ext>
-    </p:extLst>
-  </p:cSld>
-  <p:clrMapOvr>
-    <a:masterClrMapping/>
-  </p:clrMapOvr>
-  <p:transition spd="med"/>
-</p:sld>
-</file>
-
-<file path=ppt/slides/slide15.xml><?xml version="1.0" encoding="utf-8"?>
-<p:sld xmlns:a="http://schemas.openxmlformats.org/drawingml/2006/main" xmlns:r="http://schemas.openxmlformats.org/officeDocument/2006/relationships" xmlns:p="http://schemas.openxmlformats.org/presentationml/2006/main">
-  <p:cSld>
-    <p:spTree>
-      <p:nvGrpSpPr>
-        <p:cNvPr id="1" name=""/>
-        <p:cNvGrpSpPr/>
-        <p:nvPr/>
-      </p:nvGrpSpPr>
-      <p:grpSpPr>
-        <a:xfrm>
-          <a:off x="0" y="0"/>
-          <a:ext cx="0" cy="0"/>
-          <a:chOff x="0" y="0"/>
-          <a:chExt cx="0" cy="0"/>
-        </a:xfrm>
-      </p:grpSpPr>
-      <p:sp>
-        <p:nvSpPr>
-          <p:cNvPr id="2" name="Title 1"/>
-          <p:cNvSpPr>
-            <a:spLocks noGrp="1"/>
-          </p:cNvSpPr>
-          <p:nvPr>
-            <p:ph type="title"/>
-          </p:nvPr>
-        </p:nvSpPr>
-        <p:spPr/>
-        <p:txBody>
-          <a:bodyPr>
-            <a:normAutofit fontScale="90000"/>
-          </a:bodyPr>
-          <a:lstStyle/>
-          <a:p>
-            <a:r>
-              <a:rPr lang="en-AU" dirty="0" smtClean="0"/>
-              <a:t>Answer extraction</a:t>
-            </a:r>
-            <a:r>
-              <a:rPr lang="en-AU" dirty="0"/>
-              <a:t/>
-            </a:r>
-            <a:br>
-              <a:rPr lang="en-AU" dirty="0"/>
-            </a:br>
-            <a:endParaRPr lang="en-AU" dirty="0"/>
-          </a:p>
-        </p:txBody>
-      </p:sp>
-      <p:sp>
-        <p:nvSpPr>
-          <p:cNvPr id="3" name="Text Placeholder 2"/>
-          <p:cNvSpPr>
-            <a:spLocks noGrp="1"/>
-          </p:cNvSpPr>
-          <p:nvPr>
-            <p:ph type="body" idx="1"/>
-          </p:nvPr>
-        </p:nvSpPr>
-        <p:spPr/>
-        <p:txBody>
-          <a:bodyPr/>
-          <a:lstStyle/>
-          <a:p>
-            <a:r>
-              <a:rPr lang="en-AU" dirty="0" smtClean="0"/>
-              <a:t>Possibly trivial, if only one </a:t>
-            </a:r>
-            <a:r>
-              <a:rPr lang="en-AU" dirty="0" smtClean="0"/>
-              <a:t>named </a:t>
-            </a:r>
-            <a:r>
-              <a:rPr lang="en-AU" dirty="0" smtClean="0"/>
-              <a:t>entity of correct type in relevant passage</a:t>
-            </a:r>
-          </a:p>
-          <a:p>
-            <a:r>
-              <a:rPr lang="en-AU" dirty="0" smtClean="0"/>
-              <a:t>But </a:t>
-            </a:r>
-            <a:r>
-              <a:rPr lang="en-AU" dirty="0" smtClean="0"/>
-              <a:t>sometimes multiple </a:t>
-            </a:r>
-            <a:r>
-              <a:rPr lang="en-AU" dirty="0" smtClean="0"/>
-              <a:t>entities</a:t>
-            </a:r>
-          </a:p>
-          <a:p>
-            <a:r>
-              <a:rPr lang="en-AU" dirty="0" smtClean="0"/>
-              <a:t>Or answer isn’t a (named) entity at </a:t>
-            </a:r>
-            <a:r>
-              <a:rPr lang="en-AU" dirty="0" smtClean="0"/>
-              <a:t>all, e.g. definition</a:t>
-            </a:r>
-            <a:endParaRPr lang="en-AU" dirty="0" smtClean="0"/>
-          </a:p>
-          <a:p>
-            <a:r>
-              <a:rPr lang="en-AU" dirty="0" smtClean="0"/>
-              <a:t>Harder cases can be addressed with regex patterns</a:t>
-            </a:r>
-          </a:p>
-          <a:p>
-            <a:pPr marL="0" indent="0">
-              <a:buNone/>
-            </a:pPr>
-            <a:r>
-              <a:rPr lang="en-AU" dirty="0" smtClean="0"/>
-              <a:t>What is </a:t>
-            </a:r>
-            <a:r>
-              <a:rPr lang="en-AU" dirty="0" smtClean="0">
-                <a:solidFill>
-                  <a:srgbClr val="0070C0"/>
-                </a:solidFill>
-              </a:rPr>
-              <a:t>Microsoft</a:t>
-            </a:r>
-            <a:r>
-              <a:rPr lang="en-AU" dirty="0" smtClean="0"/>
-              <a:t>?</a:t>
-            </a:r>
-          </a:p>
-          <a:p>
-            <a:pPr marL="0" indent="0">
-              <a:buNone/>
-            </a:pPr>
-            <a:r>
-              <a:rPr lang="en-AU" dirty="0" smtClean="0"/>
-              <a:t>“he found a job with </a:t>
-            </a:r>
-            <a:r>
-              <a:rPr lang="en-AU" dirty="0" smtClean="0">
-                <a:solidFill>
-                  <a:srgbClr val="0070C0"/>
-                </a:solidFill>
-              </a:rPr>
-              <a:t>Microsoft</a:t>
-            </a:r>
-            <a:r>
-              <a:rPr lang="en-AU" dirty="0" smtClean="0"/>
-              <a:t>, </a:t>
-            </a:r>
-            <a:r>
-              <a:rPr lang="en-AU" dirty="0" smtClean="0">
-                <a:solidFill>
-                  <a:schemeClr val="bg1"/>
-                </a:solidFill>
-              </a:rPr>
-              <a:t>a</a:t>
-            </a:r>
-            <a:r>
-              <a:rPr lang="en-AU" dirty="0" smtClean="0">
-                <a:solidFill>
-                  <a:schemeClr val="accent5"/>
-                </a:solidFill>
-              </a:rPr>
-              <a:t> </a:t>
-            </a:r>
-            <a:r>
-              <a:rPr lang="en-AU" dirty="0" smtClean="0">
-                <a:solidFill>
-                  <a:schemeClr val="accent5"/>
-                </a:solidFill>
-              </a:rPr>
-              <a:t>software company best known for </a:t>
-            </a:r>
-            <a:r>
-              <a:rPr lang="en-AU" dirty="0" smtClean="0">
-                <a:solidFill>
-                  <a:schemeClr val="accent5"/>
-                </a:solidFill>
-              </a:rPr>
-              <a:t>creating the</a:t>
-            </a:r>
-            <a:r>
-              <a:rPr lang="en-AU" dirty="0" smtClean="0">
-                <a:solidFill>
-                  <a:schemeClr val="accent5"/>
-                </a:solidFill>
-              </a:rPr>
-              <a:t> </a:t>
-            </a:r>
-            <a:r>
-              <a:rPr lang="en-AU" dirty="0" smtClean="0">
-                <a:solidFill>
-                  <a:schemeClr val="accent5"/>
-                </a:solidFill>
-              </a:rPr>
-              <a:t>Windows operating system</a:t>
-            </a:r>
-            <a:r>
-              <a:rPr lang="en-AU" dirty="0" smtClean="0"/>
-              <a:t>.”</a:t>
-            </a:r>
-          </a:p>
-          <a:p>
-            <a:pPr marL="0" indent="0">
-              <a:buNone/>
-            </a:pPr>
-            <a:r>
-              <a:rPr lang="en-AU" dirty="0" smtClean="0">
-                <a:solidFill>
-                  <a:srgbClr val="0070C0"/>
-                </a:solidFill>
-              </a:rPr>
-              <a:t>&lt;QP&gt;</a:t>
-            </a:r>
-            <a:r>
-              <a:rPr lang="en-AU" dirty="0" smtClean="0">
-                <a:solidFill>
-                  <a:schemeClr val="bg1"/>
-                </a:solidFill>
-              </a:rPr>
-              <a:t>,</a:t>
-            </a:r>
-            <a:r>
-              <a:rPr lang="en-AU" dirty="0" smtClean="0">
-                <a:solidFill>
-                  <a:srgbClr val="0070C0"/>
-                </a:solidFill>
-              </a:rPr>
-              <a:t> </a:t>
-            </a:r>
-            <a:r>
-              <a:rPr lang="en-AU" dirty="0" smtClean="0"/>
-              <a:t>a </a:t>
-            </a:r>
-            <a:r>
-              <a:rPr lang="en-AU" dirty="0" smtClean="0">
-                <a:solidFill>
-                  <a:schemeClr val="accent5"/>
-                </a:solidFill>
-              </a:rPr>
-              <a:t>&lt;AP&gt;</a:t>
-            </a:r>
-          </a:p>
-        </p:txBody>
-      </p:sp>
-    </p:spTree>
-    <p:extLst>
-      <p:ext uri="{BB962C8B-B14F-4D97-AF65-F5344CB8AC3E}">
-        <p14:creationId xmlns:p14="http://schemas.microsoft.com/office/powerpoint/2010/main" val="2179836469"/>
-      </p:ext>
-    </p:extLst>
-  </p:cSld>
-  <p:clrMapOvr>
-    <a:masterClrMapping/>
-  </p:clrMapOvr>
-  <p:transition spd="med"/>
-</p:sld>
-</file>
-
-<file path=ppt/slides/slide16.xml><?xml version="1.0" encoding="utf-8"?>
-<p:sld xmlns:a="http://schemas.openxmlformats.org/drawingml/2006/main" xmlns:r="http://schemas.openxmlformats.org/officeDocument/2006/relationships" xmlns:p="http://schemas.openxmlformats.org/presentationml/2006/main">
-  <p:cSld>
-    <p:spTree>
-      <p:nvGrpSpPr>
-        <p:cNvPr id="1" name=""/>
-        <p:cNvGrpSpPr/>
-        <p:nvPr/>
-      </p:nvGrpSpPr>
-      <p:grpSpPr>
-        <a:xfrm>
-          <a:off x="0" y="0"/>
-          <a:ext cx="0" cy="0"/>
-          <a:chOff x="0" y="0"/>
-          <a:chExt cx="0" cy="0"/>
-        </a:xfrm>
-      </p:grpSpPr>
-      <p:sp>
-        <p:nvSpPr>
-          <p:cNvPr id="2" name="Title 1"/>
-          <p:cNvSpPr>
-            <a:spLocks noGrp="1"/>
-          </p:cNvSpPr>
-          <p:nvPr>
-            <p:ph type="title"/>
-          </p:nvPr>
-        </p:nvSpPr>
-        <p:spPr/>
-        <p:txBody>
-          <a:bodyPr>
-            <a:normAutofit fontScale="90000"/>
-          </a:bodyPr>
-          <a:lstStyle/>
-          <a:p>
-            <a:r>
-              <a:rPr lang="en-AU" dirty="0" smtClean="0"/>
-              <a:t>Features for answer extraction</a:t>
-            </a:r>
-            <a:endParaRPr lang="en-AU" dirty="0"/>
-          </a:p>
-        </p:txBody>
-      </p:sp>
-      <p:sp>
-        <p:nvSpPr>
-          <p:cNvPr id="3" name="Text Placeholder 2"/>
-          <p:cNvSpPr>
-            <a:spLocks noGrp="1"/>
-          </p:cNvSpPr>
-          <p:nvPr>
-            <p:ph type="body" idx="1"/>
-          </p:nvPr>
-        </p:nvSpPr>
-        <p:spPr/>
-        <p:txBody>
-          <a:bodyPr/>
-          <a:lstStyle/>
-          <a:p>
-            <a:r>
-              <a:rPr lang="en-AU" dirty="0" smtClean="0"/>
-              <a:t>Matches answer type</a:t>
-            </a:r>
-          </a:p>
-          <a:p>
-            <a:r>
-              <a:rPr lang="en-AU" dirty="0" smtClean="0"/>
-              <a:t>Matches regex pattern</a:t>
-            </a:r>
-          </a:p>
-          <a:p>
-            <a:r>
-              <a:rPr lang="en-AU" dirty="0" smtClean="0"/>
-              <a:t>Number of matched question keywords</a:t>
-            </a:r>
-          </a:p>
-          <a:p>
-            <a:r>
-              <a:rPr lang="en-AU" dirty="0" smtClean="0"/>
-              <a:t>Distance from keywords </a:t>
-            </a:r>
-          </a:p>
-          <a:p>
-            <a:pPr lvl="1"/>
-            <a:r>
-              <a:rPr lang="en-AU" dirty="0"/>
-              <a:t>W</a:t>
-            </a:r>
-            <a:r>
-              <a:rPr lang="en-AU" dirty="0" smtClean="0"/>
-              <a:t>ord distance</a:t>
-            </a:r>
-          </a:p>
-          <a:p>
-            <a:pPr lvl="1"/>
-            <a:r>
-              <a:rPr lang="en-AU" dirty="0" smtClean="0"/>
-              <a:t>Syntactic distance using parse</a:t>
-            </a:r>
-          </a:p>
-          <a:p>
-            <a:r>
-              <a:rPr lang="en-AU" dirty="0" smtClean="0"/>
-              <a:t>Contains novel words</a:t>
-            </a:r>
-          </a:p>
-          <a:p>
-            <a:r>
-              <a:rPr lang="en-AU" dirty="0" smtClean="0"/>
-              <a:t>Sequences of question terms in answer</a:t>
-            </a:r>
-          </a:p>
-          <a:p>
-            <a:r>
-              <a:rPr lang="en-AU" dirty="0" smtClean="0"/>
-              <a:t>Followed by punctuation</a:t>
-            </a:r>
-            <a:endParaRPr lang="en-AU" dirty="0"/>
-          </a:p>
-          <a:p>
-            <a:endParaRPr lang="en-AU" dirty="0"/>
-          </a:p>
-        </p:txBody>
-      </p:sp>
-    </p:spTree>
-    <p:extLst>
-      <p:ext uri="{BB962C8B-B14F-4D97-AF65-F5344CB8AC3E}">
-        <p14:creationId xmlns:p14="http://schemas.microsoft.com/office/powerpoint/2010/main" val="1668440496"/>
-      </p:ext>
-    </p:extLst>
-  </p:cSld>
-  <p:clrMapOvr>
-    <a:masterClrMapping/>
-  </p:clrMapOvr>
-  <p:transition spd="med"/>
-</p:sld>
-</file>
-
-<file path=ppt/slides/slide17.xml><?xml version="1.0" encoding="utf-8"?>
-<p:sld xmlns:a="http://schemas.openxmlformats.org/drawingml/2006/main" xmlns:r="http://schemas.openxmlformats.org/officeDocument/2006/relationships" xmlns:p="http://schemas.openxmlformats.org/presentationml/2006/main">
-  <p:cSld>
-    <p:spTree>
-      <p:nvGrpSpPr>
-        <p:cNvPr id="1" name=""/>
-        <p:cNvGrpSpPr/>
-        <p:nvPr/>
-      </p:nvGrpSpPr>
-      <p:grpSpPr>
-        <a:xfrm>
-          <a:off x="0" y="0"/>
-          <a:ext cx="0" cy="0"/>
-          <a:chOff x="0" y="0"/>
-          <a:chExt cx="0" cy="0"/>
-        </a:xfrm>
-      </p:grpSpPr>
-      <p:sp>
-        <p:nvSpPr>
-          <p:cNvPr id="2" name="Title 1"/>
-          <p:cNvSpPr>
-            <a:spLocks noGrp="1"/>
-          </p:cNvSpPr>
-          <p:nvPr>
-            <p:ph type="title"/>
-          </p:nvPr>
-        </p:nvSpPr>
-        <p:spPr/>
-        <p:txBody>
-          <a:bodyPr>
-            <a:normAutofit fontScale="90000"/>
-          </a:bodyPr>
-          <a:lstStyle/>
-          <a:p>
-            <a:r>
-              <a:rPr lang="en-AU" dirty="0" smtClean="0"/>
-              <a:t>END-TO-END example: IBM Watson</a:t>
-            </a:r>
-            <a:endParaRPr lang="en-AU" dirty="0"/>
-          </a:p>
-        </p:txBody>
-      </p:sp>
-      <p:sp>
-        <p:nvSpPr>
-          <p:cNvPr id="3" name="Text Placeholder 2"/>
-          <p:cNvSpPr>
-            <a:spLocks noGrp="1"/>
-          </p:cNvSpPr>
-          <p:nvPr>
-            <p:ph type="body" idx="1"/>
-          </p:nvPr>
-        </p:nvSpPr>
-        <p:spPr/>
-        <p:txBody>
-          <a:bodyPr/>
-          <a:lstStyle/>
-          <a:p>
-            <a:r>
-              <a:rPr lang="en-AU" dirty="0" smtClean="0"/>
-              <a:t>Watson beat Jeopardy! grandmaster in 2011</a:t>
-            </a:r>
-          </a:p>
-          <a:p>
-            <a:r>
-              <a:rPr lang="en-AU" dirty="0" smtClean="0"/>
-              <a:t>In Jeopardy!, question and answer are reversed</a:t>
-            </a:r>
-          </a:p>
-          <a:p>
-            <a:pPr lvl="1"/>
-            <a:r>
-              <a:rPr lang="en-AU" dirty="0" smtClean="0"/>
-              <a:t>“Questions” tend to be simple, no definitions/descriptions</a:t>
-            </a:r>
-          </a:p>
-          <a:p>
-            <a:pPr lvl="1"/>
-            <a:r>
-              <a:rPr lang="en-AU" dirty="0" smtClean="0"/>
-              <a:t>But otherwise extremely open-domain</a:t>
-            </a:r>
-          </a:p>
-          <a:p>
-            <a:pPr marL="444500" lvl="1" indent="0">
-              <a:buNone/>
-            </a:pPr>
-            <a:endParaRPr lang="en-AU" dirty="0" smtClean="0"/>
-          </a:p>
-          <a:p>
-            <a:pPr marL="444500" lvl="1" indent="0">
-              <a:buNone/>
-            </a:pPr>
-            <a:r>
-              <a:rPr lang="en-AU" dirty="0" smtClean="0"/>
-              <a:t>Robert Redford and Paul Newman starred in this depression-ear </a:t>
-            </a:r>
-            <a:r>
-              <a:rPr lang="en-AU" dirty="0" err="1" smtClean="0"/>
-              <a:t>grifter</a:t>
-            </a:r>
-            <a:r>
-              <a:rPr lang="en-AU" dirty="0" smtClean="0"/>
-              <a:t> flick.</a:t>
-            </a:r>
-          </a:p>
-          <a:p>
-            <a:pPr marL="444500" lvl="1" indent="0">
-              <a:buNone/>
-            </a:pPr>
-            <a:r>
-              <a:rPr lang="en-AU" dirty="0" smtClean="0"/>
-              <a:t>What is </a:t>
-            </a:r>
-            <a:r>
-              <a:rPr lang="en-AU" i="1" dirty="0" smtClean="0"/>
-              <a:t>The String?</a:t>
-            </a:r>
-            <a:endParaRPr lang="en-AU" dirty="0" smtClean="0"/>
-          </a:p>
-        </p:txBody>
-      </p:sp>
-    </p:spTree>
-    <p:extLst>
-      <p:ext uri="{BB962C8B-B14F-4D97-AF65-F5344CB8AC3E}">
-        <p14:creationId xmlns:p14="http://schemas.microsoft.com/office/powerpoint/2010/main" val="1073776123"/>
-      </p:ext>
-    </p:extLst>
-  </p:cSld>
-  <p:clrMapOvr>
-    <a:masterClrMapping/>
-  </p:clrMapOvr>
-  <p:transition spd="med"/>
-</p:sld>
-</file>
-
-<file path=ppt/slides/slide18.xml><?xml version="1.0" encoding="utf-8"?>
-<p:sld xmlns:a="http://schemas.openxmlformats.org/drawingml/2006/main" xmlns:r="http://schemas.openxmlformats.org/officeDocument/2006/relationships" xmlns:p="http://schemas.openxmlformats.org/presentationml/2006/main">
-  <p:cSld>
-    <p:spTree>
-      <p:nvGrpSpPr>
-        <p:cNvPr id="1" name=""/>
-        <p:cNvGrpSpPr/>
-        <p:nvPr/>
-      </p:nvGrpSpPr>
-      <p:grpSpPr>
-        <a:xfrm>
-          <a:off x="0" y="0"/>
-          <a:ext cx="0" cy="0"/>
-          <a:chOff x="0" y="0"/>
-          <a:chExt cx="0" cy="0"/>
-        </a:xfrm>
-      </p:grpSpPr>
-      <p:sp>
-        <p:nvSpPr>
-          <p:cNvPr id="2" name="Title 1"/>
-          <p:cNvSpPr>
-            <a:spLocks noGrp="1"/>
-          </p:cNvSpPr>
-          <p:nvPr>
-            <p:ph type="title"/>
-          </p:nvPr>
-        </p:nvSpPr>
-        <p:spPr/>
-        <p:txBody>
-          <a:bodyPr>
-            <a:normAutofit fontScale="90000"/>
-          </a:bodyPr>
-          <a:lstStyle/>
-          <a:p>
-            <a:r>
-              <a:rPr lang="en-AU" dirty="0" smtClean="0"/>
-              <a:t>Question Processing</a:t>
-            </a:r>
-            <a:endParaRPr lang="en-AU" dirty="0"/>
-          </a:p>
-        </p:txBody>
-      </p:sp>
-      <p:sp>
-        <p:nvSpPr>
-          <p:cNvPr id="3" name="Text Placeholder 2"/>
-          <p:cNvSpPr>
-            <a:spLocks noGrp="1"/>
-          </p:cNvSpPr>
-          <p:nvPr>
-            <p:ph type="body" idx="1"/>
-          </p:nvPr>
-        </p:nvSpPr>
-        <p:spPr/>
-        <p:txBody>
-          <a:bodyPr/>
-          <a:lstStyle/>
-          <a:p>
-            <a:r>
-              <a:rPr lang="en-AU" dirty="0" smtClean="0"/>
-              <a:t>Parsing and NER</a:t>
-            </a:r>
-          </a:p>
-          <a:p>
-            <a:r>
-              <a:rPr lang="en-AU" dirty="0"/>
-              <a:t>Identify focus, i.e. </a:t>
-            </a:r>
-            <a:r>
-              <a:rPr lang="en-AU" i="1" dirty="0"/>
-              <a:t>this depression-era </a:t>
-            </a:r>
-            <a:r>
-              <a:rPr lang="en-AU" i="1" dirty="0" err="1"/>
-              <a:t>grifter</a:t>
-            </a:r>
-            <a:r>
-              <a:rPr lang="en-AU" i="1" dirty="0"/>
-              <a:t> </a:t>
-            </a:r>
-            <a:r>
-              <a:rPr lang="en-AU" i="1" dirty="0" smtClean="0"/>
-              <a:t>flick</a:t>
-            </a:r>
-            <a:endParaRPr lang="en-AU" dirty="0" smtClean="0"/>
-          </a:p>
-          <a:p>
-            <a:r>
-              <a:rPr lang="en-AU" dirty="0" smtClean="0"/>
-              <a:t>Relation extraction, e.g. </a:t>
-            </a:r>
-            <a:r>
-              <a:rPr lang="en-AU" dirty="0" smtClean="0"/>
-              <a:t>acted-in</a:t>
-            </a:r>
-            <a:r>
-              <a:rPr lang="en-AU" dirty="0" smtClean="0"/>
-              <a:t>(</a:t>
-            </a:r>
-            <a:r>
-              <a:rPr lang="en-AU" dirty="0" err="1" smtClean="0"/>
-              <a:t>Robert_Redford</a:t>
-            </a:r>
-            <a:r>
-              <a:rPr lang="en-AU" dirty="0" smtClean="0"/>
-              <a:t>, focus)</a:t>
-            </a:r>
-            <a:endParaRPr lang="en-AU" dirty="0" smtClean="0"/>
-          </a:p>
-          <a:p>
-            <a:r>
-              <a:rPr lang="en-AU" dirty="0" smtClean="0"/>
-              <a:t>Identify </a:t>
-            </a:r>
-            <a:r>
-              <a:rPr lang="en-AU" dirty="0" smtClean="0"/>
-              <a:t>answer type(s)</a:t>
-            </a:r>
-          </a:p>
-          <a:p>
-            <a:pPr lvl="1"/>
-            <a:r>
-              <a:rPr lang="en-AU" dirty="0" smtClean="0"/>
-              <a:t>Watson has 5000 </a:t>
-            </a:r>
-            <a:r>
-              <a:rPr lang="en-AU" dirty="0" smtClean="0"/>
-              <a:t>total answer </a:t>
-            </a:r>
-            <a:r>
-              <a:rPr lang="en-AU" dirty="0"/>
-              <a:t>types</a:t>
-            </a:r>
-            <a:r>
-              <a:rPr lang="en-AU" dirty="0" smtClean="0"/>
-              <a:t>!</a:t>
-            </a:r>
-          </a:p>
-          <a:p>
-            <a:pPr lvl="1"/>
-            <a:r>
-              <a:rPr lang="en-AU" dirty="0" smtClean="0"/>
-              <a:t>Often headword of focus (e.g. </a:t>
-            </a:r>
-            <a:r>
-              <a:rPr lang="en-AU" i="1" dirty="0" smtClean="0"/>
-              <a:t>flick</a:t>
-            </a:r>
-            <a:r>
-              <a:rPr lang="en-AU" dirty="0" smtClean="0"/>
-              <a:t>, i.e. movie)</a:t>
-            </a:r>
-          </a:p>
-          <a:p>
-            <a:pPr lvl="1"/>
-            <a:r>
-              <a:rPr lang="en-AU" dirty="0" smtClean="0"/>
-              <a:t>But may require co-reference resolution</a:t>
-            </a:r>
-          </a:p>
-          <a:p>
-            <a:pPr marL="444500" lvl="1" indent="0">
-              <a:buNone/>
-            </a:pPr>
-            <a:r>
-              <a:rPr lang="en-AU" dirty="0" smtClean="0">
-                <a:solidFill>
-                  <a:srgbClr val="0070C0"/>
-                </a:solidFill>
-              </a:rPr>
-              <a:t>He</a:t>
-            </a:r>
-            <a:r>
-              <a:rPr lang="en-AU" dirty="0" smtClean="0"/>
-              <a:t> </a:t>
-            </a:r>
-            <a:r>
-              <a:rPr lang="en-AU" dirty="0"/>
-              <a:t>was a </a:t>
-            </a:r>
-            <a:r>
-              <a:rPr lang="en-AU" dirty="0">
-                <a:solidFill>
-                  <a:srgbClr val="0070C0"/>
-                </a:solidFill>
-              </a:rPr>
-              <a:t>bank clerk </a:t>
-            </a:r>
-            <a:r>
-              <a:rPr lang="en-AU" dirty="0"/>
-              <a:t>in the Yukon before </a:t>
-            </a:r>
-            <a:r>
-              <a:rPr lang="en-AU" dirty="0">
-                <a:solidFill>
-                  <a:srgbClr val="0070C0"/>
-                </a:solidFill>
-              </a:rPr>
-              <a:t>he</a:t>
-            </a:r>
-            <a:r>
-              <a:rPr lang="en-AU" dirty="0"/>
-              <a:t> published “Songs of a Sourdough” in 1907.</a:t>
-            </a:r>
-          </a:p>
-          <a:p>
-            <a:pPr marL="444500" lvl="1" indent="0">
-              <a:buNone/>
-            </a:pPr>
-            <a:endParaRPr lang="en-AU" dirty="0" smtClean="0"/>
-          </a:p>
-          <a:p>
-            <a:pPr marL="0" indent="0">
-              <a:buNone/>
-            </a:pPr>
-            <a:endParaRPr lang="en-AU" dirty="0" smtClean="0"/>
-          </a:p>
-        </p:txBody>
-      </p:sp>
-    </p:spTree>
-    <p:extLst>
-      <p:ext uri="{BB962C8B-B14F-4D97-AF65-F5344CB8AC3E}">
-        <p14:creationId xmlns:p14="http://schemas.microsoft.com/office/powerpoint/2010/main" val="903964037"/>
-      </p:ext>
-    </p:extLst>
-  </p:cSld>
-  <p:clrMapOvr>
-    <a:masterClrMapping/>
-  </p:clrMapOvr>
-  <p:transition spd="med"/>
-</p:sld>
-</file>
-
-<file path=ppt/slides/slide19.xml><?xml version="1.0" encoding="utf-8"?>
-<p:sld xmlns:a="http://schemas.openxmlformats.org/drawingml/2006/main" xmlns:r="http://schemas.openxmlformats.org/officeDocument/2006/relationships" xmlns:p="http://schemas.openxmlformats.org/presentationml/2006/main">
-  <p:cSld>
-    <p:spTree>
-      <p:nvGrpSpPr>
-        <p:cNvPr id="1" name=""/>
-        <p:cNvGrpSpPr/>
-        <p:nvPr/>
-      </p:nvGrpSpPr>
-      <p:grpSpPr>
-        <a:xfrm>
-          <a:off x="0" y="0"/>
-          <a:ext cx="0" cy="0"/>
-          <a:chOff x="0" y="0"/>
-          <a:chExt cx="0" cy="0"/>
-        </a:xfrm>
-      </p:grpSpPr>
-      <p:sp>
-        <p:nvSpPr>
-          <p:cNvPr id="2" name="Title 1"/>
-          <p:cNvSpPr>
-            <a:spLocks noGrp="1"/>
-          </p:cNvSpPr>
-          <p:nvPr>
-            <p:ph type="title"/>
-          </p:nvPr>
-        </p:nvSpPr>
-        <p:spPr/>
-        <p:txBody>
-          <a:bodyPr>
-            <a:normAutofit fontScale="90000"/>
-          </a:bodyPr>
-          <a:lstStyle/>
-          <a:p>
-            <a:r>
-              <a:rPr lang="en-AU" dirty="0" smtClean="0"/>
-              <a:t>Candidate answer generation</a:t>
-            </a:r>
-            <a:endParaRPr lang="en-AU" dirty="0"/>
-          </a:p>
-        </p:txBody>
-      </p:sp>
-      <p:sp>
-        <p:nvSpPr>
-          <p:cNvPr id="3" name="Text Placeholder 2"/>
-          <p:cNvSpPr>
-            <a:spLocks noGrp="1"/>
-          </p:cNvSpPr>
-          <p:nvPr>
-            <p:ph type="body" idx="1"/>
-          </p:nvPr>
-        </p:nvSpPr>
-        <p:spPr/>
-        <p:txBody>
-          <a:bodyPr/>
-          <a:lstStyle/>
-          <a:p>
-            <a:r>
-              <a:rPr lang="en-AU" dirty="0" smtClean="0"/>
-              <a:t>For extracted relations (logical forms), query databases like IMBD or </a:t>
-            </a:r>
-            <a:r>
-              <a:rPr lang="en-AU" dirty="0" err="1" smtClean="0"/>
-              <a:t>DBpedia</a:t>
-            </a:r>
-            <a:r>
-              <a:rPr lang="en-AU" dirty="0" smtClean="0"/>
-              <a:t> to find potential answers</a:t>
-            </a:r>
-          </a:p>
-          <a:p>
-            <a:r>
-              <a:rPr lang="en-AU" dirty="0" smtClean="0"/>
-              <a:t>Search text collections with weighted query</a:t>
-            </a:r>
-          </a:p>
-          <a:p>
-            <a:pPr lvl="1"/>
-            <a:r>
-              <a:rPr lang="en-AU" dirty="0" smtClean="0"/>
-              <a:t>For </a:t>
-            </a:r>
-            <a:r>
-              <a:rPr lang="en-AU" dirty="0"/>
-              <a:t>W</a:t>
-            </a:r>
-            <a:r>
-              <a:rPr lang="en-AU" dirty="0" smtClean="0"/>
-              <a:t>ikipedia, take titles of high ranked documents</a:t>
-            </a:r>
-          </a:p>
-          <a:p>
-            <a:pPr lvl="1"/>
-            <a:r>
-              <a:rPr lang="en-AU" dirty="0" smtClean="0"/>
-              <a:t>For other texts, identify anchor texts or Wikipedia document titles</a:t>
-            </a:r>
-            <a:endParaRPr lang="en-AU" dirty="0"/>
-          </a:p>
-        </p:txBody>
-      </p:sp>
-    </p:spTree>
-    <p:extLst>
-      <p:ext uri="{BB962C8B-B14F-4D97-AF65-F5344CB8AC3E}">
-        <p14:creationId xmlns:p14="http://schemas.microsoft.com/office/powerpoint/2010/main" val="2324817237"/>
-      </p:ext>
-    </p:extLst>
-  </p:cSld>
-  <p:clrMapOvr>
-    <a:masterClrMapping/>
-  </p:clrMapOvr>
-  <p:transition spd="med"/>
-</p:sld>
-</file>
-
-<file path=ppt/slides/slide2.xml><?xml version="1.0" encoding="utf-8"?>
-<p:sld xmlns:a="http://schemas.openxmlformats.org/drawingml/2006/main" xmlns:r="http://schemas.openxmlformats.org/officeDocument/2006/relationships" xmlns:p="http://schemas.openxmlformats.org/presentationml/2006/main">
-  <p:cSld>
-    <p:spTree>
-      <p:nvGrpSpPr>
-        <p:cNvPr id="1" name=""/>
-        <p:cNvGrpSpPr/>
-        <p:nvPr/>
-      </p:nvGrpSpPr>
-      <p:grpSpPr>
-        <a:xfrm>
-          <a:off x="0" y="0"/>
-          <a:ext cx="0" cy="0"/>
-          <a:chOff x="0" y="0"/>
-          <a:chExt cx="0" cy="0"/>
-        </a:xfrm>
-      </p:grpSpPr>
-      <p:sp>
-        <p:nvSpPr>
-          <p:cNvPr id="2" name="Title 1"/>
-          <p:cNvSpPr>
-            <a:spLocks noGrp="1"/>
-          </p:cNvSpPr>
-          <p:nvPr>
-            <p:ph type="title"/>
-          </p:nvPr>
-        </p:nvSpPr>
-        <p:spPr/>
-        <p:txBody>
-          <a:bodyPr>
-            <a:normAutofit fontScale="90000"/>
-          </a:bodyPr>
-          <a:lstStyle/>
-          <a:p>
-            <a:r>
-              <a:rPr lang="en-AU" dirty="0" smtClean="0"/>
-              <a:t>What is question answering?</a:t>
-            </a:r>
-            <a:endParaRPr lang="en-AU" dirty="0"/>
-          </a:p>
-        </p:txBody>
-      </p:sp>
-      <p:sp>
-        <p:nvSpPr>
-          <p:cNvPr id="3" name="Text Placeholder 2"/>
-          <p:cNvSpPr>
-            <a:spLocks noGrp="1"/>
-          </p:cNvSpPr>
-          <p:nvPr>
-            <p:ph type="body" idx="1"/>
-          </p:nvPr>
-        </p:nvSpPr>
-        <p:spPr/>
-        <p:txBody>
-          <a:bodyPr/>
-          <a:lstStyle/>
-          <a:p>
-            <a:r>
-              <a:rPr lang="en-AU" dirty="0" smtClean="0"/>
-              <a:t>The task of automatically determining an answer for a user-provided question</a:t>
-            </a:r>
-          </a:p>
-          <a:p>
-            <a:r>
-              <a:rPr lang="en-AU" dirty="0" smtClean="0"/>
-              <a:t>Focus in the field (and this lecture) is on </a:t>
-            </a:r>
-            <a:r>
-              <a:rPr lang="en-AU" i="1" dirty="0" smtClean="0"/>
-              <a:t>factoid </a:t>
-            </a:r>
-            <a:r>
-              <a:rPr lang="en-AU" dirty="0" smtClean="0"/>
-              <a:t>QA</a:t>
-            </a:r>
-            <a:endParaRPr lang="en-AU" i="1" dirty="0" smtClean="0"/>
-          </a:p>
-          <a:p>
-            <a:pPr lvl="1"/>
-            <a:r>
-              <a:rPr lang="en-AU" i="1" dirty="0" smtClean="0"/>
-              <a:t>Question: </a:t>
-            </a:r>
-            <a:r>
-              <a:rPr lang="en-AU" dirty="0" smtClean="0"/>
-              <a:t>Who said ‘you will know a word by the company it keeps’?</a:t>
-            </a:r>
-          </a:p>
-          <a:p>
-            <a:pPr lvl="1"/>
-            <a:r>
-              <a:rPr lang="en-AU" i="1" dirty="0" smtClean="0"/>
-              <a:t>Answer: Firth</a:t>
-            </a:r>
-          </a:p>
-          <a:p>
-            <a:r>
-              <a:rPr lang="en-AU" dirty="0" smtClean="0"/>
-              <a:t>But there are other kinds of QA, e.g.</a:t>
-            </a:r>
-          </a:p>
-          <a:p>
-            <a:pPr lvl="1"/>
-            <a:r>
-              <a:rPr lang="en-AU" dirty="0" smtClean="0"/>
-              <a:t>“episodic” QA: tell a story, ask a question about it</a:t>
-            </a:r>
-          </a:p>
-          <a:p>
-            <a:pPr lvl="1"/>
-            <a:r>
-              <a:rPr lang="en-AU" dirty="0" smtClean="0"/>
-              <a:t>“community” QA: match a new question to an existing question on QA websites </a:t>
-            </a:r>
-            <a:r>
-              <a:rPr lang="en-AU" dirty="0"/>
-              <a:t>(</a:t>
-            </a:r>
-            <a:r>
-              <a:rPr lang="en-AU" dirty="0" err="1" smtClean="0"/>
-              <a:t>StackExchange</a:t>
-            </a:r>
-            <a:r>
-              <a:rPr lang="en-AU" dirty="0" smtClean="0"/>
-              <a:t>)</a:t>
-            </a:r>
-          </a:p>
-        </p:txBody>
-      </p:sp>
-    </p:spTree>
-    <p:extLst>
-      <p:ext uri="{BB962C8B-B14F-4D97-AF65-F5344CB8AC3E}">
-        <p14:creationId xmlns:p14="http://schemas.microsoft.com/office/powerpoint/2010/main" val="38343043"/>
-      </p:ext>
-    </p:extLst>
-  </p:cSld>
-  <p:clrMapOvr>
-    <a:masterClrMapping/>
-  </p:clrMapOvr>
-  <p:transition spd="med"/>
-  <p:timing>
-    <p:tnLst>
-      <p:par>
-        <p:cTn id="1" dur="indefinite" restart="never" nodeType="tmRoot"/>
-      </p:par>
-    </p:tnLst>
-  </p:timing>
-</p:sld>
-</file>
-
-<file path=ppt/slides/slide20.xml><?xml version="1.0" encoding="utf-8"?>
-<p:sld xmlns:a="http://schemas.openxmlformats.org/drawingml/2006/main" xmlns:r="http://schemas.openxmlformats.org/officeDocument/2006/relationships" xmlns:p="http://schemas.openxmlformats.org/presentationml/2006/main">
-  <p:cSld>
-    <p:spTree>
-      <p:nvGrpSpPr>
-        <p:cNvPr id="1" name=""/>
-        <p:cNvGrpSpPr/>
-        <p:nvPr/>
-      </p:nvGrpSpPr>
-      <p:grpSpPr>
-        <a:xfrm>
-          <a:off x="0" y="0"/>
-          <a:ext cx="0" cy="0"/>
-          <a:chOff x="0" y="0"/>
-          <a:chExt cx="0" cy="0"/>
-        </a:xfrm>
-      </p:grpSpPr>
-      <p:sp>
-        <p:nvSpPr>
-          <p:cNvPr id="2" name="Title 1"/>
-          <p:cNvSpPr>
-            <a:spLocks noGrp="1"/>
-          </p:cNvSpPr>
-          <p:nvPr>
-            <p:ph type="title"/>
-          </p:nvPr>
-        </p:nvSpPr>
-        <p:spPr/>
-        <p:txBody>
-          <a:bodyPr>
-            <a:normAutofit fontScale="90000"/>
-          </a:bodyPr>
-          <a:lstStyle/>
-          <a:p>
-            <a:r>
-              <a:rPr lang="en-AU" dirty="0" smtClean="0"/>
-              <a:t>Answer selection</a:t>
-            </a:r>
-            <a:endParaRPr lang="en-AU" dirty="0"/>
-          </a:p>
-        </p:txBody>
-      </p:sp>
-      <p:sp>
-        <p:nvSpPr>
-          <p:cNvPr id="3" name="Text Placeholder 2"/>
-          <p:cNvSpPr>
-            <a:spLocks noGrp="1"/>
-          </p:cNvSpPr>
-          <p:nvPr>
-            <p:ph type="body" idx="1"/>
-          </p:nvPr>
-        </p:nvSpPr>
-        <p:spPr/>
-        <p:txBody>
-          <a:bodyPr/>
-          <a:lstStyle/>
-          <a:p>
-            <a:r>
-              <a:rPr lang="en-AU" dirty="0" smtClean="0"/>
-              <a:t>Use WordNet to see if candidate is a potential instance of identified answer type</a:t>
-            </a:r>
-          </a:p>
-          <a:p>
-            <a:r>
-              <a:rPr lang="en-AU" dirty="0" smtClean="0"/>
-              <a:t>Require temporal consistency</a:t>
-            </a:r>
-          </a:p>
-          <a:p>
-            <a:r>
-              <a:rPr lang="en-AU" dirty="0" smtClean="0"/>
-              <a:t>Remove redundant candidates</a:t>
-            </a:r>
-          </a:p>
-          <a:p>
-            <a:r>
-              <a:rPr lang="en-AU" dirty="0" smtClean="0"/>
-              <a:t>Apply a machine classifier to choose final answer</a:t>
-            </a:r>
-          </a:p>
-          <a:p>
-            <a:endParaRPr lang="en-AU" dirty="0"/>
-          </a:p>
-        </p:txBody>
-      </p:sp>
-    </p:spTree>
-    <p:extLst>
-      <p:ext uri="{BB962C8B-B14F-4D97-AF65-F5344CB8AC3E}">
-        <p14:creationId xmlns:p14="http://schemas.microsoft.com/office/powerpoint/2010/main" val="4107981238"/>
-      </p:ext>
-    </p:extLst>
-  </p:cSld>
-  <p:clrMapOvr>
-    <a:masterClrMapping/>
-  </p:clrMapOvr>
-  <p:transition spd="med"/>
-</p:sld>
-</file>
-
-<file path=ppt/slides/slide21.xml><?xml version="1.0" encoding="utf-8"?>
-<p:sld xmlns:a="http://schemas.openxmlformats.org/drawingml/2006/main" xmlns:r="http://schemas.openxmlformats.org/officeDocument/2006/relationships" xmlns:p="http://schemas.openxmlformats.org/presentationml/2006/main">
-  <p:cSld>
-    <p:spTree>
-      <p:nvGrpSpPr>
-        <p:cNvPr id="1" name=""/>
-        <p:cNvGrpSpPr/>
-        <p:nvPr/>
-      </p:nvGrpSpPr>
-      <p:grpSpPr>
-        <a:xfrm>
-          <a:off x="0" y="0"/>
-          <a:ext cx="0" cy="0"/>
-          <a:chOff x="0" y="0"/>
-          <a:chExt cx="0" cy="0"/>
-        </a:xfrm>
-      </p:grpSpPr>
-      <p:sp>
-        <p:nvSpPr>
-          <p:cNvPr id="2" name="Title 1"/>
-          <p:cNvSpPr>
-            <a:spLocks noGrp="1"/>
-          </p:cNvSpPr>
-          <p:nvPr>
-            <p:ph type="title"/>
-          </p:nvPr>
-        </p:nvSpPr>
-        <p:spPr/>
-        <p:txBody>
-          <a:bodyPr>
-            <a:normAutofit fontScale="90000"/>
-          </a:bodyPr>
-          <a:lstStyle/>
-          <a:p>
-            <a:r>
-              <a:rPr lang="en-AU" dirty="0" smtClean="0"/>
-              <a:t>Corpora for QA</a:t>
-            </a:r>
-            <a:endParaRPr lang="en-AU" dirty="0"/>
-          </a:p>
-        </p:txBody>
-      </p:sp>
-      <p:sp>
-        <p:nvSpPr>
-          <p:cNvPr id="3" name="Text Placeholder 2"/>
-          <p:cNvSpPr>
-            <a:spLocks noGrp="1"/>
-          </p:cNvSpPr>
-          <p:nvPr>
-            <p:ph type="body" idx="1"/>
-          </p:nvPr>
-        </p:nvSpPr>
-        <p:spPr/>
-        <p:txBody>
-          <a:bodyPr/>
-          <a:lstStyle/>
-          <a:p>
-            <a:r>
-              <a:rPr lang="en-AU" dirty="0" smtClean="0"/>
-              <a:t>TREC (IR shared task)</a:t>
-            </a:r>
-          </a:p>
-          <a:p>
-            <a:pPr lvl="1"/>
-            <a:r>
-              <a:rPr lang="en-AU" dirty="0" smtClean="0"/>
-              <a:t>Series of Factoid QA datasets with guaranteed answer in corpus of newswire</a:t>
-            </a:r>
-          </a:p>
-          <a:p>
-            <a:r>
-              <a:rPr lang="en-AU" dirty="0" smtClean="0"/>
-              <a:t>WEBQUESTIONS</a:t>
-            </a:r>
-          </a:p>
-          <a:p>
-            <a:pPr lvl="1"/>
-            <a:r>
-              <a:rPr lang="en-AU" dirty="0" smtClean="0"/>
-              <a:t>6k questions asked by </a:t>
-            </a:r>
-            <a:r>
-              <a:rPr lang="en-AU" dirty="0" err="1" smtClean="0"/>
-              <a:t>netizens</a:t>
-            </a:r>
-            <a:r>
-              <a:rPr lang="en-AU" dirty="0" smtClean="0"/>
-              <a:t>, hand-written answers drawn from Freebase </a:t>
-            </a:r>
-            <a:r>
-              <a:rPr lang="en-AU" dirty="0"/>
-              <a:t>p</a:t>
-            </a:r>
-            <a:r>
-              <a:rPr lang="en-AU" dirty="0" smtClean="0"/>
-              <a:t>age</a:t>
-            </a:r>
-          </a:p>
-          <a:p>
-            <a:r>
-              <a:rPr lang="en-AU" dirty="0" err="1" smtClean="0"/>
-              <a:t>SQuAD</a:t>
-            </a:r>
-            <a:endParaRPr lang="en-AU" dirty="0" smtClean="0"/>
-          </a:p>
-          <a:p>
-            <a:pPr lvl="1"/>
-            <a:r>
-              <a:rPr lang="en-AU" dirty="0" smtClean="0"/>
-              <a:t>Latest and greatest in QA, reading comprehension based on Wikipedia paragraphs, annotated by crowdsource. 100000+ question answer pairs</a:t>
-            </a:r>
-          </a:p>
-          <a:p>
-            <a:endParaRPr lang="en-AU" dirty="0" smtClean="0"/>
-          </a:p>
-          <a:p>
-            <a:pPr lvl="1"/>
-            <a:endParaRPr lang="en-AU" dirty="0"/>
-          </a:p>
-        </p:txBody>
-      </p:sp>
-    </p:spTree>
-    <p:extLst>
-      <p:ext uri="{BB962C8B-B14F-4D97-AF65-F5344CB8AC3E}">
-        <p14:creationId xmlns:p14="http://schemas.microsoft.com/office/powerpoint/2010/main" val="3494045690"/>
-      </p:ext>
-    </p:extLst>
-  </p:cSld>
-  <p:clrMapOvr>
-    <a:masterClrMapping/>
-  </p:clrMapOvr>
-  <p:transition spd="med"/>
-</p:sld>
-</file>
-
-<file path=ppt/slides/slide22.xml><?xml version="1.0" encoding="utf-8"?>
-<p:sld xmlns:a="http://schemas.openxmlformats.org/drawingml/2006/main" xmlns:r="http://schemas.openxmlformats.org/officeDocument/2006/relationships" xmlns:p="http://schemas.openxmlformats.org/presentationml/2006/main">
-  <p:cSld>
-    <p:spTree>
-      <p:nvGrpSpPr>
-        <p:cNvPr id="1" name=""/>
-        <p:cNvGrpSpPr/>
-        <p:nvPr/>
-      </p:nvGrpSpPr>
-      <p:grpSpPr>
-        <a:xfrm>
-          <a:off x="0" y="0"/>
-          <a:ext cx="0" cy="0"/>
-          <a:chOff x="0" y="0"/>
-          <a:chExt cx="0" cy="0"/>
-        </a:xfrm>
-      </p:grpSpPr>
-      <p:sp>
-        <p:nvSpPr>
-          <p:cNvPr id="2" name="Title 1"/>
-          <p:cNvSpPr>
-            <a:spLocks noGrp="1"/>
-          </p:cNvSpPr>
-          <p:nvPr>
-            <p:ph type="title"/>
-          </p:nvPr>
-        </p:nvSpPr>
-        <p:spPr/>
-        <p:txBody>
-          <a:bodyPr>
-            <a:normAutofit fontScale="90000"/>
-          </a:bodyPr>
-          <a:lstStyle/>
-          <a:p>
-            <a:r>
-              <a:rPr lang="en-AU" dirty="0" smtClean="0"/>
-              <a:t>Mean reciprocal rank </a:t>
-            </a:r>
-            <a:endParaRPr lang="en-AU" dirty="0"/>
-          </a:p>
-        </p:txBody>
-      </p:sp>
-      <p:sp>
-        <p:nvSpPr>
-          <p:cNvPr id="3" name="Text Placeholder 2"/>
-          <p:cNvSpPr>
-            <a:spLocks noGrp="1"/>
-          </p:cNvSpPr>
-          <p:nvPr>
-            <p:ph type="body" idx="1"/>
-          </p:nvPr>
-        </p:nvSpPr>
-        <p:spPr/>
-        <p:txBody>
-          <a:bodyPr/>
-          <a:lstStyle/>
-          <a:p>
-            <a:r>
-              <a:rPr lang="en-AU" dirty="0" smtClean="0"/>
-              <a:t>The inverse rank of the first correct answer</a:t>
-            </a:r>
-          </a:p>
-          <a:p>
-            <a:pPr lvl="1"/>
-            <a:r>
-              <a:rPr lang="en-AU" dirty="0" smtClean="0"/>
-              <a:t>Averaged across all test instances</a:t>
-            </a:r>
-          </a:p>
-          <a:p>
-            <a:pPr lvl="1"/>
-            <a:r>
-              <a:rPr lang="en-AU" dirty="0" smtClean="0"/>
-              <a:t>Zero if correct answer not ranked</a:t>
-            </a:r>
-          </a:p>
-          <a:p>
-            <a:r>
-              <a:rPr lang="en-AU" dirty="0" smtClean="0"/>
-              <a:t>Appropriate for ranking models</a:t>
-            </a:r>
-          </a:p>
-          <a:p>
-            <a:r>
-              <a:rPr lang="en-AU" dirty="0" smtClean="0"/>
-              <a:t>Give partial credit for near-misses</a:t>
-            </a:r>
-          </a:p>
-          <a:p>
-            <a:r>
-              <a:rPr lang="en-AU" dirty="0" smtClean="0"/>
-              <a:t>In non-ranking situations, just use f-score</a:t>
-            </a:r>
-            <a:endParaRPr lang="en-AU" dirty="0"/>
-          </a:p>
-        </p:txBody>
-      </p:sp>
-    </p:spTree>
-    <p:extLst>
-      <p:ext uri="{BB962C8B-B14F-4D97-AF65-F5344CB8AC3E}">
-        <p14:creationId xmlns:p14="http://schemas.microsoft.com/office/powerpoint/2010/main" val="2798785308"/>
-      </p:ext>
-    </p:extLst>
-  </p:cSld>
-  <p:clrMapOvr>
-    <a:masterClrMapping/>
-  </p:clrMapOvr>
-  <p:transition spd="med"/>
-</p:sld>
-</file>
-
-<file path=ppt/slides/slide23.xml><?xml version="1.0" encoding="utf-8"?>
-<p:sld xmlns:a="http://schemas.openxmlformats.org/drawingml/2006/main" xmlns:r="http://schemas.openxmlformats.org/officeDocument/2006/relationships" xmlns:p="http://schemas.openxmlformats.org/presentationml/2006/main">
-  <p:cSld>
-    <p:spTree>
-      <p:nvGrpSpPr>
-        <p:cNvPr id="1" name=""/>
-        <p:cNvGrpSpPr/>
-        <p:nvPr/>
-      </p:nvGrpSpPr>
-      <p:grpSpPr>
-        <a:xfrm>
-          <a:off x="0" y="0"/>
-          <a:ext cx="0" cy="0"/>
-          <a:chOff x="0" y="0"/>
-          <a:chExt cx="0" cy="0"/>
-        </a:xfrm>
-      </p:grpSpPr>
-      <p:sp>
-        <p:nvSpPr>
-          <p:cNvPr id="2" name="Title 1"/>
-          <p:cNvSpPr>
-            <a:spLocks noGrp="1"/>
-          </p:cNvSpPr>
-          <p:nvPr>
-            <p:ph type="title"/>
-          </p:nvPr>
-        </p:nvSpPr>
-        <p:spPr/>
-        <p:txBody>
-          <a:bodyPr>
-            <a:normAutofit fontScale="90000"/>
-          </a:bodyPr>
-          <a:lstStyle/>
-          <a:p>
-            <a:r>
-              <a:rPr lang="en-AU" dirty="0" smtClean="0"/>
-              <a:t>Further reading</a:t>
-            </a:r>
-            <a:endParaRPr lang="en-AU" dirty="0"/>
-          </a:p>
-        </p:txBody>
-      </p:sp>
-      <p:sp>
-        <p:nvSpPr>
-          <p:cNvPr id="3" name="Text Placeholder 2"/>
-          <p:cNvSpPr>
-            <a:spLocks noGrp="1"/>
-          </p:cNvSpPr>
-          <p:nvPr>
-            <p:ph type="body" idx="1"/>
-          </p:nvPr>
-        </p:nvSpPr>
-        <p:spPr/>
-        <p:txBody>
-          <a:bodyPr/>
-          <a:lstStyle/>
-          <a:p>
-            <a:r>
-              <a:rPr lang="en-AU" dirty="0" smtClean="0"/>
-              <a:t>J&amp;M3, </a:t>
-            </a:r>
-            <a:r>
-              <a:rPr lang="en-AU" dirty="0" err="1" smtClean="0"/>
-              <a:t>Ch</a:t>
-            </a:r>
-            <a:r>
-              <a:rPr lang="en-AU" dirty="0" smtClean="0"/>
-              <a:t> </a:t>
-            </a:r>
-            <a:r>
-              <a:rPr lang="en-AU" dirty="0" smtClean="0"/>
-              <a:t>28</a:t>
-            </a:r>
-            <a:endParaRPr lang="en-AU" dirty="0"/>
-          </a:p>
-        </p:txBody>
-      </p:sp>
-    </p:spTree>
-    <p:extLst>
-      <p:ext uri="{BB962C8B-B14F-4D97-AF65-F5344CB8AC3E}">
-        <p14:creationId xmlns:p14="http://schemas.microsoft.com/office/powerpoint/2010/main" val="1460751259"/>
-      </p:ext>
-    </p:extLst>
-  </p:cSld>
-  <p:clrMapOvr>
-    <a:masterClrMapping/>
-  </p:clrMapOvr>
-  <p:transition spd="med"/>
-  <p:timing>
-    <p:tnLst>
-      <p:par>
-        <p:cTn id="1" dur="indefinite" restart="never" nodeType="tmRoot"/>
-      </p:par>
-    </p:tnLst>
-  </p:timing>
-</p:sld>
-</file>
-
-<file path=ppt/slides/slide3.xml><?xml version="1.0" encoding="utf-8"?>
-<p:sld xmlns:a="http://schemas.openxmlformats.org/drawingml/2006/main" xmlns:r="http://schemas.openxmlformats.org/officeDocument/2006/relationships" xmlns:p="http://schemas.openxmlformats.org/presentationml/2006/main">
-  <p:cSld>
-    <p:spTree>
-      <p:nvGrpSpPr>
-        <p:cNvPr id="1" name=""/>
-        <p:cNvGrpSpPr/>
-        <p:nvPr/>
-      </p:nvGrpSpPr>
-      <p:grpSpPr>
-        <a:xfrm>
-          <a:off x="0" y="0"/>
-          <a:ext cx="0" cy="0"/>
-          <a:chOff x="0" y="0"/>
-          <a:chExt cx="0" cy="0"/>
-        </a:xfrm>
-      </p:grpSpPr>
-      <p:sp>
-        <p:nvSpPr>
-          <p:cNvPr id="2" name="Title 1"/>
-          <p:cNvSpPr>
-            <a:spLocks noGrp="1"/>
-          </p:cNvSpPr>
-          <p:nvPr>
-            <p:ph type="title"/>
-          </p:nvPr>
-        </p:nvSpPr>
-        <p:spPr/>
-        <p:txBody>
-          <a:bodyPr>
-            <a:normAutofit fontScale="90000"/>
-          </a:bodyPr>
-          <a:lstStyle/>
-          <a:p>
-            <a:r>
-              <a:rPr lang="en-AU" dirty="0" smtClean="0"/>
-              <a:t>Approaches to QA</a:t>
-            </a:r>
-            <a:endParaRPr lang="en-AU" dirty="0"/>
-          </a:p>
-        </p:txBody>
-      </p:sp>
-      <p:sp>
-        <p:nvSpPr>
-          <p:cNvPr id="3" name="Text Placeholder 2"/>
-          <p:cNvSpPr>
-            <a:spLocks noGrp="1"/>
-          </p:cNvSpPr>
-          <p:nvPr>
-            <p:ph type="body" idx="1"/>
-          </p:nvPr>
-        </p:nvSpPr>
-        <p:spPr/>
-        <p:txBody>
-          <a:bodyPr/>
-          <a:lstStyle/>
-          <a:p>
-            <a:r>
-              <a:rPr lang="en-AU" dirty="0" smtClean="0"/>
-              <a:t>QA as mapping of question to a knowledge-base query</a:t>
-            </a:r>
-          </a:p>
-          <a:p>
-            <a:r>
-              <a:rPr lang="en-AU" dirty="0" smtClean="0"/>
-              <a:t>QA as information extraction</a:t>
-            </a:r>
-          </a:p>
-          <a:p>
-            <a:r>
-              <a:rPr lang="en-AU" dirty="0"/>
-              <a:t>QA as </a:t>
-            </a:r>
-            <a:r>
-              <a:rPr lang="en-AU" dirty="0" smtClean="0"/>
-              <a:t>information retrieval</a:t>
-            </a:r>
-          </a:p>
-          <a:p>
-            <a:r>
-              <a:rPr lang="en-AU" dirty="0" smtClean="0"/>
-              <a:t>QA as (sequential) deep learning</a:t>
-            </a:r>
-          </a:p>
-        </p:txBody>
-      </p:sp>
-    </p:spTree>
-    <p:extLst>
-      <p:ext uri="{BB962C8B-B14F-4D97-AF65-F5344CB8AC3E}">
-        <p14:creationId xmlns:p14="http://schemas.microsoft.com/office/powerpoint/2010/main" val="925372445"/>
-      </p:ext>
-    </p:extLst>
-  </p:cSld>
-  <p:clrMapOvr>
-    <a:masterClrMapping/>
-  </p:clrMapOvr>
-  <p:transition spd="med"/>
-  <p:timing>
-    <p:tnLst>
-      <p:par>
-        <p:cTn id="1" dur="indefinite" restart="never" nodeType="tmRoot"/>
-      </p:par>
-    </p:tnLst>
-  </p:timing>
-</p:sld>
-</file>
-
-<file path=ppt/slides/slide4.xml><?xml version="1.0" encoding="utf-8"?>
-<p:sld xmlns:a="http://schemas.openxmlformats.org/drawingml/2006/main" xmlns:r="http://schemas.openxmlformats.org/officeDocument/2006/relationships" xmlns:p="http://schemas.openxmlformats.org/presentationml/2006/main">
-  <p:cSld>
-    <p:spTree>
-      <p:nvGrpSpPr>
-        <p:cNvPr id="1" name=""/>
-        <p:cNvGrpSpPr/>
-        <p:nvPr/>
-      </p:nvGrpSpPr>
-      <p:grpSpPr>
-        <a:xfrm>
-          <a:off x="0" y="0"/>
-          <a:ext cx="0" cy="0"/>
-          <a:chOff x="0" y="0"/>
-          <a:chExt cx="0" cy="0"/>
-        </a:xfrm>
-      </p:grpSpPr>
-      <p:sp>
-        <p:nvSpPr>
-          <p:cNvPr id="2" name="Title 1"/>
-          <p:cNvSpPr>
-            <a:spLocks noGrp="1"/>
-          </p:cNvSpPr>
-          <p:nvPr>
-            <p:ph type="title"/>
-          </p:nvPr>
-        </p:nvSpPr>
-        <p:spPr/>
-        <p:txBody>
-          <a:bodyPr>
-            <a:normAutofit fontScale="90000"/>
-          </a:bodyPr>
-          <a:lstStyle/>
-          <a:p>
-            <a:r>
-              <a:rPr lang="en-AU" dirty="0" smtClean="0"/>
-              <a:t>QA Scope</a:t>
-            </a:r>
-            <a:endParaRPr lang="en-AU" dirty="0"/>
-          </a:p>
-        </p:txBody>
-      </p:sp>
-      <p:sp>
-        <p:nvSpPr>
-          <p:cNvPr id="3" name="Text Placeholder 2"/>
-          <p:cNvSpPr>
-            <a:spLocks noGrp="1"/>
-          </p:cNvSpPr>
-          <p:nvPr>
-            <p:ph type="body" idx="1"/>
-          </p:nvPr>
-        </p:nvSpPr>
-        <p:spPr/>
-        <p:txBody>
-          <a:bodyPr/>
-          <a:lstStyle/>
-          <a:p>
-            <a:r>
-              <a:rPr lang="en-AU" dirty="0" smtClean="0"/>
-              <a:t>Restricted-domain</a:t>
-            </a:r>
-          </a:p>
-          <a:p>
-            <a:pPr lvl="1"/>
-            <a:r>
-              <a:rPr lang="en-AU" dirty="0" smtClean="0"/>
-              <a:t>E.g. LUNAR, 50 year-old system for asking about lunar rock samples</a:t>
-            </a:r>
-          </a:p>
-          <a:p>
-            <a:r>
-              <a:rPr lang="en-AU" dirty="0" smtClean="0"/>
-              <a:t>Open-domain</a:t>
-            </a:r>
-          </a:p>
-          <a:p>
-            <a:pPr lvl="1"/>
-            <a:r>
-              <a:rPr lang="en-AU" dirty="0" smtClean="0"/>
-              <a:t>E.g. IBM Watson, modern system which won the Jeopardy challenge</a:t>
-            </a:r>
-            <a:endParaRPr lang="en-AU" dirty="0"/>
-          </a:p>
-        </p:txBody>
-      </p:sp>
-    </p:spTree>
-    <p:extLst>
-      <p:ext uri="{BB962C8B-B14F-4D97-AF65-F5344CB8AC3E}">
-        <p14:creationId xmlns:p14="http://schemas.microsoft.com/office/powerpoint/2010/main" val="396483801"/>
-      </p:ext>
-    </p:extLst>
-  </p:cSld>
-  <p:clrMapOvr>
-    <a:masterClrMapping/>
-  </p:clrMapOvr>
-  <p:transition spd="med"/>
-  <p:timing>
-    <p:tnLst>
-      <p:par>
-        <p:cTn id="1" dur="indefinite" restart="never" nodeType="tmRoot"/>
-      </p:par>
-    </p:tnLst>
-  </p:timing>
-</p:sld>
-</file>
-
-<file path=ppt/slides/slide5.xml><?xml version="1.0" encoding="utf-8"?>
 <p:sld xmlns:a="http://schemas.openxmlformats.org/drawingml/2006/main" xmlns:r="http://schemas.openxmlformats.org/officeDocument/2006/relationships" xmlns:p="http://schemas.openxmlformats.org/presentationml/2006/main" showMasterPhAnim="0">
   <p:cSld>
     <p:spTree>
@@ -6207,7 +4663,7 @@
           <a:p>
             <a:r>
               <a:rPr lang="en-AU" dirty="0" smtClean="0"/>
-              <a:t>The anatomy of a FACTIOD question</a:t>
+              <a:t>Answer type recognition</a:t>
             </a:r>
             <a:endParaRPr lang="en-AU" dirty="0"/>
           </a:p>
@@ -6223,673 +4679,112 @@
             <p:ph type="body" idx="1"/>
           </p:nvPr>
         </p:nvSpPr>
-        <p:spPr>
-          <a:xfrm>
-            <a:off x="165696" y="4640782"/>
-            <a:ext cx="12385376" cy="4268466"/>
-          </a:xfrm>
-        </p:spPr>
+        <p:spPr/>
         <p:txBody>
-          <a:bodyPr>
-            <a:normAutofit lnSpcReduction="10000"/>
-          </a:bodyPr>
+          <a:bodyPr/>
           <a:lstStyle/>
           <a:p>
             <a:r>
-              <a:rPr lang="en-AU" b="1" dirty="0" smtClean="0"/>
-              <a:t>Focus</a:t>
-            </a:r>
-            <a:r>
-              <a:rPr lang="en-AU" dirty="0" smtClean="0"/>
-              <a:t> is the part of the question that “stands in” for the answer</a:t>
-            </a:r>
-          </a:p>
-          <a:p>
-            <a:pPr lvl="1"/>
-            <a:r>
-              <a:rPr lang="en-AU" dirty="0" smtClean="0"/>
-              <a:t>Will usually disappear a full correct answer (</a:t>
-            </a:r>
-            <a:r>
-              <a:rPr lang="en-AU" i="1" dirty="0" smtClean="0"/>
-              <a:t>Bill Gates founded Microsoft</a:t>
-            </a:r>
-            <a:r>
-              <a:rPr lang="en-AU" dirty="0" smtClean="0"/>
-              <a:t>)</a:t>
-            </a:r>
-          </a:p>
-          <a:p>
-            <a:r>
-              <a:rPr lang="en-AU" dirty="0" smtClean="0"/>
-              <a:t>Some </a:t>
-            </a:r>
-            <a:r>
-              <a:rPr lang="en-AU" b="1" i="1" dirty="0" err="1" smtClean="0"/>
-              <a:t>Wh</a:t>
-            </a:r>
-            <a:r>
-              <a:rPr lang="en-AU" b="1" dirty="0" smtClean="0"/>
-              <a:t>-words</a:t>
-            </a:r>
-            <a:r>
-              <a:rPr lang="en-AU" dirty="0" smtClean="0"/>
-              <a:t> (</a:t>
-            </a:r>
-            <a:r>
-              <a:rPr lang="en-AU" i="1" dirty="0" smtClean="0"/>
-              <a:t>Who, where, how, when</a:t>
-            </a:r>
-            <a:r>
-              <a:rPr lang="en-AU" dirty="0" smtClean="0"/>
-              <a:t>) give general information about the type of answer required</a:t>
-            </a:r>
-          </a:p>
-          <a:p>
-            <a:r>
-              <a:rPr lang="en-AU" dirty="0" smtClean="0"/>
-              <a:t>For </a:t>
-            </a:r>
-            <a:r>
-              <a:rPr lang="en-AU" i="1" dirty="0" smtClean="0"/>
-              <a:t>what</a:t>
-            </a:r>
-            <a:r>
-              <a:rPr lang="en-AU" dirty="0" smtClean="0"/>
-              <a:t> and </a:t>
-            </a:r>
-            <a:r>
-              <a:rPr lang="en-AU" i="1" dirty="0" smtClean="0"/>
-              <a:t>which</a:t>
-            </a:r>
-            <a:r>
-              <a:rPr lang="en-AU" dirty="0" smtClean="0"/>
-              <a:t>, the</a:t>
-            </a:r>
-            <a:r>
-              <a:rPr lang="en-AU" b="1" dirty="0" smtClean="0"/>
-              <a:t> headword </a:t>
-            </a:r>
-            <a:r>
-              <a:rPr lang="en-AU" dirty="0" smtClean="0"/>
-              <a:t>gives more info</a:t>
+              <a:rPr lang="en-AU" dirty="0" smtClean="0"/>
+              <a:t>Select the best answer type from an answer type taxonomy, e.g.</a:t>
             </a:r>
           </a:p>
           <a:p>
             <a:endParaRPr lang="en-AU" dirty="0" smtClean="0"/>
           </a:p>
           <a:p>
+            <a:endParaRPr lang="en-AU" dirty="0"/>
+          </a:p>
+          <a:p>
             <a:endParaRPr lang="en-AU" dirty="0" smtClean="0"/>
           </a:p>
           <a:p>
+            <a:endParaRPr lang="en-AU" dirty="0"/>
+          </a:p>
+          <a:p>
+            <a:r>
+              <a:rPr lang="en-AU" dirty="0" smtClean="0"/>
+              <a:t>Rule-based classification using </a:t>
+            </a:r>
+            <a:r>
+              <a:rPr lang="en-AU" i="1" dirty="0" err="1" smtClean="0"/>
+              <a:t>wh</a:t>
+            </a:r>
+            <a:r>
+              <a:rPr lang="en-AU" dirty="0" smtClean="0"/>
+              <a:t>-word/headword question </a:t>
+            </a:r>
+            <a:r>
+              <a:rPr lang="en-AU" dirty="0" smtClean="0"/>
+              <a:t>pattern </a:t>
+            </a:r>
+            <a:endParaRPr lang="en-AU" dirty="0" smtClean="0"/>
+          </a:p>
+          <a:p>
+            <a:r>
+              <a:rPr lang="en-AU" dirty="0" smtClean="0"/>
+              <a:t>Supervised classification with BOW, POS, NE, and WordNet information</a:t>
+            </a:r>
             <a:endParaRPr lang="en-AU" dirty="0"/>
           </a:p>
         </p:txBody>
       </p:sp>
-      <p:sp>
-        <p:nvSpPr>
-          <p:cNvPr id="5" name="TextBox 4"/>
-          <p:cNvSpPr txBox="1"/>
+      <p:pic>
+        <p:nvPicPr>
+          <p:cNvPr id="2050" name="Picture 2"/>
+          <p:cNvPicPr>
+            <a:picLocks noChangeAspect="1" noChangeArrowheads="1"/>
+          </p:cNvPicPr>
           <p:nvPr/>
-        </p:nvSpPr>
-        <p:spPr>
+        </p:nvPicPr>
+        <p:blipFill rotWithShape="1">
+          <a:blip r:embed="rId2">
+            <a:extLst>
+              <a:ext uri="{28A0092B-C50C-407E-A947-70E740481C1C}">
+                <a14:useLocalDpi xmlns:a14="http://schemas.microsoft.com/office/drawing/2010/main" val="0"/>
+              </a:ext>
+            </a:extLst>
+          </a:blip>
+          <a:srcRect l="-264" t="22106" r="16839" b="-23652"/>
+          <a:stretch/>
+        </p:blipFill>
+        <p:spPr bwMode="auto">
           <a:xfrm>
-            <a:off x="1533848" y="2428528"/>
-            <a:ext cx="9217024" cy="1025922"/>
+            <a:off x="3838104" y="2543994"/>
+            <a:ext cx="6912000" cy="4752000"/>
           </a:xfrm>
           <a:prstGeom prst="rect">
             <a:avLst/>
           </a:prstGeom>
           <a:noFill/>
-          <a:ln w="12700" cap="flat">
+          <a:ln>
             <a:noFill/>
-            <a:miter lim="400000"/>
           </a:ln>
-          <a:effectLst/>
-          <a:sp3d/>
+          <a:extLst>
+            <a:ext uri="{909E8E84-426E-40DD-AFC4-6F175D3DCCD1}">
+              <a14:hiddenFill xmlns:a14="http://schemas.microsoft.com/office/drawing/2010/main">
+                <a:solidFill>
+                  <a:schemeClr val="accent1"/>
+                </a:solidFill>
+              </a14:hiddenFill>
+            </a:ext>
+            <a:ext uri="{91240B29-F687-4F45-9708-019B960494DF}">
+              <a14:hiddenLine xmlns:a14="http://schemas.microsoft.com/office/drawing/2010/main" w="9525">
+                <a:solidFill>
+                  <a:schemeClr val="tx1"/>
+                </a:solidFill>
+                <a:miter lim="800000"/>
+                <a:headEnd/>
+                <a:tailEnd/>
+              </a14:hiddenLine>
+            </a:ext>
+          </a:extLst>
         </p:spPr>
-        <p:style>
-          <a:lnRef idx="0">
-            <a:scrgbClr r="0" g="0" b="0"/>
-          </a:lnRef>
-          <a:fillRef idx="0">
-            <a:scrgbClr r="0" g="0" b="0"/>
-          </a:fillRef>
-          <a:effectRef idx="0">
-            <a:scrgbClr r="0" g="0" b="0"/>
-          </a:effectRef>
-          <a:fontRef idx="none"/>
-        </p:style>
-        <p:txBody>
-          <a:bodyPr rot="0" spcFirstLastPara="1" vertOverflow="overflow" horzOverflow="overflow" vert="horz" wrap="square" lIns="50800" tIns="50800" rIns="50800" bIns="50800" numCol="1" spcCol="38100" rtlCol="0" anchor="ctr">
-            <a:spAutoFit/>
-          </a:bodyPr>
-          <a:lstStyle/>
-          <a:p>
-            <a:pPr marL="0" marR="0" indent="0" algn="l" defTabSz="584200" rtl="0" fontAlgn="auto" latinLnBrk="0" hangingPunct="0">
-              <a:lnSpc>
-                <a:spcPct val="100000"/>
-              </a:lnSpc>
-              <a:spcBef>
-                <a:spcPts val="2400"/>
-              </a:spcBef>
-              <a:spcAft>
-                <a:spcPts val="0"/>
-              </a:spcAft>
-              <a:buClrTx/>
-              <a:buSzTx/>
-              <a:buFontTx/>
-              <a:buNone/>
-              <a:tabLst/>
-            </a:pPr>
-            <a:r>
-              <a:rPr kumimoji="0" lang="en-AU" sz="4000" b="0" i="0" u="none" strike="noStrike" cap="none" spc="0" normalizeH="0" baseline="0" dirty="0" smtClean="0">
-                <a:ln>
-                  <a:noFill/>
-                </a:ln>
-                <a:solidFill>
-                  <a:schemeClr val="bg1"/>
-                </a:solidFill>
-                <a:effectLst/>
-                <a:uFillTx/>
-                <a:latin typeface="Century Schoolbook" panose="02040604050505020304" pitchFamily="18" charset="0"/>
-                <a:sym typeface="Avenir Next Medium"/>
-              </a:rPr>
-              <a:t>What company did Bill Gates found? </a:t>
-            </a:r>
-            <a:endParaRPr kumimoji="0" lang="en-AU" sz="4000" b="0" i="0" u="none" strike="noStrike" cap="none" spc="0" normalizeH="0" baseline="0" dirty="0">
-              <a:ln>
-                <a:noFill/>
-              </a:ln>
-              <a:solidFill>
-                <a:schemeClr val="bg1"/>
-              </a:solidFill>
-              <a:effectLst/>
-              <a:uFillTx/>
-              <a:latin typeface="Century Schoolbook" panose="02040604050505020304" pitchFamily="18" charset="0"/>
-              <a:sym typeface="Avenir Next Medium"/>
-            </a:endParaRPr>
-          </a:p>
-        </p:txBody>
-      </p:sp>
-      <p:sp>
-        <p:nvSpPr>
-          <p:cNvPr id="6" name="Right Brace 5"/>
-          <p:cNvSpPr/>
-          <p:nvPr/>
-        </p:nvSpPr>
-        <p:spPr>
-          <a:xfrm rot="16200000">
-            <a:off x="3225763" y="736613"/>
-            <a:ext cx="432594" cy="3528392"/>
-          </a:xfrm>
-          <a:prstGeom prst="rightBrace">
-            <a:avLst/>
-          </a:prstGeom>
-          <a:noFill/>
-          <a:ln w="25400" cap="flat">
-            <a:solidFill>
-              <a:schemeClr val="bg1"/>
-            </a:solidFill>
-            <a:prstDash val="solid"/>
-            <a:miter lim="400000"/>
-          </a:ln>
-          <a:effectLst/>
-          <a:sp3d/>
-        </p:spPr>
-        <p:style>
-          <a:lnRef idx="0">
-            <a:scrgbClr r="0" g="0" b="0"/>
-          </a:lnRef>
-          <a:fillRef idx="0">
-            <a:scrgbClr r="0" g="0" b="0"/>
-          </a:fillRef>
-          <a:effectRef idx="0">
-            <a:scrgbClr r="0" g="0" b="0"/>
-          </a:effectRef>
-          <a:fontRef idx="none"/>
-        </p:style>
-        <p:txBody>
-          <a:bodyPr rot="0" spcFirstLastPara="1" vertOverflow="overflow" horzOverflow="overflow" vert="horz" wrap="square" lIns="91439" tIns="45719" rIns="91439" bIns="45719" numCol="1" spcCol="38100" rtlCol="0" anchor="t">
-            <a:noAutofit/>
-          </a:bodyPr>
-          <a:lstStyle/>
-          <a:p>
-            <a:pPr marL="0" marR="0" indent="0" algn="l" defTabSz="914400" rtl="0" fontAlgn="auto" latinLnBrk="1" hangingPunct="0">
-              <a:lnSpc>
-                <a:spcPct val="100000"/>
-              </a:lnSpc>
-              <a:spcBef>
-                <a:spcPts val="0"/>
-              </a:spcBef>
-              <a:spcAft>
-                <a:spcPts val="0"/>
-              </a:spcAft>
-              <a:buClrTx/>
-              <a:buSzTx/>
-              <a:buFontTx/>
-              <a:buNone/>
-              <a:tabLst/>
-            </a:pPr>
-            <a:endParaRPr kumimoji="0" lang="en-AU" sz="1800" b="0" i="0" u="none" strike="noStrike" cap="none" spc="0" normalizeH="0" baseline="0">
-              <a:ln>
-                <a:noFill/>
-              </a:ln>
-              <a:solidFill>
-                <a:schemeClr val="bg1"/>
-              </a:solidFill>
-              <a:effectLst/>
-              <a:uFillTx/>
-            </a:endParaRPr>
-          </a:p>
-        </p:txBody>
-      </p:sp>
-      <p:sp>
-        <p:nvSpPr>
-          <p:cNvPr id="7" name="TextBox 6"/>
-          <p:cNvSpPr txBox="1"/>
-          <p:nvPr/>
-        </p:nvSpPr>
-        <p:spPr>
-          <a:xfrm>
-            <a:off x="2902000" y="1381700"/>
-            <a:ext cx="1368152" cy="902811"/>
-          </a:xfrm>
-          <a:prstGeom prst="rect">
-            <a:avLst/>
-          </a:prstGeom>
-          <a:noFill/>
-          <a:ln w="12700" cap="flat">
-            <a:noFill/>
-            <a:miter lim="400000"/>
-          </a:ln>
-          <a:effectLst/>
-          <a:sp3d/>
-        </p:spPr>
-        <p:style>
-          <a:lnRef idx="0">
-            <a:scrgbClr r="0" g="0" b="0"/>
-          </a:lnRef>
-          <a:fillRef idx="0">
-            <a:scrgbClr r="0" g="0" b="0"/>
-          </a:fillRef>
-          <a:effectRef idx="0">
-            <a:scrgbClr r="0" g="0" b="0"/>
-          </a:effectRef>
-          <a:fontRef idx="none"/>
-        </p:style>
-        <p:txBody>
-          <a:bodyPr rot="0" spcFirstLastPara="1" vertOverflow="overflow" horzOverflow="overflow" vert="horz" wrap="square" lIns="50800" tIns="50800" rIns="50800" bIns="50800" numCol="1" spcCol="38100" rtlCol="0" anchor="ctr">
-            <a:spAutoFit/>
-          </a:bodyPr>
-          <a:lstStyle/>
-          <a:p>
-            <a:pPr marL="0" marR="0" indent="0" algn="l" defTabSz="584200" rtl="0" fontAlgn="auto" latinLnBrk="0" hangingPunct="0">
-              <a:lnSpc>
-                <a:spcPct val="100000"/>
-              </a:lnSpc>
-              <a:spcBef>
-                <a:spcPts val="2400"/>
-              </a:spcBef>
-              <a:spcAft>
-                <a:spcPts val="0"/>
-              </a:spcAft>
-              <a:buClrTx/>
-              <a:buSzTx/>
-              <a:buFontTx/>
-              <a:buNone/>
-              <a:tabLst/>
-            </a:pPr>
-            <a:r>
-              <a:rPr lang="en-AU" sz="3200" dirty="0" smtClean="0">
-                <a:solidFill>
-                  <a:srgbClr val="0070C0"/>
-                </a:solidFill>
-                <a:latin typeface="Century Schoolbook" panose="02040604050505020304" pitchFamily="18" charset="0"/>
-              </a:rPr>
-              <a:t>Focus</a:t>
-            </a:r>
-            <a:endParaRPr kumimoji="0" lang="en-AU" sz="3200" b="0" i="0" u="none" strike="noStrike" cap="none" spc="0" normalizeH="0" baseline="0" dirty="0">
-              <a:ln>
-                <a:noFill/>
-              </a:ln>
-              <a:solidFill>
-                <a:srgbClr val="0070C0"/>
-              </a:solidFill>
-              <a:effectLst/>
-              <a:uFillTx/>
-              <a:latin typeface="Century Schoolbook" panose="02040604050505020304" pitchFamily="18" charset="0"/>
-              <a:sym typeface="Avenir Next Medium"/>
-            </a:endParaRPr>
-          </a:p>
-        </p:txBody>
-      </p:sp>
-      <p:sp>
-        <p:nvSpPr>
-          <p:cNvPr id="8" name="Right Brace 7"/>
-          <p:cNvSpPr/>
-          <p:nvPr/>
-        </p:nvSpPr>
-        <p:spPr>
-          <a:xfrm rot="16200000" flipH="1">
-            <a:off x="2054052" y="3020741"/>
-            <a:ext cx="504056" cy="1191844"/>
-          </a:xfrm>
-          <a:prstGeom prst="rightBrace">
-            <a:avLst/>
-          </a:prstGeom>
-          <a:noFill/>
-          <a:ln w="25400" cap="flat">
-            <a:solidFill>
-              <a:schemeClr val="bg1"/>
-            </a:solidFill>
-            <a:prstDash val="solid"/>
-            <a:miter lim="400000"/>
-          </a:ln>
-          <a:effectLst/>
-          <a:sp3d/>
-        </p:spPr>
-        <p:style>
-          <a:lnRef idx="0">
-            <a:scrgbClr r="0" g="0" b="0"/>
-          </a:lnRef>
-          <a:fillRef idx="0">
-            <a:scrgbClr r="0" g="0" b="0"/>
-          </a:fillRef>
-          <a:effectRef idx="0">
-            <a:scrgbClr r="0" g="0" b="0"/>
-          </a:effectRef>
-          <a:fontRef idx="none"/>
-        </p:style>
-        <p:txBody>
-          <a:bodyPr rot="0" spcFirstLastPara="1" vertOverflow="overflow" horzOverflow="overflow" vert="horz" wrap="square" lIns="91439" tIns="45719" rIns="91439" bIns="45719" numCol="1" spcCol="38100" rtlCol="0" anchor="t">
-            <a:noAutofit/>
-          </a:bodyPr>
-          <a:lstStyle/>
-          <a:p>
-            <a:pPr marL="0" marR="0" indent="0" algn="l" defTabSz="914400" rtl="0" fontAlgn="auto" latinLnBrk="1" hangingPunct="0">
-              <a:lnSpc>
-                <a:spcPct val="100000"/>
-              </a:lnSpc>
-              <a:spcBef>
-                <a:spcPts val="0"/>
-              </a:spcBef>
-              <a:spcAft>
-                <a:spcPts val="0"/>
-              </a:spcAft>
-              <a:buClrTx/>
-              <a:buSzTx/>
-              <a:buFontTx/>
-              <a:buNone/>
-              <a:tabLst/>
-            </a:pPr>
-            <a:endParaRPr kumimoji="0" lang="en-AU" sz="1800" b="0" i="0" u="none" strike="noStrike" cap="none" spc="0" normalizeH="0" baseline="0">
-              <a:ln>
-                <a:noFill/>
-              </a:ln>
-              <a:solidFill>
-                <a:schemeClr val="bg1"/>
-              </a:solidFill>
-              <a:effectLst/>
-              <a:uFillTx/>
-            </a:endParaRPr>
-          </a:p>
-        </p:txBody>
-      </p:sp>
-      <p:sp>
-        <p:nvSpPr>
-          <p:cNvPr id="9" name="TextBox 8"/>
-          <p:cNvSpPr txBox="1"/>
-          <p:nvPr/>
-        </p:nvSpPr>
-        <p:spPr>
-          <a:xfrm>
-            <a:off x="1173808" y="3613949"/>
-            <a:ext cx="1908213" cy="902811"/>
-          </a:xfrm>
-          <a:prstGeom prst="rect">
-            <a:avLst/>
-          </a:prstGeom>
-          <a:noFill/>
-          <a:ln w="12700" cap="flat">
-            <a:noFill/>
-            <a:miter lim="400000"/>
-          </a:ln>
-          <a:effectLst/>
-          <a:sp3d/>
-        </p:spPr>
-        <p:style>
-          <a:lnRef idx="0">
-            <a:scrgbClr r="0" g="0" b="0"/>
-          </a:lnRef>
-          <a:fillRef idx="0">
-            <a:scrgbClr r="0" g="0" b="0"/>
-          </a:fillRef>
-          <a:effectRef idx="0">
-            <a:scrgbClr r="0" g="0" b="0"/>
-          </a:effectRef>
-          <a:fontRef idx="none"/>
-        </p:style>
-        <p:txBody>
-          <a:bodyPr rot="0" spcFirstLastPara="1" vertOverflow="overflow" horzOverflow="overflow" vert="horz" wrap="square" lIns="50800" tIns="50800" rIns="50800" bIns="50800" numCol="1" spcCol="38100" rtlCol="0" anchor="ctr">
-            <a:spAutoFit/>
-          </a:bodyPr>
-          <a:lstStyle/>
-          <a:p>
-            <a:pPr marL="0" marR="0" indent="0" algn="l" defTabSz="584200" rtl="0" fontAlgn="auto" latinLnBrk="0" hangingPunct="0">
-              <a:lnSpc>
-                <a:spcPct val="100000"/>
-              </a:lnSpc>
-              <a:spcBef>
-                <a:spcPts val="2400"/>
-              </a:spcBef>
-              <a:spcAft>
-                <a:spcPts val="0"/>
-              </a:spcAft>
-              <a:buClrTx/>
-              <a:buSzTx/>
-              <a:buFontTx/>
-              <a:buNone/>
-              <a:tabLst/>
-            </a:pPr>
-            <a:r>
-              <a:rPr lang="en-AU" sz="3200" dirty="0" err="1" smtClean="0">
-                <a:solidFill>
-                  <a:srgbClr val="0070C0"/>
-                </a:solidFill>
-                <a:latin typeface="Century Schoolbook" panose="02040604050505020304" pitchFamily="18" charset="0"/>
-              </a:rPr>
-              <a:t>Wh</a:t>
-            </a:r>
-            <a:r>
-              <a:rPr lang="en-AU" sz="3200" dirty="0" smtClean="0">
-                <a:solidFill>
-                  <a:srgbClr val="0070C0"/>
-                </a:solidFill>
-                <a:latin typeface="Century Schoolbook" panose="02040604050505020304" pitchFamily="18" charset="0"/>
-              </a:rPr>
-              <a:t>-word</a:t>
-            </a:r>
-            <a:endParaRPr kumimoji="0" lang="en-AU" sz="3200" b="0" i="0" u="none" strike="noStrike" cap="none" spc="0" normalizeH="0" baseline="0" dirty="0">
-              <a:ln>
-                <a:noFill/>
-              </a:ln>
-              <a:solidFill>
-                <a:srgbClr val="0070C0"/>
-              </a:solidFill>
-              <a:effectLst/>
-              <a:uFillTx/>
-              <a:latin typeface="Century Schoolbook" panose="02040604050505020304" pitchFamily="18" charset="0"/>
-              <a:sym typeface="Avenir Next Medium"/>
-            </a:endParaRPr>
-          </a:p>
-        </p:txBody>
-      </p:sp>
-      <p:sp>
-        <p:nvSpPr>
-          <p:cNvPr id="10" name="Right Brace 9"/>
-          <p:cNvSpPr/>
-          <p:nvPr/>
-        </p:nvSpPr>
-        <p:spPr>
-          <a:xfrm rot="16200000" flipH="1">
-            <a:off x="3868098" y="2536542"/>
-            <a:ext cx="516075" cy="2160240"/>
-          </a:xfrm>
-          <a:prstGeom prst="rightBrace">
-            <a:avLst/>
-          </a:prstGeom>
-          <a:noFill/>
-          <a:ln w="25400" cap="flat">
-            <a:solidFill>
-              <a:schemeClr val="bg1"/>
-            </a:solidFill>
-            <a:prstDash val="solid"/>
-            <a:miter lim="400000"/>
-          </a:ln>
-          <a:effectLst/>
-          <a:sp3d/>
-        </p:spPr>
-        <p:style>
-          <a:lnRef idx="0">
-            <a:scrgbClr r="0" g="0" b="0"/>
-          </a:lnRef>
-          <a:fillRef idx="0">
-            <a:scrgbClr r="0" g="0" b="0"/>
-          </a:fillRef>
-          <a:effectRef idx="0">
-            <a:scrgbClr r="0" g="0" b="0"/>
-          </a:effectRef>
-          <a:fontRef idx="none"/>
-        </p:style>
-        <p:txBody>
-          <a:bodyPr rot="0" spcFirstLastPara="1" vertOverflow="overflow" horzOverflow="overflow" vert="horz" wrap="square" lIns="91439" tIns="45719" rIns="91439" bIns="45719" numCol="1" spcCol="38100" rtlCol="0" anchor="t">
-            <a:noAutofit/>
-          </a:bodyPr>
-          <a:lstStyle/>
-          <a:p>
-            <a:pPr marL="0" marR="0" indent="0" algn="l" defTabSz="914400" rtl="0" fontAlgn="auto" latinLnBrk="1" hangingPunct="0">
-              <a:lnSpc>
-                <a:spcPct val="100000"/>
-              </a:lnSpc>
-              <a:spcBef>
-                <a:spcPts val="0"/>
-              </a:spcBef>
-              <a:spcAft>
-                <a:spcPts val="0"/>
-              </a:spcAft>
-              <a:buClrTx/>
-              <a:buSzTx/>
-              <a:buFontTx/>
-              <a:buNone/>
-              <a:tabLst/>
-            </a:pPr>
-            <a:endParaRPr kumimoji="0" lang="en-AU" sz="1800" b="0" i="0" u="none" strike="noStrike" cap="none" spc="0" normalizeH="0" baseline="0">
-              <a:ln>
-                <a:noFill/>
-              </a:ln>
-              <a:solidFill>
-                <a:schemeClr val="bg1"/>
-              </a:solidFill>
-              <a:effectLst/>
-              <a:uFillTx/>
-            </a:endParaRPr>
-          </a:p>
-        </p:txBody>
-      </p:sp>
-      <p:sp>
-        <p:nvSpPr>
-          <p:cNvPr id="11" name="TextBox 10"/>
-          <p:cNvSpPr txBox="1"/>
-          <p:nvPr/>
-        </p:nvSpPr>
-        <p:spPr>
-          <a:xfrm>
-            <a:off x="3226035" y="3580656"/>
-            <a:ext cx="2268253" cy="902811"/>
-          </a:xfrm>
-          <a:prstGeom prst="rect">
-            <a:avLst/>
-          </a:prstGeom>
-          <a:noFill/>
-          <a:ln w="12700" cap="flat">
-            <a:noFill/>
-            <a:miter lim="400000"/>
-          </a:ln>
-          <a:effectLst/>
-          <a:sp3d/>
-        </p:spPr>
-        <p:style>
-          <a:lnRef idx="0">
-            <a:scrgbClr r="0" g="0" b="0"/>
-          </a:lnRef>
-          <a:fillRef idx="0">
-            <a:scrgbClr r="0" g="0" b="0"/>
-          </a:fillRef>
-          <a:effectRef idx="0">
-            <a:scrgbClr r="0" g="0" b="0"/>
-          </a:effectRef>
-          <a:fontRef idx="none"/>
-        </p:style>
-        <p:txBody>
-          <a:bodyPr rot="0" spcFirstLastPara="1" vertOverflow="overflow" horzOverflow="overflow" vert="horz" wrap="square" lIns="50800" tIns="50800" rIns="50800" bIns="50800" numCol="1" spcCol="38100" rtlCol="0" anchor="ctr">
-            <a:spAutoFit/>
-          </a:bodyPr>
-          <a:lstStyle/>
-          <a:p>
-            <a:pPr marL="0" marR="0" indent="0" algn="l" defTabSz="584200" rtl="0" fontAlgn="auto" latinLnBrk="0" hangingPunct="0">
-              <a:lnSpc>
-                <a:spcPct val="100000"/>
-              </a:lnSpc>
-              <a:spcBef>
-                <a:spcPts val="2400"/>
-              </a:spcBef>
-              <a:spcAft>
-                <a:spcPts val="0"/>
-              </a:spcAft>
-              <a:buClrTx/>
-              <a:buSzTx/>
-              <a:buFontTx/>
-              <a:buNone/>
-              <a:tabLst/>
-            </a:pPr>
-            <a:r>
-              <a:rPr lang="en-AU" sz="3200" dirty="0">
-                <a:solidFill>
-                  <a:srgbClr val="0070C0"/>
-                </a:solidFill>
-                <a:latin typeface="Century Schoolbook" panose="02040604050505020304" pitchFamily="18" charset="0"/>
-              </a:rPr>
-              <a:t>H</a:t>
-            </a:r>
-            <a:r>
-              <a:rPr lang="en-AU" sz="3200" dirty="0" smtClean="0">
-                <a:solidFill>
-                  <a:srgbClr val="0070C0"/>
-                </a:solidFill>
-                <a:latin typeface="Century Schoolbook" panose="02040604050505020304" pitchFamily="18" charset="0"/>
-              </a:rPr>
-              <a:t>eadword</a:t>
-            </a:r>
-            <a:endParaRPr kumimoji="0" lang="en-AU" sz="3200" b="0" i="0" u="none" strike="noStrike" cap="none" spc="0" normalizeH="0" baseline="0" dirty="0">
-              <a:ln>
-                <a:noFill/>
-              </a:ln>
-              <a:solidFill>
-                <a:srgbClr val="0070C0"/>
-              </a:solidFill>
-              <a:effectLst/>
-              <a:uFillTx/>
-              <a:latin typeface="Century Schoolbook" panose="02040604050505020304" pitchFamily="18" charset="0"/>
-              <a:sym typeface="Avenir Next Medium"/>
-            </a:endParaRPr>
-          </a:p>
-        </p:txBody>
-      </p:sp>
+      </p:pic>
     </p:spTree>
     <p:extLst>
       <p:ext uri="{BB962C8B-B14F-4D97-AF65-F5344CB8AC3E}">
-        <p14:creationId xmlns:p14="http://schemas.microsoft.com/office/powerpoint/2010/main" val="3586593200"/>
+        <p14:creationId xmlns:p14="http://schemas.microsoft.com/office/powerpoint/2010/main" val="2562955276"/>
       </p:ext>
     </p:extLst>
   </p:cSld>
@@ -6995,35 +4890,26 @@
                                   </p:childTnLst>
                                 </p:cTn>
                               </p:par>
+                            </p:childTnLst>
+                          </p:cTn>
+                        </p:par>
+                      </p:childTnLst>
+                    </p:cTn>
+                  </p:par>
+                  <p:par>
+                    <p:cTn id="11" fill="hold">
+                      <p:stCondLst>
+                        <p:cond delay="indefinite"/>
+                      </p:stCondLst>
+                      <p:childTnLst>
+                        <p:par>
+                          <p:cTn id="12" fill="hold">
+                            <p:stCondLst>
+                              <p:cond delay="0"/>
+                            </p:stCondLst>
+                            <p:childTnLst>
                               <p:par>
-                                <p:cTn id="11" presetID="1" presetClass="entr" presetSubtype="0" fill="hold" grpId="0" nodeType="withEffect">
-                                  <p:stCondLst>
-                                    <p:cond delay="0"/>
-                                  </p:stCondLst>
-                                  <p:childTnLst>
-                                    <p:set>
-                                      <p:cBhvr>
-                                        <p:cTn id="12" dur="1" fill="hold">
-                                          <p:stCondLst>
-                                            <p:cond delay="0"/>
-                                          </p:stCondLst>
-                                        </p:cTn>
-                                        <p:tgtEl>
-                                          <p:spTgt spid="6"/>
-                                        </p:tgtEl>
-                                        <p:attrNameLst>
-                                          <p:attrName>style.visibility</p:attrName>
-                                        </p:attrNameLst>
-                                      </p:cBhvr>
-                                      <p:to>
-                                        <p:strVal val="visible"/>
-                                      </p:to>
-                                    </p:set>
-                                  </p:childTnLst>
-                                </p:cTn>
-                              </p:par>
-                              <p:par>
-                                <p:cTn id="13" presetID="1" presetClass="entr" presetSubtype="0" fill="hold" grpId="0" nodeType="withEffect">
+                                <p:cTn id="13" presetID="1" presetClass="entr" presetSubtype="0" fill="hold" nodeType="clickEffect">
                                   <p:stCondLst>
                                     <p:cond delay="0"/>
                                   </p:stCondLst>
@@ -7036,7 +4922,7 @@
                                           </p:stCondLst>
                                         </p:cTn>
                                         <p:tgtEl>
-                                          <p:spTgt spid="7"/>
+                                          <p:spTgt spid="2050"/>
                                         </p:tgtEl>
                                         <p:attrNameLst>
                                           <p:attrName>style.visibility</p:attrName>
@@ -7083,7 +4969,7 @@
                                         <p:tgtEl>
                                           <p:spTgt spid="3">
                                             <p:txEl>
-                                              <p:pRg st="1" end="1"/>
+                                              <p:pRg st="5" end="5"/>
                                             </p:txEl>
                                           </p:spTgt>
                                         </p:tgtEl>
@@ -7132,6 +5018,3891 @@
                                         <p:tgtEl>
                                           <p:spTgt spid="3">
                                             <p:txEl>
+                                              <p:pRg st="6" end="6"/>
+                                            </p:txEl>
+                                          </p:spTgt>
+                                        </p:tgtEl>
+                                        <p:attrNameLst>
+                                          <p:attrName>style.visibility</p:attrName>
+                                        </p:attrNameLst>
+                                      </p:cBhvr>
+                                      <p:to>
+                                        <p:strVal val="visible"/>
+                                      </p:to>
+                                    </p:set>
+                                  </p:childTnLst>
+                                </p:cTn>
+                              </p:par>
+                            </p:childTnLst>
+                          </p:cTn>
+                        </p:par>
+                      </p:childTnLst>
+                    </p:cTn>
+                  </p:par>
+                </p:childTnLst>
+              </p:cTn>
+              <p:prevCondLst>
+                <p:cond evt="onPrev" delay="0">
+                  <p:tgtEl>
+                    <p:sldTgt/>
+                  </p:tgtEl>
+                </p:cond>
+              </p:prevCondLst>
+              <p:nextCondLst>
+                <p:cond evt="onNext" delay="0">
+                  <p:tgtEl>
+                    <p:sldTgt/>
+                  </p:tgtEl>
+                </p:cond>
+              </p:nextCondLst>
+            </p:seq>
+          </p:childTnLst>
+        </p:cTn>
+      </p:par>
+    </p:tnLst>
+    <p:bldLst>
+      <p:bldP spid="3" grpId="0" uiExpand="1" build="p" animBg="1"/>
+    </p:bldLst>
+  </p:timing>
+</p:sld>
+</file>
+
+<file path=ppt/slides/slide13.xml><?xml version="1.0" encoding="utf-8"?>
+<p:sld xmlns:a="http://schemas.openxmlformats.org/drawingml/2006/main" xmlns:r="http://schemas.openxmlformats.org/officeDocument/2006/relationships" xmlns:p="http://schemas.openxmlformats.org/presentationml/2006/main">
+  <p:cSld>
+    <p:spTree>
+      <p:nvGrpSpPr>
+        <p:cNvPr id="1" name=""/>
+        <p:cNvGrpSpPr/>
+        <p:nvPr/>
+      </p:nvGrpSpPr>
+      <p:grpSpPr>
+        <a:xfrm>
+          <a:off x="0" y="0"/>
+          <a:ext cx="0" cy="0"/>
+          <a:chOff x="0" y="0"/>
+          <a:chExt cx="0" cy="0"/>
+        </a:xfrm>
+      </p:grpSpPr>
+      <p:sp>
+        <p:nvSpPr>
+          <p:cNvPr id="2" name="Title 1"/>
+          <p:cNvSpPr>
+            <a:spLocks noGrp="1"/>
+          </p:cNvSpPr>
+          <p:nvPr>
+            <p:ph type="title"/>
+          </p:nvPr>
+        </p:nvSpPr>
+        <p:spPr/>
+        <p:txBody>
+          <a:bodyPr>
+            <a:normAutofit fontScale="90000"/>
+          </a:bodyPr>
+          <a:lstStyle/>
+          <a:p>
+            <a:r>
+              <a:rPr lang="en-AU" dirty="0" smtClean="0"/>
+              <a:t>Answer type examples</a:t>
+            </a:r>
+            <a:endParaRPr lang="en-AU" dirty="0"/>
+          </a:p>
+        </p:txBody>
+      </p:sp>
+      <p:sp>
+        <p:nvSpPr>
+          <p:cNvPr id="3" name="Text Placeholder 2"/>
+          <p:cNvSpPr>
+            <a:spLocks noGrp="1"/>
+          </p:cNvSpPr>
+          <p:nvPr>
+            <p:ph type="body" idx="1"/>
+          </p:nvPr>
+        </p:nvSpPr>
+        <p:spPr/>
+        <p:txBody>
+          <a:bodyPr>
+            <a:normAutofit fontScale="92500" lnSpcReduction="20000"/>
+          </a:bodyPr>
+          <a:lstStyle/>
+          <a:p>
+            <a:pPr marL="0" indent="0">
+              <a:buNone/>
+            </a:pPr>
+            <a:r>
+              <a:rPr lang="en-AU" dirty="0" smtClean="0"/>
+              <a:t>What kind of cheese is most common on pizza?</a:t>
+            </a:r>
+          </a:p>
+          <a:p>
+            <a:pPr marL="0" indent="0">
+              <a:buNone/>
+            </a:pPr>
+            <a:r>
+              <a:rPr lang="en-AU" dirty="0" smtClean="0"/>
+              <a:t>Answer type: food</a:t>
+            </a:r>
+          </a:p>
+          <a:p>
+            <a:pPr marL="0" indent="0">
+              <a:buNone/>
+            </a:pPr>
+            <a:r>
+              <a:rPr lang="en-AU" dirty="0" smtClean="0"/>
+              <a:t>What’s </a:t>
+            </a:r>
+            <a:r>
+              <a:rPr lang="en-AU" dirty="0" smtClean="0"/>
+              <a:t>the capital of Nepal?</a:t>
+            </a:r>
+          </a:p>
+          <a:p>
+            <a:pPr marL="0" indent="0">
+              <a:buNone/>
+            </a:pPr>
+            <a:r>
+              <a:rPr lang="en-AU" dirty="0" smtClean="0"/>
+              <a:t>Answer type: city</a:t>
+            </a:r>
+          </a:p>
+          <a:p>
+            <a:pPr marL="0" indent="0">
+              <a:buNone/>
+            </a:pPr>
+            <a:r>
+              <a:rPr lang="en-AU" dirty="0" smtClean="0"/>
+              <a:t>How long did World War 2 last?</a:t>
+            </a:r>
+          </a:p>
+          <a:p>
+            <a:pPr marL="0" indent="0">
+              <a:buNone/>
+            </a:pPr>
+            <a:r>
+              <a:rPr lang="en-AU" dirty="0" smtClean="0"/>
+              <a:t>Answer type: </a:t>
+            </a:r>
+            <a:r>
+              <a:rPr lang="en-AU" dirty="0" smtClean="0"/>
+              <a:t>duration</a:t>
+            </a:r>
+          </a:p>
+          <a:p>
+            <a:pPr marL="0" indent="0">
+              <a:buNone/>
+            </a:pPr>
+            <a:r>
+              <a:rPr lang="en-AU" dirty="0" smtClean="0"/>
+              <a:t>Which company was founded by Bill Gates?</a:t>
+            </a:r>
+          </a:p>
+          <a:p>
+            <a:pPr marL="0" indent="0">
+              <a:buNone/>
+            </a:pPr>
+            <a:r>
+              <a:rPr lang="en-AU" dirty="0" smtClean="0"/>
+              <a:t>Answer type: group/organization</a:t>
+            </a:r>
+          </a:p>
+          <a:p>
+            <a:pPr marL="0" indent="0">
+              <a:buNone/>
+            </a:pPr>
+            <a:r>
+              <a:rPr lang="en-AU" dirty="0" smtClean="0"/>
+              <a:t>What does perspicacity mean?</a:t>
+            </a:r>
+          </a:p>
+          <a:p>
+            <a:pPr marL="0" indent="0">
+              <a:buNone/>
+            </a:pPr>
+            <a:r>
+              <a:rPr lang="en-AU" dirty="0" smtClean="0"/>
+              <a:t>Answer type: definition</a:t>
+            </a:r>
+            <a:endParaRPr lang="en-AU" dirty="0" smtClean="0"/>
+          </a:p>
+          <a:p>
+            <a:pPr marL="0" indent="0">
+              <a:buNone/>
+            </a:pPr>
+            <a:r>
+              <a:rPr lang="en-AU" dirty="0" smtClean="0"/>
+              <a:t> </a:t>
+            </a:r>
+            <a:endParaRPr lang="en-AU" dirty="0"/>
+          </a:p>
+        </p:txBody>
+      </p:sp>
+    </p:spTree>
+    <p:extLst>
+      <p:ext uri="{BB962C8B-B14F-4D97-AF65-F5344CB8AC3E}">
+        <p14:creationId xmlns:p14="http://schemas.microsoft.com/office/powerpoint/2010/main" val="1549545126"/>
+      </p:ext>
+    </p:extLst>
+  </p:cSld>
+  <p:clrMapOvr>
+    <a:masterClrMapping/>
+  </p:clrMapOvr>
+  <p:transition spd="med"/>
+  <p:timing>
+    <p:tnLst>
+      <p:par>
+        <p:cTn id="1" dur="indefinite" restart="never" nodeType="tmRoot"/>
+      </p:par>
+    </p:tnLst>
+    <p:bldLst>
+      <p:bldP spid="3" grpId="0" uiExpand="1" build="p">
+        <p:tmplLst>
+          <p:tmpl>
+            <p:tnLst>
+              <p:par>
+                <p:cTn presetID="1" presetClass="entr" presetSubtype="0" fill="hold" nodeType="clickEffect">
+                  <p:stCondLst>
+                    <p:cond delay="0"/>
+                  </p:stCondLst>
+                  <p:childTnLst>
+                    <p:set>
+                      <p:cBhvr>
+                        <p:cTn dur="1" fill="hold">
+                          <p:stCondLst>
+                            <p:cond delay="0"/>
+                          </p:stCondLst>
+                        </p:cTn>
+                        <p:tgtEl>
+                          <p:spTgt spid="3"/>
+                        </p:tgtEl>
+                        <p:attrNameLst>
+                          <p:attrName>style.visibility</p:attrName>
+                        </p:attrNameLst>
+                      </p:cBhvr>
+                      <p:to>
+                        <p:strVal val="visible"/>
+                      </p:to>
+                    </p:set>
+                  </p:childTnLst>
+                </p:cTn>
+              </p:par>
+            </p:tnLst>
+          </p:tmpl>
+          <p:tmpl lvl="1">
+            <p:tnLst>
+              <p:par>
+                <p:cTn presetID="1" presetClass="entr" presetSubtype="0" fill="hold" nodeType="clickEffect">
+                  <p:stCondLst>
+                    <p:cond delay="0"/>
+                  </p:stCondLst>
+                  <p:childTnLst>
+                    <p:set>
+                      <p:cBhvr>
+                        <p:cTn dur="1" fill="hold">
+                          <p:stCondLst>
+                            <p:cond delay="0"/>
+                          </p:stCondLst>
+                        </p:cTn>
+                        <p:tgtEl>
+                          <p:spTgt spid="3"/>
+                        </p:tgtEl>
+                        <p:attrNameLst>
+                          <p:attrName>style.visibility</p:attrName>
+                        </p:attrNameLst>
+                      </p:cBhvr>
+                      <p:to>
+                        <p:strVal val="visible"/>
+                      </p:to>
+                    </p:set>
+                  </p:childTnLst>
+                </p:cTn>
+              </p:par>
+            </p:tnLst>
+          </p:tmpl>
+          <p:tmpl lvl="2">
+            <p:tnLst>
+              <p:par>
+                <p:cTn presetID="1" presetClass="entr" presetSubtype="0" fill="hold" nodeType="clickEffect">
+                  <p:stCondLst>
+                    <p:cond delay="0"/>
+                  </p:stCondLst>
+                  <p:childTnLst>
+                    <p:set>
+                      <p:cBhvr>
+                        <p:cTn dur="1" fill="hold">
+                          <p:stCondLst>
+                            <p:cond delay="0"/>
+                          </p:stCondLst>
+                        </p:cTn>
+                        <p:tgtEl>
+                          <p:spTgt spid="3"/>
+                        </p:tgtEl>
+                        <p:attrNameLst>
+                          <p:attrName>style.visibility</p:attrName>
+                        </p:attrNameLst>
+                      </p:cBhvr>
+                      <p:to>
+                        <p:strVal val="visible"/>
+                      </p:to>
+                    </p:set>
+                  </p:childTnLst>
+                </p:cTn>
+              </p:par>
+            </p:tnLst>
+          </p:tmpl>
+          <p:tmpl lvl="3">
+            <p:tnLst>
+              <p:par>
+                <p:cTn presetID="1" presetClass="entr" presetSubtype="0" fill="hold" nodeType="clickEffect">
+                  <p:stCondLst>
+                    <p:cond delay="0"/>
+                  </p:stCondLst>
+                  <p:childTnLst>
+                    <p:set>
+                      <p:cBhvr>
+                        <p:cTn dur="1" fill="hold">
+                          <p:stCondLst>
+                            <p:cond delay="0"/>
+                          </p:stCondLst>
+                        </p:cTn>
+                        <p:tgtEl>
+                          <p:spTgt spid="3"/>
+                        </p:tgtEl>
+                        <p:attrNameLst>
+                          <p:attrName>style.visibility</p:attrName>
+                        </p:attrNameLst>
+                      </p:cBhvr>
+                      <p:to>
+                        <p:strVal val="visible"/>
+                      </p:to>
+                    </p:set>
+                  </p:childTnLst>
+                </p:cTn>
+              </p:par>
+            </p:tnLst>
+          </p:tmpl>
+          <p:tmpl lvl="4">
+            <p:tnLst>
+              <p:par>
+                <p:cTn presetID="1" presetClass="entr" presetSubtype="0" fill="hold" nodeType="clickEffect">
+                  <p:stCondLst>
+                    <p:cond delay="0"/>
+                  </p:stCondLst>
+                  <p:childTnLst>
+                    <p:set>
+                      <p:cBhvr>
+                        <p:cTn dur="1" fill="hold">
+                          <p:stCondLst>
+                            <p:cond delay="0"/>
+                          </p:stCondLst>
+                        </p:cTn>
+                        <p:tgtEl>
+                          <p:spTgt spid="3"/>
+                        </p:tgtEl>
+                        <p:attrNameLst>
+                          <p:attrName>style.visibility</p:attrName>
+                        </p:attrNameLst>
+                      </p:cBhvr>
+                      <p:to>
+                        <p:strVal val="visible"/>
+                      </p:to>
+                    </p:set>
+                  </p:childTnLst>
+                </p:cTn>
+              </p:par>
+            </p:tnLst>
+          </p:tmpl>
+          <p:tmpl lvl="5">
+            <p:tnLst>
+              <p:par>
+                <p:cTn presetID="1" presetClass="entr" presetSubtype="0" fill="hold" nodeType="clickEffect">
+                  <p:stCondLst>
+                    <p:cond delay="0"/>
+                  </p:stCondLst>
+                  <p:childTnLst>
+                    <p:set>
+                      <p:cBhvr>
+                        <p:cTn dur="1" fill="hold">
+                          <p:stCondLst>
+                            <p:cond delay="0"/>
+                          </p:stCondLst>
+                        </p:cTn>
+                        <p:tgtEl>
+                          <p:spTgt spid="3"/>
+                        </p:tgtEl>
+                        <p:attrNameLst>
+                          <p:attrName>style.visibility</p:attrName>
+                        </p:attrNameLst>
+                      </p:cBhvr>
+                      <p:to>
+                        <p:strVal val="visible"/>
+                      </p:to>
+                    </p:set>
+                  </p:childTnLst>
+                </p:cTn>
+              </p:par>
+            </p:tnLst>
+          </p:tmpl>
+        </p:tmplLst>
+      </p:bldP>
+    </p:bldLst>
+  </p:timing>
+</p:sld>
+</file>
+
+<file path=ppt/slides/slide14.xml><?xml version="1.0" encoding="utf-8"?>
+<p:sld xmlns:a="http://schemas.openxmlformats.org/drawingml/2006/main" xmlns:r="http://schemas.openxmlformats.org/officeDocument/2006/relationships" xmlns:p="http://schemas.openxmlformats.org/presentationml/2006/main">
+  <p:cSld>
+    <p:spTree>
+      <p:nvGrpSpPr>
+        <p:cNvPr id="1" name=""/>
+        <p:cNvGrpSpPr/>
+        <p:nvPr/>
+      </p:nvGrpSpPr>
+      <p:grpSpPr>
+        <a:xfrm>
+          <a:off x="0" y="0"/>
+          <a:ext cx="0" cy="0"/>
+          <a:chOff x="0" y="0"/>
+          <a:chExt cx="0" cy="0"/>
+        </a:xfrm>
+      </p:grpSpPr>
+      <p:sp>
+        <p:nvSpPr>
+          <p:cNvPr id="2" name="Title 1"/>
+          <p:cNvSpPr>
+            <a:spLocks noGrp="1"/>
+          </p:cNvSpPr>
+          <p:nvPr>
+            <p:ph type="title"/>
+          </p:nvPr>
+        </p:nvSpPr>
+        <p:spPr/>
+        <p:txBody>
+          <a:bodyPr>
+            <a:normAutofit fontScale="90000"/>
+          </a:bodyPr>
+          <a:lstStyle/>
+          <a:p>
+            <a:r>
+              <a:rPr lang="en-AU" dirty="0" smtClean="0"/>
+              <a:t>Passage Retrieval</a:t>
+            </a:r>
+            <a:endParaRPr lang="en-AU" dirty="0"/>
+          </a:p>
+        </p:txBody>
+      </p:sp>
+      <p:sp>
+        <p:nvSpPr>
+          <p:cNvPr id="3" name="Text Placeholder 2"/>
+          <p:cNvSpPr>
+            <a:spLocks noGrp="1"/>
+          </p:cNvSpPr>
+          <p:nvPr>
+            <p:ph type="body" idx="1"/>
+          </p:nvPr>
+        </p:nvSpPr>
+        <p:spPr/>
+        <p:txBody>
+          <a:bodyPr/>
+          <a:lstStyle/>
+          <a:p>
+            <a:r>
+              <a:rPr lang="en-AU" dirty="0"/>
+              <a:t>Information </a:t>
+            </a:r>
+            <a:r>
+              <a:rPr lang="en-AU" dirty="0" smtClean="0"/>
+              <a:t>retrieval of large documents of limited use for Factoid QA</a:t>
+            </a:r>
+          </a:p>
+          <a:p>
+            <a:pPr lvl="1"/>
+            <a:r>
+              <a:rPr lang="en-AU" dirty="0" smtClean="0"/>
+              <a:t>Too much reading involved</a:t>
+            </a:r>
+          </a:p>
+          <a:p>
+            <a:pPr lvl="1"/>
+            <a:r>
+              <a:rPr lang="en-AU" dirty="0" smtClean="0"/>
+              <a:t>Highly relevant documents might not contain answer</a:t>
+            </a:r>
+          </a:p>
+          <a:p>
+            <a:r>
+              <a:rPr lang="en-AU" dirty="0" smtClean="0"/>
+              <a:t>Passage retrieval:  IR on small documents within a larger text collection </a:t>
+            </a:r>
+          </a:p>
+          <a:p>
+            <a:pPr lvl="1"/>
+            <a:r>
+              <a:rPr lang="en-AU" dirty="0" smtClean="0"/>
+              <a:t>E.g. section, paragraph, sentence</a:t>
+            </a:r>
+          </a:p>
+          <a:p>
+            <a:pPr lvl="1"/>
+            <a:r>
+              <a:rPr lang="en-AU" dirty="0" smtClean="0"/>
+              <a:t>Can be done by unsupervised VSM model</a:t>
+            </a:r>
+          </a:p>
+          <a:p>
+            <a:pPr lvl="1"/>
+            <a:r>
+              <a:rPr lang="en-AU" dirty="0" smtClean="0"/>
+              <a:t>But often considered a supervised </a:t>
+            </a:r>
+            <a:r>
+              <a:rPr lang="en-AU" i="1" dirty="0" smtClean="0"/>
+              <a:t>ranking</a:t>
+            </a:r>
+            <a:r>
+              <a:rPr lang="en-AU" dirty="0" smtClean="0"/>
+              <a:t> task</a:t>
+            </a:r>
+          </a:p>
+          <a:p>
+            <a:pPr lvl="1"/>
+            <a:endParaRPr lang="en-AU" dirty="0"/>
+          </a:p>
+        </p:txBody>
+      </p:sp>
+    </p:spTree>
+    <p:extLst>
+      <p:ext uri="{BB962C8B-B14F-4D97-AF65-F5344CB8AC3E}">
+        <p14:creationId xmlns:p14="http://schemas.microsoft.com/office/powerpoint/2010/main" val="1234332251"/>
+      </p:ext>
+    </p:extLst>
+  </p:cSld>
+  <p:clrMapOvr>
+    <a:masterClrMapping/>
+  </p:clrMapOvr>
+  <p:transition spd="med"/>
+  <p:timing>
+    <p:tnLst>
+      <p:par>
+        <p:cTn id="1" dur="indefinite" restart="never" nodeType="tmRoot"/>
+      </p:par>
+    </p:tnLst>
+  </p:timing>
+</p:sld>
+</file>
+
+<file path=ppt/slides/slide15.xml><?xml version="1.0" encoding="utf-8"?>
+<p:sld xmlns:a="http://schemas.openxmlformats.org/drawingml/2006/main" xmlns:r="http://schemas.openxmlformats.org/officeDocument/2006/relationships" xmlns:p="http://schemas.openxmlformats.org/presentationml/2006/main">
+  <p:cSld>
+    <p:spTree>
+      <p:nvGrpSpPr>
+        <p:cNvPr id="1" name=""/>
+        <p:cNvGrpSpPr/>
+        <p:nvPr/>
+      </p:nvGrpSpPr>
+      <p:grpSpPr>
+        <a:xfrm>
+          <a:off x="0" y="0"/>
+          <a:ext cx="0" cy="0"/>
+          <a:chOff x="0" y="0"/>
+          <a:chExt cx="0" cy="0"/>
+        </a:xfrm>
+      </p:grpSpPr>
+      <p:sp>
+        <p:nvSpPr>
+          <p:cNvPr id="2" name="Title 1"/>
+          <p:cNvSpPr>
+            <a:spLocks noGrp="1"/>
+          </p:cNvSpPr>
+          <p:nvPr>
+            <p:ph type="title"/>
+          </p:nvPr>
+        </p:nvSpPr>
+        <p:spPr/>
+        <p:txBody>
+          <a:bodyPr>
+            <a:normAutofit fontScale="90000"/>
+          </a:bodyPr>
+          <a:lstStyle/>
+          <a:p>
+            <a:r>
+              <a:rPr lang="en-AU" dirty="0" smtClean="0"/>
+              <a:t>Features for passage retrieval</a:t>
+            </a:r>
+            <a:endParaRPr lang="en-AU" dirty="0"/>
+          </a:p>
+        </p:txBody>
+      </p:sp>
+      <p:sp>
+        <p:nvSpPr>
+          <p:cNvPr id="3" name="Text Placeholder 2"/>
+          <p:cNvSpPr>
+            <a:spLocks noGrp="1"/>
+          </p:cNvSpPr>
+          <p:nvPr>
+            <p:ph type="body" idx="1"/>
+          </p:nvPr>
+        </p:nvSpPr>
+        <p:spPr/>
+        <p:txBody>
+          <a:bodyPr/>
+          <a:lstStyle/>
+          <a:p>
+            <a:r>
+              <a:rPr lang="en-AU" dirty="0" smtClean="0"/>
+              <a:t>Count of </a:t>
+            </a:r>
+            <a:r>
+              <a:rPr lang="en-AU" dirty="0"/>
+              <a:t>n</a:t>
+            </a:r>
+            <a:r>
+              <a:rPr lang="en-AU" dirty="0" smtClean="0"/>
+              <a:t>amed </a:t>
+            </a:r>
+            <a:r>
+              <a:rPr lang="en-AU" dirty="0" smtClean="0"/>
+              <a:t>entities corresponding to answer type</a:t>
+            </a:r>
+          </a:p>
+          <a:p>
+            <a:r>
+              <a:rPr lang="en-AU" dirty="0" smtClean="0"/>
+              <a:t>Count of query words</a:t>
+            </a:r>
+          </a:p>
+          <a:p>
+            <a:r>
+              <a:rPr lang="en-AU" dirty="0" smtClean="0"/>
+              <a:t>Longest overlapping sequence of query words</a:t>
+            </a:r>
+          </a:p>
+          <a:p>
+            <a:r>
+              <a:rPr lang="en-AU" dirty="0" smtClean="0"/>
+              <a:t>Proximity of query words to each other</a:t>
+            </a:r>
+          </a:p>
+          <a:p>
+            <a:r>
+              <a:rPr lang="en-AU" dirty="0" smtClean="0"/>
+              <a:t>N-gram overlap between </a:t>
+            </a:r>
+            <a:r>
+              <a:rPr lang="en-AU" dirty="0" smtClean="0"/>
+              <a:t>original question and </a:t>
+            </a:r>
+            <a:r>
+              <a:rPr lang="en-AU" dirty="0" smtClean="0"/>
+              <a:t>passage</a:t>
+            </a:r>
+          </a:p>
+          <a:p>
+            <a:endParaRPr lang="en-AU" dirty="0"/>
+          </a:p>
+        </p:txBody>
+      </p:sp>
+    </p:spTree>
+    <p:extLst>
+      <p:ext uri="{BB962C8B-B14F-4D97-AF65-F5344CB8AC3E}">
+        <p14:creationId xmlns:p14="http://schemas.microsoft.com/office/powerpoint/2010/main" val="1882062281"/>
+      </p:ext>
+    </p:extLst>
+  </p:cSld>
+  <p:clrMapOvr>
+    <a:masterClrMapping/>
+  </p:clrMapOvr>
+  <p:transition spd="med"/>
+  <p:timing>
+    <p:tnLst>
+      <p:par>
+        <p:cTn id="1" dur="indefinite" restart="never" nodeType="tmRoot"/>
+      </p:par>
+    </p:tnLst>
+  </p:timing>
+</p:sld>
+</file>
+
+<file path=ppt/slides/slide16.xml><?xml version="1.0" encoding="utf-8"?>
+<p:sld xmlns:a="http://schemas.openxmlformats.org/drawingml/2006/main" xmlns:r="http://schemas.openxmlformats.org/officeDocument/2006/relationships" xmlns:p="http://schemas.openxmlformats.org/presentationml/2006/main">
+  <p:cSld>
+    <p:spTree>
+      <p:nvGrpSpPr>
+        <p:cNvPr id="1" name=""/>
+        <p:cNvGrpSpPr/>
+        <p:nvPr/>
+      </p:nvGrpSpPr>
+      <p:grpSpPr>
+        <a:xfrm>
+          <a:off x="0" y="0"/>
+          <a:ext cx="0" cy="0"/>
+          <a:chOff x="0" y="0"/>
+          <a:chExt cx="0" cy="0"/>
+        </a:xfrm>
+      </p:grpSpPr>
+      <p:sp>
+        <p:nvSpPr>
+          <p:cNvPr id="2" name="Title 1"/>
+          <p:cNvSpPr>
+            <a:spLocks noGrp="1"/>
+          </p:cNvSpPr>
+          <p:nvPr>
+            <p:ph type="title"/>
+          </p:nvPr>
+        </p:nvSpPr>
+        <p:spPr/>
+        <p:txBody>
+          <a:bodyPr>
+            <a:normAutofit fontScale="90000"/>
+          </a:bodyPr>
+          <a:lstStyle/>
+          <a:p>
+            <a:r>
+              <a:rPr lang="en-AU" dirty="0" smtClean="0"/>
+              <a:t>Answer extraction</a:t>
+            </a:r>
+            <a:r>
+              <a:rPr lang="en-AU" dirty="0"/>
+              <a:t/>
+            </a:r>
+            <a:br>
+              <a:rPr lang="en-AU" dirty="0"/>
+            </a:br>
+            <a:endParaRPr lang="en-AU" dirty="0"/>
+          </a:p>
+        </p:txBody>
+      </p:sp>
+      <p:sp>
+        <p:nvSpPr>
+          <p:cNvPr id="3" name="Text Placeholder 2"/>
+          <p:cNvSpPr>
+            <a:spLocks noGrp="1"/>
+          </p:cNvSpPr>
+          <p:nvPr>
+            <p:ph type="body" idx="1"/>
+          </p:nvPr>
+        </p:nvSpPr>
+        <p:spPr/>
+        <p:txBody>
+          <a:bodyPr/>
+          <a:lstStyle/>
+          <a:p>
+            <a:r>
+              <a:rPr lang="en-AU" dirty="0" smtClean="0"/>
+              <a:t>Possibly trivial, if only one named entity of correct type in relevant passage</a:t>
+            </a:r>
+          </a:p>
+          <a:p>
+            <a:r>
+              <a:rPr lang="en-AU" dirty="0" smtClean="0"/>
+              <a:t>But sometimes multiple entities</a:t>
+            </a:r>
+          </a:p>
+          <a:p>
+            <a:r>
+              <a:rPr lang="en-AU" dirty="0" smtClean="0"/>
+              <a:t>Or answer isn’t a (named) entity at all, e.g. definition</a:t>
+            </a:r>
+          </a:p>
+          <a:p>
+            <a:r>
+              <a:rPr lang="en-AU" dirty="0" smtClean="0"/>
+              <a:t>Harder cases can be addressed with regex patterns</a:t>
+            </a:r>
+          </a:p>
+          <a:p>
+            <a:pPr marL="0" indent="0">
+              <a:buNone/>
+            </a:pPr>
+            <a:r>
+              <a:rPr lang="en-AU" dirty="0" smtClean="0"/>
+              <a:t>What is </a:t>
+            </a:r>
+            <a:r>
+              <a:rPr lang="en-AU" dirty="0" smtClean="0">
+                <a:solidFill>
+                  <a:srgbClr val="0070C0"/>
+                </a:solidFill>
+              </a:rPr>
+              <a:t>Microsoft</a:t>
+            </a:r>
+            <a:r>
+              <a:rPr lang="en-AU" dirty="0" smtClean="0"/>
+              <a:t>?</a:t>
+            </a:r>
+          </a:p>
+          <a:p>
+            <a:pPr marL="0" indent="0">
+              <a:buNone/>
+            </a:pPr>
+            <a:r>
+              <a:rPr lang="en-AU" dirty="0" smtClean="0"/>
+              <a:t>“he found a job with </a:t>
+            </a:r>
+            <a:r>
+              <a:rPr lang="en-AU" dirty="0" smtClean="0">
+                <a:solidFill>
+                  <a:srgbClr val="0070C0"/>
+                </a:solidFill>
+              </a:rPr>
+              <a:t>Microsoft</a:t>
+            </a:r>
+            <a:r>
+              <a:rPr lang="en-AU" dirty="0" smtClean="0"/>
+              <a:t>, </a:t>
+            </a:r>
+            <a:r>
+              <a:rPr lang="en-AU" dirty="0" smtClean="0">
+                <a:solidFill>
+                  <a:schemeClr val="bg1"/>
+                </a:solidFill>
+              </a:rPr>
+              <a:t>a</a:t>
+            </a:r>
+            <a:r>
+              <a:rPr lang="en-AU" dirty="0" smtClean="0">
+                <a:solidFill>
+                  <a:schemeClr val="accent5"/>
+                </a:solidFill>
+              </a:rPr>
+              <a:t> software company best known </a:t>
+            </a:r>
+            <a:r>
+              <a:rPr lang="en-AU" dirty="0" smtClean="0">
+                <a:solidFill>
+                  <a:schemeClr val="accent5"/>
+                </a:solidFill>
+              </a:rPr>
+              <a:t>for creating the </a:t>
+            </a:r>
+            <a:r>
+              <a:rPr lang="en-AU" dirty="0" smtClean="0">
+                <a:solidFill>
+                  <a:schemeClr val="accent5"/>
+                </a:solidFill>
+              </a:rPr>
+              <a:t>Windows operating system</a:t>
+            </a:r>
+            <a:r>
+              <a:rPr lang="en-AU" dirty="0" smtClean="0"/>
+              <a:t>.”</a:t>
+            </a:r>
+          </a:p>
+          <a:p>
+            <a:pPr marL="0" indent="0">
+              <a:buNone/>
+            </a:pPr>
+            <a:r>
+              <a:rPr lang="en-AU" dirty="0" smtClean="0">
+                <a:solidFill>
+                  <a:srgbClr val="0070C0"/>
+                </a:solidFill>
+              </a:rPr>
+              <a:t>&lt;QP&gt;</a:t>
+            </a:r>
+            <a:r>
+              <a:rPr lang="en-AU" dirty="0" smtClean="0">
+                <a:solidFill>
+                  <a:schemeClr val="bg1"/>
+                </a:solidFill>
+              </a:rPr>
+              <a:t>,</a:t>
+            </a:r>
+            <a:r>
+              <a:rPr lang="en-AU" dirty="0" smtClean="0">
+                <a:solidFill>
+                  <a:srgbClr val="0070C0"/>
+                </a:solidFill>
+              </a:rPr>
+              <a:t> </a:t>
+            </a:r>
+            <a:r>
+              <a:rPr lang="en-AU" dirty="0" smtClean="0"/>
+              <a:t>a </a:t>
+            </a:r>
+            <a:r>
+              <a:rPr lang="en-AU" dirty="0" smtClean="0">
+                <a:solidFill>
+                  <a:schemeClr val="accent5"/>
+                </a:solidFill>
+              </a:rPr>
+              <a:t>&lt;AP&gt;</a:t>
+            </a:r>
+          </a:p>
+        </p:txBody>
+      </p:sp>
+    </p:spTree>
+    <p:extLst>
+      <p:ext uri="{BB962C8B-B14F-4D97-AF65-F5344CB8AC3E}">
+        <p14:creationId xmlns:p14="http://schemas.microsoft.com/office/powerpoint/2010/main" val="2179836469"/>
+      </p:ext>
+    </p:extLst>
+  </p:cSld>
+  <p:clrMapOvr>
+    <a:masterClrMapping/>
+  </p:clrMapOvr>
+  <p:transition spd="med"/>
+  <p:timing>
+    <p:tnLst>
+      <p:par>
+        <p:cTn id="1" dur="indefinite" restart="never" nodeType="tmRoot"/>
+      </p:par>
+    </p:tnLst>
+  </p:timing>
+</p:sld>
+</file>
+
+<file path=ppt/slides/slide17.xml><?xml version="1.0" encoding="utf-8"?>
+<p:sld xmlns:a="http://schemas.openxmlformats.org/drawingml/2006/main" xmlns:r="http://schemas.openxmlformats.org/officeDocument/2006/relationships" xmlns:p="http://schemas.openxmlformats.org/presentationml/2006/main">
+  <p:cSld>
+    <p:spTree>
+      <p:nvGrpSpPr>
+        <p:cNvPr id="1" name=""/>
+        <p:cNvGrpSpPr/>
+        <p:nvPr/>
+      </p:nvGrpSpPr>
+      <p:grpSpPr>
+        <a:xfrm>
+          <a:off x="0" y="0"/>
+          <a:ext cx="0" cy="0"/>
+          <a:chOff x="0" y="0"/>
+          <a:chExt cx="0" cy="0"/>
+        </a:xfrm>
+      </p:grpSpPr>
+      <p:sp>
+        <p:nvSpPr>
+          <p:cNvPr id="2" name="Title 1"/>
+          <p:cNvSpPr>
+            <a:spLocks noGrp="1"/>
+          </p:cNvSpPr>
+          <p:nvPr>
+            <p:ph type="title"/>
+          </p:nvPr>
+        </p:nvSpPr>
+        <p:spPr/>
+        <p:txBody>
+          <a:bodyPr>
+            <a:normAutofit fontScale="90000"/>
+          </a:bodyPr>
+          <a:lstStyle/>
+          <a:p>
+            <a:r>
+              <a:rPr lang="en-AU" dirty="0" smtClean="0"/>
+              <a:t>Features for </a:t>
+            </a:r>
+            <a:r>
+              <a:rPr lang="en-AU" dirty="0" smtClean="0"/>
+              <a:t>answer </a:t>
+            </a:r>
+            <a:r>
+              <a:rPr lang="en-AU" dirty="0" smtClean="0"/>
+              <a:t>extraction</a:t>
+            </a:r>
+            <a:endParaRPr lang="en-AU" dirty="0"/>
+          </a:p>
+        </p:txBody>
+      </p:sp>
+      <p:sp>
+        <p:nvSpPr>
+          <p:cNvPr id="3" name="Text Placeholder 2"/>
+          <p:cNvSpPr>
+            <a:spLocks noGrp="1"/>
+          </p:cNvSpPr>
+          <p:nvPr>
+            <p:ph type="body" idx="1"/>
+          </p:nvPr>
+        </p:nvSpPr>
+        <p:spPr/>
+        <p:txBody>
+          <a:bodyPr>
+            <a:normAutofit/>
+          </a:bodyPr>
+          <a:lstStyle/>
+          <a:p>
+            <a:r>
+              <a:rPr lang="en-AU" dirty="0" smtClean="0"/>
+              <a:t>Matches answer type</a:t>
+            </a:r>
+          </a:p>
+          <a:p>
+            <a:r>
+              <a:rPr lang="en-AU" dirty="0" smtClean="0"/>
+              <a:t>Matches regex pattern</a:t>
+            </a:r>
+          </a:p>
+          <a:p>
+            <a:r>
+              <a:rPr lang="en-AU" dirty="0" smtClean="0"/>
+              <a:t>Number of matched question keywords</a:t>
+            </a:r>
+          </a:p>
+          <a:p>
+            <a:r>
+              <a:rPr lang="en-AU" dirty="0"/>
+              <a:t>Contains novel </a:t>
+            </a:r>
+            <a:r>
+              <a:rPr lang="en-AU" dirty="0" smtClean="0"/>
+              <a:t>words</a:t>
+            </a:r>
+            <a:endParaRPr lang="en-AU" dirty="0" smtClean="0"/>
+          </a:p>
+          <a:p>
+            <a:r>
+              <a:rPr lang="en-AU" dirty="0" smtClean="0"/>
+              <a:t>Distance </a:t>
+            </a:r>
+            <a:r>
+              <a:rPr lang="en-AU" dirty="0" smtClean="0"/>
+              <a:t>from keywords </a:t>
+            </a:r>
+          </a:p>
+          <a:p>
+            <a:pPr lvl="1"/>
+            <a:r>
+              <a:rPr lang="en-AU" dirty="0"/>
+              <a:t>W</a:t>
+            </a:r>
+            <a:r>
+              <a:rPr lang="en-AU" dirty="0" smtClean="0"/>
+              <a:t>ord distance</a:t>
+            </a:r>
+          </a:p>
+          <a:p>
+            <a:pPr lvl="1"/>
+            <a:r>
+              <a:rPr lang="en-AU" dirty="0" smtClean="0"/>
+              <a:t>Syntactic distance using parse</a:t>
+            </a:r>
+          </a:p>
+          <a:p>
+            <a:r>
+              <a:rPr lang="en-AU" dirty="0" smtClean="0"/>
+              <a:t>Followed </a:t>
+            </a:r>
+            <a:r>
+              <a:rPr lang="en-AU" dirty="0" smtClean="0"/>
+              <a:t>by punctuation</a:t>
+            </a:r>
+            <a:endParaRPr lang="en-AU" dirty="0"/>
+          </a:p>
+          <a:p>
+            <a:endParaRPr lang="en-AU" dirty="0"/>
+          </a:p>
+        </p:txBody>
+      </p:sp>
+    </p:spTree>
+    <p:extLst>
+      <p:ext uri="{BB962C8B-B14F-4D97-AF65-F5344CB8AC3E}">
+        <p14:creationId xmlns:p14="http://schemas.microsoft.com/office/powerpoint/2010/main" val="1668440496"/>
+      </p:ext>
+    </p:extLst>
+  </p:cSld>
+  <p:clrMapOvr>
+    <a:masterClrMapping/>
+  </p:clrMapOvr>
+  <p:transition spd="med"/>
+  <p:timing>
+    <p:tnLst>
+      <p:par>
+        <p:cTn id="1" dur="indefinite" restart="never" nodeType="tmRoot"/>
+      </p:par>
+    </p:tnLst>
+  </p:timing>
+</p:sld>
+</file>
+
+<file path=ppt/slides/slide18.xml><?xml version="1.0" encoding="utf-8"?>
+<p:sld xmlns:a="http://schemas.openxmlformats.org/drawingml/2006/main" xmlns:r="http://schemas.openxmlformats.org/officeDocument/2006/relationships" xmlns:p="http://schemas.openxmlformats.org/presentationml/2006/main">
+  <p:cSld>
+    <p:spTree>
+      <p:nvGrpSpPr>
+        <p:cNvPr id="1" name=""/>
+        <p:cNvGrpSpPr/>
+        <p:nvPr/>
+      </p:nvGrpSpPr>
+      <p:grpSpPr>
+        <a:xfrm>
+          <a:off x="0" y="0"/>
+          <a:ext cx="0" cy="0"/>
+          <a:chOff x="0" y="0"/>
+          <a:chExt cx="0" cy="0"/>
+        </a:xfrm>
+      </p:grpSpPr>
+      <p:sp>
+        <p:nvSpPr>
+          <p:cNvPr id="2" name="Title 1"/>
+          <p:cNvSpPr>
+            <a:spLocks noGrp="1"/>
+          </p:cNvSpPr>
+          <p:nvPr>
+            <p:ph type="title"/>
+          </p:nvPr>
+        </p:nvSpPr>
+        <p:spPr/>
+        <p:txBody>
+          <a:bodyPr>
+            <a:normAutofit fontScale="90000"/>
+          </a:bodyPr>
+          <a:lstStyle/>
+          <a:p>
+            <a:r>
+              <a:rPr lang="en-AU" dirty="0" smtClean="0"/>
+              <a:t>Open-domain Corpora </a:t>
+            </a:r>
+            <a:r>
+              <a:rPr lang="en-AU" dirty="0" smtClean="0"/>
+              <a:t>for QA</a:t>
+            </a:r>
+            <a:endParaRPr lang="en-AU" dirty="0"/>
+          </a:p>
+        </p:txBody>
+      </p:sp>
+      <p:sp>
+        <p:nvSpPr>
+          <p:cNvPr id="3" name="Text Placeholder 2"/>
+          <p:cNvSpPr>
+            <a:spLocks noGrp="1"/>
+          </p:cNvSpPr>
+          <p:nvPr>
+            <p:ph type="body" idx="1"/>
+          </p:nvPr>
+        </p:nvSpPr>
+        <p:spPr/>
+        <p:txBody>
+          <a:bodyPr/>
+          <a:lstStyle/>
+          <a:p>
+            <a:r>
+              <a:rPr lang="en-AU" dirty="0" smtClean="0"/>
+              <a:t>TREC (IR shared task)</a:t>
+            </a:r>
+          </a:p>
+          <a:p>
+            <a:pPr lvl="1"/>
+            <a:r>
+              <a:rPr lang="en-AU" dirty="0" smtClean="0"/>
+              <a:t>Series of Factoid QA datasets with guaranteed answer in corpus of newswire</a:t>
+            </a:r>
+          </a:p>
+          <a:p>
+            <a:r>
+              <a:rPr lang="en-AU" dirty="0" smtClean="0"/>
+              <a:t>WEBQUESTIONS</a:t>
+            </a:r>
+          </a:p>
+          <a:p>
+            <a:pPr lvl="1"/>
+            <a:r>
+              <a:rPr lang="en-AU" dirty="0" smtClean="0"/>
+              <a:t>~6k constrained questions </a:t>
+            </a:r>
+            <a:r>
+              <a:rPr lang="en-AU" dirty="0" smtClean="0"/>
+              <a:t>asked by </a:t>
+            </a:r>
+            <a:r>
+              <a:rPr lang="en-AU" dirty="0" err="1" smtClean="0"/>
+              <a:t>netizens</a:t>
+            </a:r>
+            <a:r>
+              <a:rPr lang="en-AU" dirty="0" smtClean="0"/>
+              <a:t>, hand-written answers drawn from Freebase </a:t>
+            </a:r>
+            <a:r>
+              <a:rPr lang="en-AU" dirty="0"/>
+              <a:t>p</a:t>
+            </a:r>
+            <a:r>
+              <a:rPr lang="en-AU" dirty="0" smtClean="0"/>
+              <a:t>age</a:t>
+            </a:r>
+          </a:p>
+          <a:p>
+            <a:r>
+              <a:rPr lang="en-AU" dirty="0" err="1" smtClean="0"/>
+              <a:t>SQuAD</a:t>
+            </a:r>
+            <a:endParaRPr lang="en-AU" dirty="0" smtClean="0"/>
+          </a:p>
+          <a:p>
+            <a:pPr lvl="1"/>
+            <a:r>
+              <a:rPr lang="en-AU" dirty="0" smtClean="0"/>
+              <a:t>Latest and greatest in QA, reading comprehension based on </a:t>
+            </a:r>
+            <a:r>
+              <a:rPr lang="en-AU" dirty="0" smtClean="0"/>
+              <a:t>paragraphs </a:t>
+            </a:r>
+            <a:r>
+              <a:rPr lang="en-AU" dirty="0" err="1" smtClean="0"/>
+              <a:t>inWikipedia</a:t>
+            </a:r>
+            <a:r>
+              <a:rPr lang="en-AU" dirty="0"/>
+              <a:t>, </a:t>
+            </a:r>
+            <a:r>
+              <a:rPr lang="en-AU" dirty="0" smtClean="0"/>
+              <a:t>annotated by crowdsourcing 100000+ question answer pairs</a:t>
+            </a:r>
+          </a:p>
+          <a:p>
+            <a:endParaRPr lang="en-AU" dirty="0" smtClean="0"/>
+          </a:p>
+          <a:p>
+            <a:pPr lvl="1"/>
+            <a:endParaRPr lang="en-AU" dirty="0"/>
+          </a:p>
+        </p:txBody>
+      </p:sp>
+    </p:spTree>
+    <p:extLst>
+      <p:ext uri="{BB962C8B-B14F-4D97-AF65-F5344CB8AC3E}">
+        <p14:creationId xmlns:p14="http://schemas.microsoft.com/office/powerpoint/2010/main" val="1151842238"/>
+      </p:ext>
+    </p:extLst>
+  </p:cSld>
+  <p:clrMapOvr>
+    <a:masterClrMapping/>
+  </p:clrMapOvr>
+  <p:transition spd="med"/>
+  <p:timing>
+    <p:tnLst>
+      <p:par>
+        <p:cTn id="1" dur="indefinite" restart="never" nodeType="tmRoot"/>
+      </p:par>
+    </p:tnLst>
+  </p:timing>
+</p:sld>
+</file>
+
+<file path=ppt/slides/slide19.xml><?xml version="1.0" encoding="utf-8"?>
+<p:sld xmlns:a="http://schemas.openxmlformats.org/drawingml/2006/main" xmlns:r="http://schemas.openxmlformats.org/officeDocument/2006/relationships" xmlns:p="http://schemas.openxmlformats.org/presentationml/2006/main">
+  <p:cSld>
+    <p:spTree>
+      <p:nvGrpSpPr>
+        <p:cNvPr id="1" name=""/>
+        <p:cNvGrpSpPr/>
+        <p:nvPr/>
+      </p:nvGrpSpPr>
+      <p:grpSpPr>
+        <a:xfrm>
+          <a:off x="0" y="0"/>
+          <a:ext cx="0" cy="0"/>
+          <a:chOff x="0" y="0"/>
+          <a:chExt cx="0" cy="0"/>
+        </a:xfrm>
+      </p:grpSpPr>
+      <p:sp>
+        <p:nvSpPr>
+          <p:cNvPr id="2" name="Title 1"/>
+          <p:cNvSpPr>
+            <a:spLocks noGrp="1"/>
+          </p:cNvSpPr>
+          <p:nvPr>
+            <p:ph type="title"/>
+          </p:nvPr>
+        </p:nvSpPr>
+        <p:spPr/>
+        <p:txBody>
+          <a:bodyPr>
+            <a:normAutofit fontScale="90000"/>
+          </a:bodyPr>
+          <a:lstStyle/>
+          <a:p>
+            <a:r>
+              <a:rPr lang="en-AU" dirty="0" smtClean="0"/>
+              <a:t>Mean reciprocal rank </a:t>
+            </a:r>
+            <a:endParaRPr lang="en-AU" dirty="0"/>
+          </a:p>
+        </p:txBody>
+      </p:sp>
+      <p:sp>
+        <p:nvSpPr>
+          <p:cNvPr id="3" name="Text Placeholder 2"/>
+          <p:cNvSpPr>
+            <a:spLocks noGrp="1"/>
+          </p:cNvSpPr>
+          <p:nvPr>
+            <p:ph type="body" idx="1"/>
+          </p:nvPr>
+        </p:nvSpPr>
+        <p:spPr/>
+        <p:txBody>
+          <a:bodyPr/>
+          <a:lstStyle/>
+          <a:p>
+            <a:r>
+              <a:rPr lang="en-AU" dirty="0" smtClean="0"/>
+              <a:t>Reciprocal rank: </a:t>
+            </a:r>
+            <a:r>
+              <a:rPr lang="en-AU" dirty="0" smtClean="0"/>
+              <a:t>inverse </a:t>
+            </a:r>
+            <a:r>
+              <a:rPr lang="en-AU" dirty="0" smtClean="0"/>
+              <a:t>rank of the first correct answer</a:t>
+            </a:r>
+          </a:p>
+          <a:p>
+            <a:pPr lvl="1"/>
+            <a:r>
+              <a:rPr lang="en-AU" dirty="0" smtClean="0"/>
+              <a:t>Zero </a:t>
+            </a:r>
+            <a:r>
+              <a:rPr lang="en-AU" dirty="0" smtClean="0"/>
+              <a:t>if correct answer not ranked</a:t>
+            </a:r>
+          </a:p>
+          <a:p>
+            <a:pPr marL="889000" lvl="2">
+              <a:spcBef>
+                <a:spcPts val="2600"/>
+              </a:spcBef>
+            </a:pPr>
+            <a:r>
+              <a:rPr lang="en-AU" dirty="0" smtClean="0"/>
+              <a:t>Averaged </a:t>
+            </a:r>
+            <a:r>
+              <a:rPr lang="en-AU" dirty="0"/>
+              <a:t>across all test </a:t>
+            </a:r>
+            <a:r>
+              <a:rPr lang="en-AU" dirty="0" smtClean="0"/>
+              <a:t>instances</a:t>
+            </a:r>
+            <a:endParaRPr lang="en-AU" dirty="0" smtClean="0"/>
+          </a:p>
+          <a:p>
+            <a:r>
+              <a:rPr lang="en-AU" dirty="0" smtClean="0"/>
+              <a:t>Only </a:t>
+            </a:r>
+            <a:r>
+              <a:rPr lang="en-AU" dirty="0" smtClean="0"/>
+              <a:t>appropriate for ranking models</a:t>
+            </a:r>
+          </a:p>
+          <a:p>
+            <a:r>
+              <a:rPr lang="en-AU" dirty="0" smtClean="0"/>
+              <a:t>Gives partial credit for near-misses</a:t>
+            </a:r>
+          </a:p>
+          <a:p>
+            <a:r>
+              <a:rPr lang="en-AU" dirty="0" smtClean="0"/>
+              <a:t>In non-ranking situations, f-score most common</a:t>
+            </a:r>
+            <a:endParaRPr lang="en-AU" dirty="0"/>
+          </a:p>
+        </p:txBody>
+      </p:sp>
+    </p:spTree>
+    <p:extLst>
+      <p:ext uri="{BB962C8B-B14F-4D97-AF65-F5344CB8AC3E}">
+        <p14:creationId xmlns:p14="http://schemas.microsoft.com/office/powerpoint/2010/main" val="2800956449"/>
+      </p:ext>
+    </p:extLst>
+  </p:cSld>
+  <p:clrMapOvr>
+    <a:masterClrMapping/>
+  </p:clrMapOvr>
+  <p:transition spd="med"/>
+  <p:timing>
+    <p:tnLst>
+      <p:par>
+        <p:cTn id="1" dur="indefinite" restart="never" nodeType="tmRoot"/>
+      </p:par>
+    </p:tnLst>
+  </p:timing>
+</p:sld>
+</file>
+
+<file path=ppt/slides/slide2.xml><?xml version="1.0" encoding="utf-8"?>
+<p:sld xmlns:a="http://schemas.openxmlformats.org/drawingml/2006/main" xmlns:r="http://schemas.openxmlformats.org/officeDocument/2006/relationships" xmlns:p="http://schemas.openxmlformats.org/presentationml/2006/main">
+  <p:cSld>
+    <p:spTree>
+      <p:nvGrpSpPr>
+        <p:cNvPr id="1" name=""/>
+        <p:cNvGrpSpPr/>
+        <p:nvPr/>
+      </p:nvGrpSpPr>
+      <p:grpSpPr>
+        <a:xfrm>
+          <a:off x="0" y="0"/>
+          <a:ext cx="0" cy="0"/>
+          <a:chOff x="0" y="0"/>
+          <a:chExt cx="0" cy="0"/>
+        </a:xfrm>
+      </p:grpSpPr>
+      <p:sp>
+        <p:nvSpPr>
+          <p:cNvPr id="2" name="Title 1"/>
+          <p:cNvSpPr>
+            <a:spLocks noGrp="1"/>
+          </p:cNvSpPr>
+          <p:nvPr>
+            <p:ph type="title"/>
+          </p:nvPr>
+        </p:nvSpPr>
+        <p:spPr/>
+        <p:txBody>
+          <a:bodyPr>
+            <a:normAutofit fontScale="90000"/>
+          </a:bodyPr>
+          <a:lstStyle/>
+          <a:p>
+            <a:r>
+              <a:rPr lang="en-AU" dirty="0" smtClean="0"/>
+              <a:t>What is question answering?</a:t>
+            </a:r>
+            <a:endParaRPr lang="en-AU" dirty="0"/>
+          </a:p>
+        </p:txBody>
+      </p:sp>
+      <p:sp>
+        <p:nvSpPr>
+          <p:cNvPr id="3" name="Text Placeholder 2"/>
+          <p:cNvSpPr>
+            <a:spLocks noGrp="1"/>
+          </p:cNvSpPr>
+          <p:nvPr>
+            <p:ph type="body" idx="1"/>
+          </p:nvPr>
+        </p:nvSpPr>
+        <p:spPr/>
+        <p:txBody>
+          <a:bodyPr/>
+          <a:lstStyle/>
+          <a:p>
+            <a:r>
+              <a:rPr lang="en-AU" dirty="0" smtClean="0"/>
+              <a:t>The task of automatically determining an answer for a user-provided question</a:t>
+            </a:r>
+          </a:p>
+          <a:p>
+            <a:r>
+              <a:rPr lang="en-AU" dirty="0" smtClean="0"/>
+              <a:t>Focus in the field (and this lecture) is on </a:t>
+            </a:r>
+            <a:r>
+              <a:rPr lang="en-AU" i="1" dirty="0" smtClean="0"/>
+              <a:t>factoid </a:t>
+            </a:r>
+            <a:r>
+              <a:rPr lang="en-AU" dirty="0" smtClean="0"/>
+              <a:t>QA</a:t>
+            </a:r>
+            <a:endParaRPr lang="en-AU" i="1" dirty="0" smtClean="0"/>
+          </a:p>
+          <a:p>
+            <a:pPr lvl="1"/>
+            <a:r>
+              <a:rPr lang="en-AU" i="1" dirty="0" smtClean="0"/>
+              <a:t>Question: </a:t>
+            </a:r>
+            <a:r>
+              <a:rPr lang="en-AU" dirty="0" smtClean="0"/>
+              <a:t>Who said ‘you will know a word by the company it keeps’?</a:t>
+            </a:r>
+          </a:p>
+          <a:p>
+            <a:pPr lvl="1"/>
+            <a:r>
+              <a:rPr lang="en-AU" i="1" dirty="0" smtClean="0"/>
+              <a:t>Answer: Firth</a:t>
+            </a:r>
+          </a:p>
+          <a:p>
+            <a:r>
+              <a:rPr lang="en-AU" dirty="0" smtClean="0"/>
+              <a:t>But there are other kinds of QA, e.g.</a:t>
+            </a:r>
+          </a:p>
+          <a:p>
+            <a:pPr lvl="1"/>
+            <a:r>
+              <a:rPr lang="en-AU" dirty="0" smtClean="0"/>
+              <a:t>“episodic” QA: tell a story, ask a question about it</a:t>
+            </a:r>
+          </a:p>
+          <a:p>
+            <a:pPr lvl="1"/>
+            <a:r>
+              <a:rPr lang="en-AU" dirty="0" smtClean="0"/>
+              <a:t>“community” QA: match a new question to an existing question on QA websites </a:t>
+            </a:r>
+            <a:r>
+              <a:rPr lang="en-AU" dirty="0"/>
+              <a:t>(</a:t>
+            </a:r>
+            <a:r>
+              <a:rPr lang="en-AU" dirty="0" err="1" smtClean="0"/>
+              <a:t>StackExchange</a:t>
+            </a:r>
+            <a:r>
+              <a:rPr lang="en-AU" dirty="0" smtClean="0"/>
+              <a:t>)</a:t>
+            </a:r>
+          </a:p>
+        </p:txBody>
+      </p:sp>
+    </p:spTree>
+    <p:extLst>
+      <p:ext uri="{BB962C8B-B14F-4D97-AF65-F5344CB8AC3E}">
+        <p14:creationId xmlns:p14="http://schemas.microsoft.com/office/powerpoint/2010/main" val="38343043"/>
+      </p:ext>
+    </p:extLst>
+  </p:cSld>
+  <p:clrMapOvr>
+    <a:masterClrMapping/>
+  </p:clrMapOvr>
+  <p:transition spd="med"/>
+  <p:timing>
+    <p:tnLst>
+      <p:par>
+        <p:cTn id="1" dur="indefinite" restart="never" nodeType="tmRoot"/>
+      </p:par>
+    </p:tnLst>
+  </p:timing>
+</p:sld>
+</file>
+
+<file path=ppt/slides/slide20.xml><?xml version="1.0" encoding="utf-8"?>
+<p:sld xmlns:a="http://schemas.openxmlformats.org/drawingml/2006/main" xmlns:r="http://schemas.openxmlformats.org/officeDocument/2006/relationships" xmlns:p="http://schemas.openxmlformats.org/presentationml/2006/main">
+  <p:cSld>
+    <p:spTree>
+      <p:nvGrpSpPr>
+        <p:cNvPr id="1" name=""/>
+        <p:cNvGrpSpPr/>
+        <p:nvPr/>
+      </p:nvGrpSpPr>
+      <p:grpSpPr>
+        <a:xfrm>
+          <a:off x="0" y="0"/>
+          <a:ext cx="0" cy="0"/>
+          <a:chOff x="0" y="0"/>
+          <a:chExt cx="0" cy="0"/>
+        </a:xfrm>
+      </p:grpSpPr>
+      <p:sp>
+        <p:nvSpPr>
+          <p:cNvPr id="2" name="Title 1"/>
+          <p:cNvSpPr>
+            <a:spLocks noGrp="1"/>
+          </p:cNvSpPr>
+          <p:nvPr>
+            <p:ph type="title"/>
+          </p:nvPr>
+        </p:nvSpPr>
+        <p:spPr/>
+        <p:txBody>
+          <a:bodyPr>
+            <a:normAutofit fontScale="90000"/>
+          </a:bodyPr>
+          <a:lstStyle/>
+          <a:p>
+            <a:r>
+              <a:rPr lang="en-AU" dirty="0" smtClean="0"/>
+              <a:t>END-TO-END </a:t>
+            </a:r>
+            <a:r>
+              <a:rPr lang="en-AU" dirty="0" smtClean="0"/>
+              <a:t>real QA SYSTEM: </a:t>
+            </a:r>
+            <a:r>
+              <a:rPr lang="en-AU" dirty="0" smtClean="0"/>
+              <a:t>Watson</a:t>
+            </a:r>
+            <a:endParaRPr lang="en-AU" dirty="0"/>
+          </a:p>
+        </p:txBody>
+      </p:sp>
+      <p:sp>
+        <p:nvSpPr>
+          <p:cNvPr id="3" name="Text Placeholder 2"/>
+          <p:cNvSpPr>
+            <a:spLocks noGrp="1"/>
+          </p:cNvSpPr>
+          <p:nvPr>
+            <p:ph type="body" idx="1"/>
+          </p:nvPr>
+        </p:nvSpPr>
+        <p:spPr/>
+        <p:txBody>
+          <a:bodyPr/>
+          <a:lstStyle/>
+          <a:p>
+            <a:r>
+              <a:rPr lang="en-AU" dirty="0" smtClean="0"/>
+              <a:t>Watson beat Jeopardy! grandmaster in 2011</a:t>
+            </a:r>
+          </a:p>
+          <a:p>
+            <a:r>
+              <a:rPr lang="en-AU" dirty="0" smtClean="0"/>
+              <a:t>In Jeopardy</a:t>
+            </a:r>
+            <a:r>
+              <a:rPr lang="en-AU" dirty="0" smtClean="0"/>
+              <a:t>! </a:t>
+            </a:r>
+            <a:r>
+              <a:rPr lang="en-AU" dirty="0" smtClean="0"/>
+              <a:t>question and answer are reversed</a:t>
+            </a:r>
+          </a:p>
+          <a:p>
+            <a:pPr lvl="1"/>
+            <a:r>
+              <a:rPr lang="en-AU" dirty="0" smtClean="0"/>
+              <a:t>“Questions” tend to be simple, no definitions/descriptions</a:t>
+            </a:r>
+          </a:p>
+          <a:p>
+            <a:pPr lvl="1"/>
+            <a:r>
+              <a:rPr lang="en-AU" dirty="0" smtClean="0"/>
+              <a:t>But otherwise extremely open-domain</a:t>
+            </a:r>
+          </a:p>
+          <a:p>
+            <a:pPr marL="444500" lvl="1" indent="0">
+              <a:buNone/>
+            </a:pPr>
+            <a:endParaRPr lang="en-AU" dirty="0" smtClean="0"/>
+          </a:p>
+          <a:p>
+            <a:pPr marL="444500" lvl="1" indent="0">
+              <a:buNone/>
+            </a:pPr>
+            <a:r>
+              <a:rPr lang="en-AU" dirty="0" smtClean="0"/>
+              <a:t>Robert Redford and Paul Newman starred in this depression-ear </a:t>
+            </a:r>
+            <a:r>
+              <a:rPr lang="en-AU" dirty="0" err="1" smtClean="0"/>
+              <a:t>grifter</a:t>
+            </a:r>
+            <a:r>
+              <a:rPr lang="en-AU" dirty="0" smtClean="0"/>
+              <a:t> flick.</a:t>
+            </a:r>
+          </a:p>
+          <a:p>
+            <a:pPr marL="444500" lvl="1" indent="0">
+              <a:buNone/>
+            </a:pPr>
+            <a:r>
+              <a:rPr lang="en-AU" dirty="0" smtClean="0"/>
+              <a:t>What is </a:t>
+            </a:r>
+            <a:r>
+              <a:rPr lang="en-AU" i="1" dirty="0" smtClean="0"/>
+              <a:t>The String?</a:t>
+            </a:r>
+            <a:endParaRPr lang="en-AU" dirty="0" smtClean="0"/>
+          </a:p>
+        </p:txBody>
+      </p:sp>
+      <p:pic>
+        <p:nvPicPr>
+          <p:cNvPr id="1027" name="Picture 3"/>
+          <p:cNvPicPr>
+            <a:picLocks noChangeAspect="1" noChangeArrowheads="1"/>
+          </p:cNvPicPr>
+          <p:nvPr/>
+        </p:nvPicPr>
+        <p:blipFill>
+          <a:blip r:embed="rId2">
+            <a:extLst>
+              <a:ext uri="{28A0092B-C50C-407E-A947-70E740481C1C}">
+                <a14:useLocalDpi xmlns:a14="http://schemas.microsoft.com/office/drawing/2010/main" val="0"/>
+              </a:ext>
+            </a:extLst>
+          </a:blip>
+          <a:srcRect/>
+          <a:stretch>
+            <a:fillRect/>
+          </a:stretch>
+        </p:blipFill>
+        <p:spPr bwMode="auto">
+          <a:xfrm>
+            <a:off x="6360493" y="6503274"/>
+            <a:ext cx="5326484" cy="2982832"/>
+          </a:xfrm>
+          <a:prstGeom prst="rect">
+            <a:avLst/>
+          </a:prstGeom>
+          <a:noFill/>
+          <a:ln>
+            <a:noFill/>
+          </a:ln>
+          <a:extLst>
+            <a:ext uri="{909E8E84-426E-40DD-AFC4-6F175D3DCCD1}">
+              <a14:hiddenFill xmlns:a14="http://schemas.microsoft.com/office/drawing/2010/main">
+                <a:solidFill>
+                  <a:schemeClr val="accent1"/>
+                </a:solidFill>
+              </a14:hiddenFill>
+            </a:ext>
+            <a:ext uri="{91240B29-F687-4F45-9708-019B960494DF}">
+              <a14:hiddenLine xmlns:a14="http://schemas.microsoft.com/office/drawing/2010/main" w="9525">
+                <a:solidFill>
+                  <a:schemeClr val="tx1"/>
+                </a:solidFill>
+                <a:miter lim="800000"/>
+                <a:headEnd/>
+                <a:tailEnd/>
+              </a14:hiddenLine>
+            </a:ext>
+          </a:extLst>
+        </p:spPr>
+      </p:pic>
+    </p:spTree>
+    <p:extLst>
+      <p:ext uri="{BB962C8B-B14F-4D97-AF65-F5344CB8AC3E}">
+        <p14:creationId xmlns:p14="http://schemas.microsoft.com/office/powerpoint/2010/main" val="1073776123"/>
+      </p:ext>
+    </p:extLst>
+  </p:cSld>
+  <p:clrMapOvr>
+    <a:masterClrMapping/>
+  </p:clrMapOvr>
+  <p:transition spd="med"/>
+  <p:timing>
+    <p:tnLst>
+      <p:par>
+        <p:cTn id="1" dur="indefinite" restart="never" nodeType="tmRoot"/>
+      </p:par>
+    </p:tnLst>
+  </p:timing>
+</p:sld>
+</file>
+
+<file path=ppt/slides/slide21.xml><?xml version="1.0" encoding="utf-8"?>
+<p:sld xmlns:a="http://schemas.openxmlformats.org/drawingml/2006/main" xmlns:r="http://schemas.openxmlformats.org/officeDocument/2006/relationships" xmlns:p="http://schemas.openxmlformats.org/presentationml/2006/main">
+  <p:cSld>
+    <p:spTree>
+      <p:nvGrpSpPr>
+        <p:cNvPr id="1" name=""/>
+        <p:cNvGrpSpPr/>
+        <p:nvPr/>
+      </p:nvGrpSpPr>
+      <p:grpSpPr>
+        <a:xfrm>
+          <a:off x="0" y="0"/>
+          <a:ext cx="0" cy="0"/>
+          <a:chOff x="0" y="0"/>
+          <a:chExt cx="0" cy="0"/>
+        </a:xfrm>
+      </p:grpSpPr>
+      <p:sp>
+        <p:nvSpPr>
+          <p:cNvPr id="2" name="Title 1"/>
+          <p:cNvSpPr>
+            <a:spLocks noGrp="1"/>
+          </p:cNvSpPr>
+          <p:nvPr>
+            <p:ph type="title"/>
+          </p:nvPr>
+        </p:nvSpPr>
+        <p:spPr/>
+        <p:txBody>
+          <a:bodyPr>
+            <a:normAutofit fontScale="90000"/>
+          </a:bodyPr>
+          <a:lstStyle/>
+          <a:p>
+            <a:r>
+              <a:rPr lang="en-AU" dirty="0" smtClean="0"/>
+              <a:t>Question Processing</a:t>
+            </a:r>
+            <a:endParaRPr lang="en-AU" dirty="0"/>
+          </a:p>
+        </p:txBody>
+      </p:sp>
+      <p:sp>
+        <p:nvSpPr>
+          <p:cNvPr id="3" name="Text Placeholder 2"/>
+          <p:cNvSpPr>
+            <a:spLocks noGrp="1"/>
+          </p:cNvSpPr>
+          <p:nvPr>
+            <p:ph type="body" idx="1"/>
+          </p:nvPr>
+        </p:nvSpPr>
+        <p:spPr/>
+        <p:txBody>
+          <a:bodyPr/>
+          <a:lstStyle/>
+          <a:p>
+            <a:r>
+              <a:rPr lang="en-AU" dirty="0" err="1" smtClean="0"/>
+              <a:t>Preprocessing</a:t>
+            </a:r>
+            <a:r>
+              <a:rPr lang="en-AU" dirty="0" smtClean="0"/>
+              <a:t>: Parsing </a:t>
+            </a:r>
+            <a:r>
+              <a:rPr lang="en-AU" dirty="0" smtClean="0"/>
+              <a:t>and NER</a:t>
+            </a:r>
+          </a:p>
+          <a:p>
+            <a:r>
+              <a:rPr lang="en-AU" dirty="0"/>
+              <a:t>Identify focus, </a:t>
+            </a:r>
+            <a:r>
+              <a:rPr lang="en-AU" dirty="0" smtClean="0"/>
+              <a:t>e.g. </a:t>
+            </a:r>
+            <a:r>
+              <a:rPr lang="en-AU" i="1" dirty="0"/>
+              <a:t>this depression-era </a:t>
+            </a:r>
+            <a:r>
+              <a:rPr lang="en-AU" i="1" dirty="0" err="1"/>
+              <a:t>grifter</a:t>
+            </a:r>
+            <a:r>
+              <a:rPr lang="en-AU" i="1" dirty="0"/>
+              <a:t> </a:t>
+            </a:r>
+            <a:r>
+              <a:rPr lang="en-AU" i="1" dirty="0" smtClean="0"/>
+              <a:t>flick</a:t>
+            </a:r>
+            <a:endParaRPr lang="en-AU" dirty="0" smtClean="0"/>
+          </a:p>
+          <a:p>
+            <a:r>
+              <a:rPr lang="en-AU" dirty="0" smtClean="0"/>
+              <a:t>Relation extraction, e.g. </a:t>
+            </a:r>
+            <a:r>
+              <a:rPr lang="en-AU" dirty="0" smtClean="0"/>
+              <a:t>starred-in(</a:t>
+            </a:r>
+            <a:r>
+              <a:rPr lang="en-AU" dirty="0" err="1" smtClean="0"/>
+              <a:t>Robert_Redford</a:t>
+            </a:r>
+            <a:r>
+              <a:rPr lang="en-AU" dirty="0" smtClean="0"/>
+              <a:t>, focus)</a:t>
+            </a:r>
+          </a:p>
+          <a:p>
+            <a:r>
+              <a:rPr lang="en-AU" dirty="0" smtClean="0"/>
+              <a:t>Identify answer type(s)</a:t>
+            </a:r>
+          </a:p>
+          <a:p>
+            <a:pPr lvl="1"/>
+            <a:r>
+              <a:rPr lang="en-AU" dirty="0" smtClean="0"/>
+              <a:t>Watson has some 5000 total answer </a:t>
+            </a:r>
+            <a:r>
+              <a:rPr lang="en-AU" dirty="0"/>
+              <a:t>types</a:t>
+            </a:r>
+            <a:r>
+              <a:rPr lang="en-AU" dirty="0" smtClean="0"/>
+              <a:t>!</a:t>
+            </a:r>
+          </a:p>
+          <a:p>
+            <a:pPr lvl="1"/>
+            <a:r>
+              <a:rPr lang="en-AU" dirty="0" smtClean="0"/>
+              <a:t>Often identified based on headword of focus (e.g. </a:t>
+            </a:r>
+            <a:r>
+              <a:rPr lang="en-AU" i="1" dirty="0" smtClean="0"/>
+              <a:t>flick</a:t>
+            </a:r>
+            <a:r>
+              <a:rPr lang="en-AU" dirty="0" smtClean="0"/>
+              <a:t>)</a:t>
+            </a:r>
+          </a:p>
+          <a:p>
+            <a:pPr lvl="1"/>
+            <a:r>
+              <a:rPr lang="en-AU" dirty="0" smtClean="0"/>
+              <a:t>Or the category of the clue</a:t>
+            </a:r>
+            <a:endParaRPr lang="en-AU" dirty="0" smtClean="0"/>
+          </a:p>
+          <a:p>
+            <a:pPr lvl="1"/>
+            <a:r>
+              <a:rPr lang="en-AU" dirty="0" smtClean="0"/>
+              <a:t>But may require co-reference resolution</a:t>
+            </a:r>
+          </a:p>
+          <a:p>
+            <a:pPr marL="444500" lvl="1" indent="0">
+              <a:buNone/>
+            </a:pPr>
+            <a:r>
+              <a:rPr lang="en-AU" dirty="0" smtClean="0">
+                <a:solidFill>
+                  <a:srgbClr val="0070C0"/>
+                </a:solidFill>
+              </a:rPr>
+              <a:t>He</a:t>
+            </a:r>
+            <a:r>
+              <a:rPr lang="en-AU" dirty="0" smtClean="0"/>
+              <a:t> </a:t>
+            </a:r>
+            <a:r>
+              <a:rPr lang="en-AU" dirty="0"/>
+              <a:t>was a </a:t>
+            </a:r>
+            <a:r>
+              <a:rPr lang="en-AU" dirty="0">
+                <a:solidFill>
+                  <a:srgbClr val="0070C0"/>
+                </a:solidFill>
+              </a:rPr>
+              <a:t>bank clerk </a:t>
+            </a:r>
+            <a:r>
+              <a:rPr lang="en-AU" dirty="0"/>
+              <a:t>in the Yukon before </a:t>
+            </a:r>
+            <a:r>
+              <a:rPr lang="en-AU" dirty="0">
+                <a:solidFill>
+                  <a:srgbClr val="0070C0"/>
+                </a:solidFill>
+              </a:rPr>
+              <a:t>he</a:t>
+            </a:r>
+            <a:r>
+              <a:rPr lang="en-AU" dirty="0"/>
+              <a:t> published “Songs of a Sourdough” in 1907.</a:t>
+            </a:r>
+          </a:p>
+          <a:p>
+            <a:pPr marL="444500" lvl="1" indent="0">
+              <a:buNone/>
+            </a:pPr>
+            <a:endParaRPr lang="en-AU" dirty="0" smtClean="0"/>
+          </a:p>
+          <a:p>
+            <a:pPr marL="0" indent="0">
+              <a:buNone/>
+            </a:pPr>
+            <a:endParaRPr lang="en-AU" dirty="0" smtClean="0"/>
+          </a:p>
+        </p:txBody>
+      </p:sp>
+    </p:spTree>
+    <p:extLst>
+      <p:ext uri="{BB962C8B-B14F-4D97-AF65-F5344CB8AC3E}">
+        <p14:creationId xmlns:p14="http://schemas.microsoft.com/office/powerpoint/2010/main" val="903964037"/>
+      </p:ext>
+    </p:extLst>
+  </p:cSld>
+  <p:clrMapOvr>
+    <a:masterClrMapping/>
+  </p:clrMapOvr>
+  <p:transition spd="med"/>
+  <p:timing>
+    <p:tnLst>
+      <p:par>
+        <p:cTn id="1" dur="indefinite" restart="never" nodeType="tmRoot"/>
+      </p:par>
+    </p:tnLst>
+  </p:timing>
+</p:sld>
+</file>
+
+<file path=ppt/slides/slide22.xml><?xml version="1.0" encoding="utf-8"?>
+<p:sld xmlns:a="http://schemas.openxmlformats.org/drawingml/2006/main" xmlns:r="http://schemas.openxmlformats.org/officeDocument/2006/relationships" xmlns:p="http://schemas.openxmlformats.org/presentationml/2006/main">
+  <p:cSld>
+    <p:spTree>
+      <p:nvGrpSpPr>
+        <p:cNvPr id="1" name=""/>
+        <p:cNvGrpSpPr/>
+        <p:nvPr/>
+      </p:nvGrpSpPr>
+      <p:grpSpPr>
+        <a:xfrm>
+          <a:off x="0" y="0"/>
+          <a:ext cx="0" cy="0"/>
+          <a:chOff x="0" y="0"/>
+          <a:chExt cx="0" cy="0"/>
+        </a:xfrm>
+      </p:grpSpPr>
+      <p:sp>
+        <p:nvSpPr>
+          <p:cNvPr id="2" name="Title 1"/>
+          <p:cNvSpPr>
+            <a:spLocks noGrp="1"/>
+          </p:cNvSpPr>
+          <p:nvPr>
+            <p:ph type="title"/>
+          </p:nvPr>
+        </p:nvSpPr>
+        <p:spPr/>
+        <p:txBody>
+          <a:bodyPr>
+            <a:normAutofit fontScale="90000"/>
+          </a:bodyPr>
+          <a:lstStyle/>
+          <a:p>
+            <a:r>
+              <a:rPr lang="en-AU" dirty="0" smtClean="0"/>
+              <a:t>Candidate answer generation</a:t>
+            </a:r>
+            <a:endParaRPr lang="en-AU" dirty="0"/>
+          </a:p>
+        </p:txBody>
+      </p:sp>
+      <p:sp>
+        <p:nvSpPr>
+          <p:cNvPr id="3" name="Text Placeholder 2"/>
+          <p:cNvSpPr>
+            <a:spLocks noGrp="1"/>
+          </p:cNvSpPr>
+          <p:nvPr>
+            <p:ph type="body" idx="1"/>
+          </p:nvPr>
+        </p:nvSpPr>
+        <p:spPr/>
+        <p:txBody>
+          <a:bodyPr/>
+          <a:lstStyle/>
+          <a:p>
+            <a:r>
+              <a:rPr lang="en-AU" dirty="0" smtClean="0"/>
+              <a:t>For extracted relations (logical forms), query databases like IMBD or </a:t>
+            </a:r>
+            <a:r>
+              <a:rPr lang="en-AU" dirty="0" err="1" smtClean="0"/>
+              <a:t>DBpedia</a:t>
+            </a:r>
+            <a:r>
+              <a:rPr lang="en-AU" dirty="0" smtClean="0"/>
+              <a:t> to find potential answers</a:t>
+            </a:r>
+          </a:p>
+          <a:p>
+            <a:pPr lvl="1"/>
+            <a:r>
+              <a:rPr lang="en-AU" dirty="0" smtClean="0"/>
+              <a:t>I.e. find all movies starring Robert Redford</a:t>
+            </a:r>
+          </a:p>
+          <a:p>
+            <a:r>
+              <a:rPr lang="en-AU" dirty="0" smtClean="0"/>
+              <a:t>Search text collections with weighted query</a:t>
+            </a:r>
+          </a:p>
+          <a:p>
+            <a:pPr lvl="1"/>
+            <a:r>
+              <a:rPr lang="en-AU" dirty="0" smtClean="0"/>
+              <a:t>For </a:t>
+            </a:r>
+            <a:r>
+              <a:rPr lang="en-AU" dirty="0"/>
+              <a:t>W</a:t>
+            </a:r>
+            <a:r>
+              <a:rPr lang="en-AU" dirty="0" smtClean="0"/>
+              <a:t>ikipedia, take titles of high ranked documents</a:t>
+            </a:r>
+          </a:p>
+          <a:p>
+            <a:pPr lvl="1"/>
+            <a:r>
+              <a:rPr lang="en-AU" dirty="0" smtClean="0"/>
+              <a:t>For other texts, identify anchor texts or Wikipedia document titles</a:t>
+            </a:r>
+            <a:endParaRPr lang="en-AU" dirty="0"/>
+          </a:p>
+        </p:txBody>
+      </p:sp>
+    </p:spTree>
+    <p:extLst>
+      <p:ext uri="{BB962C8B-B14F-4D97-AF65-F5344CB8AC3E}">
+        <p14:creationId xmlns:p14="http://schemas.microsoft.com/office/powerpoint/2010/main" val="2324817237"/>
+      </p:ext>
+    </p:extLst>
+  </p:cSld>
+  <p:clrMapOvr>
+    <a:masterClrMapping/>
+  </p:clrMapOvr>
+  <p:transition spd="med"/>
+  <p:timing>
+    <p:tnLst>
+      <p:par>
+        <p:cTn id="1" dur="indefinite" restart="never" nodeType="tmRoot"/>
+      </p:par>
+    </p:tnLst>
+  </p:timing>
+</p:sld>
+</file>
+
+<file path=ppt/slides/slide23.xml><?xml version="1.0" encoding="utf-8"?>
+<p:sld xmlns:a="http://schemas.openxmlformats.org/drawingml/2006/main" xmlns:r="http://schemas.openxmlformats.org/officeDocument/2006/relationships" xmlns:p="http://schemas.openxmlformats.org/presentationml/2006/main">
+  <p:cSld>
+    <p:spTree>
+      <p:nvGrpSpPr>
+        <p:cNvPr id="1" name=""/>
+        <p:cNvGrpSpPr/>
+        <p:nvPr/>
+      </p:nvGrpSpPr>
+      <p:grpSpPr>
+        <a:xfrm>
+          <a:off x="0" y="0"/>
+          <a:ext cx="0" cy="0"/>
+          <a:chOff x="0" y="0"/>
+          <a:chExt cx="0" cy="0"/>
+        </a:xfrm>
+      </p:grpSpPr>
+      <p:sp>
+        <p:nvSpPr>
+          <p:cNvPr id="2" name="Title 1"/>
+          <p:cNvSpPr>
+            <a:spLocks noGrp="1"/>
+          </p:cNvSpPr>
+          <p:nvPr>
+            <p:ph type="title"/>
+          </p:nvPr>
+        </p:nvSpPr>
+        <p:spPr/>
+        <p:txBody>
+          <a:bodyPr>
+            <a:normAutofit fontScale="90000"/>
+          </a:bodyPr>
+          <a:lstStyle/>
+          <a:p>
+            <a:r>
+              <a:rPr lang="en-AU" dirty="0" smtClean="0"/>
+              <a:t>Answer selection</a:t>
+            </a:r>
+            <a:endParaRPr lang="en-AU" dirty="0"/>
+          </a:p>
+        </p:txBody>
+      </p:sp>
+      <p:sp>
+        <p:nvSpPr>
+          <p:cNvPr id="3" name="Text Placeholder 2"/>
+          <p:cNvSpPr>
+            <a:spLocks noGrp="1"/>
+          </p:cNvSpPr>
+          <p:nvPr>
+            <p:ph type="body" idx="1"/>
+          </p:nvPr>
+        </p:nvSpPr>
+        <p:spPr/>
+        <p:txBody>
+          <a:bodyPr/>
+          <a:lstStyle/>
+          <a:p>
+            <a:r>
+              <a:rPr lang="en-AU" dirty="0" smtClean="0"/>
+              <a:t>Look at overlap of words in question with texts which contain possible answers</a:t>
+            </a:r>
+          </a:p>
+          <a:p>
+            <a:r>
+              <a:rPr lang="en-AU" dirty="0" smtClean="0"/>
+              <a:t>Use WordNet to see if candidate is a potential instance of identified answer type</a:t>
+            </a:r>
+          </a:p>
+          <a:p>
+            <a:r>
+              <a:rPr lang="en-AU" dirty="0" smtClean="0"/>
+              <a:t>Encourage temporal </a:t>
+            </a:r>
+            <a:r>
+              <a:rPr lang="en-AU" dirty="0" smtClean="0"/>
+              <a:t>consistency</a:t>
+            </a:r>
+          </a:p>
+          <a:p>
+            <a:r>
+              <a:rPr lang="en-AU" dirty="0" smtClean="0"/>
+              <a:t>Remove redundant candidates</a:t>
+            </a:r>
+          </a:p>
+          <a:p>
+            <a:r>
+              <a:rPr lang="en-AU" dirty="0" smtClean="0"/>
+              <a:t>Apply logistic regression </a:t>
+            </a:r>
+            <a:r>
+              <a:rPr lang="en-AU" dirty="0" smtClean="0"/>
+              <a:t>classifier to </a:t>
+            </a:r>
+            <a:r>
+              <a:rPr lang="en-AU" dirty="0" smtClean="0"/>
+              <a:t>choose final </a:t>
+            </a:r>
+            <a:r>
+              <a:rPr lang="en-AU" dirty="0" smtClean="0"/>
+              <a:t>answer</a:t>
+            </a:r>
+          </a:p>
+          <a:p>
+            <a:pPr lvl="1"/>
+            <a:r>
+              <a:rPr lang="en-AU" dirty="0" smtClean="0"/>
+              <a:t>Rank using output probability</a:t>
+            </a:r>
+            <a:endParaRPr lang="en-AU" dirty="0" smtClean="0"/>
+          </a:p>
+          <a:p>
+            <a:endParaRPr lang="en-AU" dirty="0"/>
+          </a:p>
+        </p:txBody>
+      </p:sp>
+    </p:spTree>
+    <p:extLst>
+      <p:ext uri="{BB962C8B-B14F-4D97-AF65-F5344CB8AC3E}">
+        <p14:creationId xmlns:p14="http://schemas.microsoft.com/office/powerpoint/2010/main" val="4107981238"/>
+      </p:ext>
+    </p:extLst>
+  </p:cSld>
+  <p:clrMapOvr>
+    <a:masterClrMapping/>
+  </p:clrMapOvr>
+  <p:transition spd="med"/>
+  <p:timing>
+    <p:tnLst>
+      <p:par>
+        <p:cTn id="1" dur="indefinite" restart="never" nodeType="tmRoot"/>
+      </p:par>
+    </p:tnLst>
+  </p:timing>
+</p:sld>
+</file>
+
+<file path=ppt/slides/slide24.xml><?xml version="1.0" encoding="utf-8"?>
+<p:sld xmlns:a="http://schemas.openxmlformats.org/drawingml/2006/main" xmlns:r="http://schemas.openxmlformats.org/officeDocument/2006/relationships" xmlns:p="http://schemas.openxmlformats.org/presentationml/2006/main">
+  <p:cSld>
+    <p:spTree>
+      <p:nvGrpSpPr>
+        <p:cNvPr id="1" name=""/>
+        <p:cNvGrpSpPr/>
+        <p:nvPr/>
+      </p:nvGrpSpPr>
+      <p:grpSpPr>
+        <a:xfrm>
+          <a:off x="0" y="0"/>
+          <a:ext cx="0" cy="0"/>
+          <a:chOff x="0" y="0"/>
+          <a:chExt cx="0" cy="0"/>
+        </a:xfrm>
+      </p:grpSpPr>
+      <p:sp>
+        <p:nvSpPr>
+          <p:cNvPr id="2" name="Title 1"/>
+          <p:cNvSpPr>
+            <a:spLocks noGrp="1"/>
+          </p:cNvSpPr>
+          <p:nvPr>
+            <p:ph type="title"/>
+          </p:nvPr>
+        </p:nvSpPr>
+        <p:spPr/>
+        <p:txBody>
+          <a:bodyPr>
+            <a:normAutofit fontScale="90000"/>
+          </a:bodyPr>
+          <a:lstStyle/>
+          <a:p>
+            <a:r>
+              <a:rPr lang="en-AU" dirty="0" smtClean="0"/>
+              <a:t>A Final word</a:t>
+            </a:r>
+            <a:endParaRPr lang="en-AU" dirty="0"/>
+          </a:p>
+        </p:txBody>
+      </p:sp>
+      <p:sp>
+        <p:nvSpPr>
+          <p:cNvPr id="3" name="Text Placeholder 2"/>
+          <p:cNvSpPr>
+            <a:spLocks noGrp="1"/>
+          </p:cNvSpPr>
+          <p:nvPr>
+            <p:ph type="body" idx="1"/>
+          </p:nvPr>
+        </p:nvSpPr>
+        <p:spPr/>
+        <p:txBody>
+          <a:bodyPr/>
+          <a:lstStyle/>
+          <a:p>
+            <a:r>
+              <a:rPr lang="en-AU" dirty="0" smtClean="0"/>
+              <a:t>QA a complex problem: many approaches, </a:t>
+            </a:r>
+            <a:r>
+              <a:rPr lang="en-AU" dirty="0"/>
+              <a:t>many </a:t>
+            </a:r>
+            <a:r>
+              <a:rPr lang="en-AU" dirty="0" smtClean="0"/>
+              <a:t>steps</a:t>
+            </a:r>
+          </a:p>
+          <a:p>
+            <a:r>
+              <a:rPr lang="en-AU" dirty="0" smtClean="0"/>
+              <a:t>Requires a system with full linguistic competence: morphology, syntax, semantics, and discourse</a:t>
+            </a:r>
+          </a:p>
+          <a:p>
+            <a:r>
+              <a:rPr lang="en-AU" dirty="0" smtClean="0"/>
+              <a:t>More on discourse next week…</a:t>
+            </a:r>
+            <a:endParaRPr lang="en-AU" dirty="0"/>
+          </a:p>
+        </p:txBody>
+      </p:sp>
+    </p:spTree>
+    <p:extLst>
+      <p:ext uri="{BB962C8B-B14F-4D97-AF65-F5344CB8AC3E}">
+        <p14:creationId xmlns:p14="http://schemas.microsoft.com/office/powerpoint/2010/main" val="2322166280"/>
+      </p:ext>
+    </p:extLst>
+  </p:cSld>
+  <p:clrMapOvr>
+    <a:masterClrMapping/>
+  </p:clrMapOvr>
+  <p:transition spd="med"/>
+</p:sld>
+</file>
+
+<file path=ppt/slides/slide25.xml><?xml version="1.0" encoding="utf-8"?>
+<p:sld xmlns:a="http://schemas.openxmlformats.org/drawingml/2006/main" xmlns:r="http://schemas.openxmlformats.org/officeDocument/2006/relationships" xmlns:p="http://schemas.openxmlformats.org/presentationml/2006/main">
+  <p:cSld>
+    <p:spTree>
+      <p:nvGrpSpPr>
+        <p:cNvPr id="1" name=""/>
+        <p:cNvGrpSpPr/>
+        <p:nvPr/>
+      </p:nvGrpSpPr>
+      <p:grpSpPr>
+        <a:xfrm>
+          <a:off x="0" y="0"/>
+          <a:ext cx="0" cy="0"/>
+          <a:chOff x="0" y="0"/>
+          <a:chExt cx="0" cy="0"/>
+        </a:xfrm>
+      </p:grpSpPr>
+      <p:sp>
+        <p:nvSpPr>
+          <p:cNvPr id="2" name="Title 1"/>
+          <p:cNvSpPr>
+            <a:spLocks noGrp="1"/>
+          </p:cNvSpPr>
+          <p:nvPr>
+            <p:ph type="title"/>
+          </p:nvPr>
+        </p:nvSpPr>
+        <p:spPr/>
+        <p:txBody>
+          <a:bodyPr>
+            <a:normAutofit fontScale="90000"/>
+          </a:bodyPr>
+          <a:lstStyle/>
+          <a:p>
+            <a:r>
+              <a:rPr lang="en-AU" dirty="0" smtClean="0"/>
+              <a:t>Further reading</a:t>
+            </a:r>
+            <a:endParaRPr lang="en-AU" dirty="0"/>
+          </a:p>
+        </p:txBody>
+      </p:sp>
+      <p:sp>
+        <p:nvSpPr>
+          <p:cNvPr id="3" name="Text Placeholder 2"/>
+          <p:cNvSpPr>
+            <a:spLocks noGrp="1"/>
+          </p:cNvSpPr>
+          <p:nvPr>
+            <p:ph type="body" idx="1"/>
+          </p:nvPr>
+        </p:nvSpPr>
+        <p:spPr/>
+        <p:txBody>
+          <a:bodyPr/>
+          <a:lstStyle/>
+          <a:p>
+            <a:r>
+              <a:rPr lang="en-AU" dirty="0" smtClean="0"/>
+              <a:t>J&amp;M3, </a:t>
+            </a:r>
+            <a:r>
+              <a:rPr lang="en-AU" dirty="0" err="1" smtClean="0"/>
+              <a:t>Ch</a:t>
+            </a:r>
+            <a:r>
+              <a:rPr lang="en-AU" dirty="0" smtClean="0"/>
+              <a:t> 28</a:t>
+            </a:r>
+            <a:endParaRPr lang="en-AU" dirty="0"/>
+          </a:p>
+        </p:txBody>
+      </p:sp>
+    </p:spTree>
+    <p:extLst>
+      <p:ext uri="{BB962C8B-B14F-4D97-AF65-F5344CB8AC3E}">
+        <p14:creationId xmlns:p14="http://schemas.microsoft.com/office/powerpoint/2010/main" val="1460751259"/>
+      </p:ext>
+    </p:extLst>
+  </p:cSld>
+  <p:clrMapOvr>
+    <a:masterClrMapping/>
+  </p:clrMapOvr>
+  <p:transition spd="med"/>
+  <p:timing>
+    <p:tnLst>
+      <p:par>
+        <p:cTn id="1" dur="indefinite" restart="never" nodeType="tmRoot"/>
+      </p:par>
+    </p:tnLst>
+  </p:timing>
+</p:sld>
+</file>
+
+<file path=ppt/slides/slide3.xml><?xml version="1.0" encoding="utf-8"?>
+<p:sld xmlns:a="http://schemas.openxmlformats.org/drawingml/2006/main" xmlns:r="http://schemas.openxmlformats.org/officeDocument/2006/relationships" xmlns:p="http://schemas.openxmlformats.org/presentationml/2006/main">
+  <p:cSld>
+    <p:spTree>
+      <p:nvGrpSpPr>
+        <p:cNvPr id="1" name=""/>
+        <p:cNvGrpSpPr/>
+        <p:nvPr/>
+      </p:nvGrpSpPr>
+      <p:grpSpPr>
+        <a:xfrm>
+          <a:off x="0" y="0"/>
+          <a:ext cx="0" cy="0"/>
+          <a:chOff x="0" y="0"/>
+          <a:chExt cx="0" cy="0"/>
+        </a:xfrm>
+      </p:grpSpPr>
+      <p:sp>
+        <p:nvSpPr>
+          <p:cNvPr id="2" name="Title 1"/>
+          <p:cNvSpPr>
+            <a:spLocks noGrp="1"/>
+          </p:cNvSpPr>
+          <p:nvPr>
+            <p:ph type="title"/>
+          </p:nvPr>
+        </p:nvSpPr>
+        <p:spPr/>
+        <p:txBody>
+          <a:bodyPr>
+            <a:normAutofit fontScale="90000"/>
+          </a:bodyPr>
+          <a:lstStyle/>
+          <a:p>
+            <a:r>
+              <a:rPr lang="en-AU" dirty="0" smtClean="0"/>
+              <a:t>Why do QA?</a:t>
+            </a:r>
+            <a:endParaRPr lang="en-AU" dirty="0"/>
+          </a:p>
+        </p:txBody>
+      </p:sp>
+      <p:sp>
+        <p:nvSpPr>
+          <p:cNvPr id="3" name="Text Placeholder 2"/>
+          <p:cNvSpPr>
+            <a:spLocks noGrp="1"/>
+          </p:cNvSpPr>
+          <p:nvPr>
+            <p:ph type="body" idx="1"/>
+          </p:nvPr>
+        </p:nvSpPr>
+        <p:spPr/>
+        <p:txBody>
+          <a:bodyPr/>
+          <a:lstStyle/>
+          <a:p>
+            <a:r>
+              <a:rPr lang="en-AU" dirty="0" smtClean="0"/>
+              <a:t>Why do people </a:t>
+            </a:r>
+            <a:r>
+              <a:rPr lang="en-AU" dirty="0" smtClean="0"/>
+              <a:t>create</a:t>
+            </a:r>
+            <a:r>
+              <a:rPr lang="en-AU" dirty="0" smtClean="0"/>
+              <a:t> QA systems?</a:t>
+            </a:r>
+            <a:endParaRPr lang="en-AU" dirty="0" smtClean="0"/>
+          </a:p>
+          <a:p>
+            <a:pPr lvl="1"/>
+            <a:r>
+              <a:rPr lang="en-AU" dirty="0" smtClean="0"/>
+              <a:t>Because </a:t>
+            </a:r>
+            <a:r>
+              <a:rPr lang="en-AU" dirty="0" smtClean="0"/>
+              <a:t>we</a:t>
+            </a:r>
+            <a:r>
+              <a:rPr lang="en-AU" dirty="0" smtClean="0"/>
+              <a:t> </a:t>
+            </a:r>
+            <a:r>
+              <a:rPr lang="en-AU" dirty="0" smtClean="0"/>
+              <a:t>want quick access to specific information</a:t>
+            </a:r>
+          </a:p>
+          <a:p>
+            <a:pPr lvl="1"/>
+            <a:r>
+              <a:rPr lang="en-AU" dirty="0" smtClean="0"/>
+              <a:t>More human-friendly than traditional </a:t>
+            </a:r>
+            <a:r>
+              <a:rPr lang="en-AU" dirty="0" smtClean="0"/>
+              <a:t>web search</a:t>
+            </a:r>
+            <a:endParaRPr lang="en-AU" dirty="0" smtClean="0"/>
+          </a:p>
+          <a:p>
+            <a:r>
+              <a:rPr lang="en-AU" dirty="0" smtClean="0"/>
+              <a:t>Why are we learning </a:t>
+            </a:r>
+            <a:r>
+              <a:rPr lang="en-AU" dirty="0" smtClean="0"/>
+              <a:t>about </a:t>
+            </a:r>
+            <a:r>
+              <a:rPr lang="en-AU" dirty="0" smtClean="0"/>
+              <a:t>QA</a:t>
+            </a:r>
+            <a:r>
+              <a:rPr lang="en-AU" dirty="0" smtClean="0"/>
+              <a:t>?</a:t>
+            </a:r>
+          </a:p>
+          <a:p>
+            <a:pPr lvl="1"/>
+            <a:r>
+              <a:rPr lang="en-AU" dirty="0" smtClean="0"/>
+              <a:t>It’s a richly challenging text processing task</a:t>
+            </a:r>
+          </a:p>
+          <a:p>
+            <a:pPr lvl="1"/>
+            <a:r>
+              <a:rPr lang="en-AU" dirty="0" smtClean="0"/>
+              <a:t>Related to nearly every major topic in this class</a:t>
+            </a:r>
+          </a:p>
+          <a:p>
+            <a:pPr lvl="1"/>
+            <a:r>
+              <a:rPr lang="en-AU" dirty="0" smtClean="0"/>
+              <a:t>The subject of </a:t>
+            </a:r>
+            <a:r>
+              <a:rPr lang="en-AU" dirty="0" smtClean="0"/>
+              <a:t>the final </a:t>
+            </a:r>
+            <a:r>
+              <a:rPr lang="en-AU" dirty="0" smtClean="0"/>
+              <a:t>project</a:t>
+            </a:r>
+            <a:endParaRPr lang="en-AU" dirty="0"/>
+          </a:p>
+        </p:txBody>
+      </p:sp>
+    </p:spTree>
+    <p:extLst>
+      <p:ext uri="{BB962C8B-B14F-4D97-AF65-F5344CB8AC3E}">
+        <p14:creationId xmlns:p14="http://schemas.microsoft.com/office/powerpoint/2010/main" val="2921676895"/>
+      </p:ext>
+    </p:extLst>
+  </p:cSld>
+  <p:clrMapOvr>
+    <a:masterClrMapping/>
+  </p:clrMapOvr>
+  <p:transition spd="med"/>
+  <p:timing>
+    <p:tnLst>
+      <p:par>
+        <p:cTn id="1" dur="indefinite" restart="never" nodeType="tmRoot"/>
+      </p:par>
+    </p:tnLst>
+  </p:timing>
+</p:sld>
+</file>
+
+<file path=ppt/slides/slide4.xml><?xml version="1.0" encoding="utf-8"?>
+<p:sld xmlns:a="http://schemas.openxmlformats.org/drawingml/2006/main" xmlns:r="http://schemas.openxmlformats.org/officeDocument/2006/relationships" xmlns:p="http://schemas.openxmlformats.org/presentationml/2006/main">
+  <p:cSld>
+    <p:spTree>
+      <p:nvGrpSpPr>
+        <p:cNvPr id="1" name=""/>
+        <p:cNvGrpSpPr/>
+        <p:nvPr/>
+      </p:nvGrpSpPr>
+      <p:grpSpPr>
+        <a:xfrm>
+          <a:off x="0" y="0"/>
+          <a:ext cx="0" cy="0"/>
+          <a:chOff x="0" y="0"/>
+          <a:chExt cx="0" cy="0"/>
+        </a:xfrm>
+      </p:grpSpPr>
+      <p:sp>
+        <p:nvSpPr>
+          <p:cNvPr id="2" name="Title 1"/>
+          <p:cNvSpPr>
+            <a:spLocks noGrp="1"/>
+          </p:cNvSpPr>
+          <p:nvPr>
+            <p:ph type="title"/>
+          </p:nvPr>
+        </p:nvSpPr>
+        <p:spPr/>
+        <p:txBody>
+          <a:bodyPr>
+            <a:normAutofit fontScale="90000"/>
+          </a:bodyPr>
+          <a:lstStyle/>
+          <a:p>
+            <a:r>
+              <a:rPr lang="en-AU" dirty="0" smtClean="0"/>
+              <a:t>How do we do QA?</a:t>
+            </a:r>
+            <a:endParaRPr lang="en-AU" dirty="0"/>
+          </a:p>
+        </p:txBody>
+      </p:sp>
+      <p:sp>
+        <p:nvSpPr>
+          <p:cNvPr id="3" name="Text Placeholder 2"/>
+          <p:cNvSpPr>
+            <a:spLocks noGrp="1"/>
+          </p:cNvSpPr>
+          <p:nvPr>
+            <p:ph type="body" idx="1"/>
+          </p:nvPr>
+        </p:nvSpPr>
+        <p:spPr/>
+        <p:txBody>
+          <a:bodyPr/>
+          <a:lstStyle/>
+          <a:p>
+            <a:r>
+              <a:rPr lang="en-AU" dirty="0" smtClean="0"/>
+              <a:t>QA as mapping of question to a knowledge-base query</a:t>
+            </a:r>
+          </a:p>
+          <a:p>
+            <a:r>
+              <a:rPr lang="en-AU" dirty="0" smtClean="0"/>
+              <a:t>QA </a:t>
+            </a:r>
+            <a:r>
+              <a:rPr lang="en-AU" dirty="0"/>
+              <a:t>as </a:t>
+            </a:r>
+            <a:r>
+              <a:rPr lang="en-AU" dirty="0" smtClean="0"/>
+              <a:t>information retrieval</a:t>
+            </a:r>
+          </a:p>
+          <a:p>
+            <a:r>
+              <a:rPr lang="en-AU" dirty="0"/>
+              <a:t>QA as information extraction</a:t>
+            </a:r>
+          </a:p>
+          <a:p>
+            <a:r>
+              <a:rPr lang="en-AU" dirty="0" smtClean="0"/>
+              <a:t>QA as </a:t>
+            </a:r>
+            <a:r>
+              <a:rPr lang="en-AU" dirty="0" smtClean="0"/>
+              <a:t>sequential </a:t>
+            </a:r>
+            <a:r>
+              <a:rPr lang="en-AU" dirty="0" smtClean="0"/>
+              <a:t>deep learning</a:t>
+            </a:r>
+          </a:p>
+        </p:txBody>
+      </p:sp>
+    </p:spTree>
+    <p:extLst>
+      <p:ext uri="{BB962C8B-B14F-4D97-AF65-F5344CB8AC3E}">
+        <p14:creationId xmlns:p14="http://schemas.microsoft.com/office/powerpoint/2010/main" val="925372445"/>
+      </p:ext>
+    </p:extLst>
+  </p:cSld>
+  <p:clrMapOvr>
+    <a:masterClrMapping/>
+  </p:clrMapOvr>
+  <p:transition spd="med"/>
+  <p:timing>
+    <p:tnLst>
+      <p:par>
+        <p:cTn id="1" dur="indefinite" restart="never" nodeType="tmRoot"/>
+      </p:par>
+    </p:tnLst>
+  </p:timing>
+</p:sld>
+</file>
+
+<file path=ppt/slides/slide5.xml><?xml version="1.0" encoding="utf-8"?>
+<p:sld xmlns:a="http://schemas.openxmlformats.org/drawingml/2006/main" xmlns:r="http://schemas.openxmlformats.org/officeDocument/2006/relationships" xmlns:p="http://schemas.openxmlformats.org/presentationml/2006/main">
+  <p:cSld>
+    <p:spTree>
+      <p:nvGrpSpPr>
+        <p:cNvPr id="1" name=""/>
+        <p:cNvGrpSpPr/>
+        <p:nvPr/>
+      </p:nvGrpSpPr>
+      <p:grpSpPr>
+        <a:xfrm>
+          <a:off x="0" y="0"/>
+          <a:ext cx="0" cy="0"/>
+          <a:chOff x="0" y="0"/>
+          <a:chExt cx="0" cy="0"/>
+        </a:xfrm>
+      </p:grpSpPr>
+      <p:sp>
+        <p:nvSpPr>
+          <p:cNvPr id="2" name="Title 1"/>
+          <p:cNvSpPr>
+            <a:spLocks noGrp="1"/>
+          </p:cNvSpPr>
+          <p:nvPr>
+            <p:ph type="title"/>
+          </p:nvPr>
+        </p:nvSpPr>
+        <p:spPr/>
+        <p:txBody>
+          <a:bodyPr>
+            <a:normAutofit fontScale="90000"/>
+          </a:bodyPr>
+          <a:lstStyle/>
+          <a:p>
+            <a:r>
+              <a:rPr lang="en-AU" dirty="0" smtClean="0"/>
+              <a:t>QA Scope</a:t>
+            </a:r>
+            <a:endParaRPr lang="en-AU" dirty="0"/>
+          </a:p>
+        </p:txBody>
+      </p:sp>
+      <p:sp>
+        <p:nvSpPr>
+          <p:cNvPr id="3" name="Text Placeholder 2"/>
+          <p:cNvSpPr>
+            <a:spLocks noGrp="1"/>
+          </p:cNvSpPr>
+          <p:nvPr>
+            <p:ph type="body" idx="1"/>
+          </p:nvPr>
+        </p:nvSpPr>
+        <p:spPr/>
+        <p:txBody>
+          <a:bodyPr/>
+          <a:lstStyle/>
+          <a:p>
+            <a:r>
+              <a:rPr lang="en-AU" dirty="0" smtClean="0"/>
+              <a:t>Restricted-domain</a:t>
+            </a:r>
+          </a:p>
+          <a:p>
+            <a:pPr lvl="1"/>
+            <a:r>
+              <a:rPr lang="en-AU" dirty="0" smtClean="0"/>
+              <a:t>E.g. LUNAR, 50 year-old system for asking about lunar rock samples</a:t>
+            </a:r>
+          </a:p>
+          <a:p>
+            <a:r>
+              <a:rPr lang="en-AU" dirty="0" smtClean="0"/>
+              <a:t>Open-domain</a:t>
+            </a:r>
+          </a:p>
+          <a:p>
+            <a:pPr lvl="1"/>
+            <a:r>
+              <a:rPr lang="en-AU" dirty="0" smtClean="0"/>
+              <a:t>E.g. IBM Watson, modern system which won the Jeopardy! challenge</a:t>
+            </a:r>
+            <a:endParaRPr lang="en-AU" dirty="0"/>
+          </a:p>
+        </p:txBody>
+      </p:sp>
+    </p:spTree>
+    <p:extLst>
+      <p:ext uri="{BB962C8B-B14F-4D97-AF65-F5344CB8AC3E}">
+        <p14:creationId xmlns:p14="http://schemas.microsoft.com/office/powerpoint/2010/main" val="396483801"/>
+      </p:ext>
+    </p:extLst>
+  </p:cSld>
+  <p:clrMapOvr>
+    <a:masterClrMapping/>
+  </p:clrMapOvr>
+  <p:transition spd="med"/>
+  <p:timing>
+    <p:tnLst>
+      <p:par>
+        <p:cTn id="1" dur="indefinite" restart="never" nodeType="tmRoot"/>
+      </p:par>
+    </p:tnLst>
+  </p:timing>
+</p:sld>
+</file>
+
+<file path=ppt/slides/slide6.xml><?xml version="1.0" encoding="utf-8"?>
+<p:sld xmlns:a="http://schemas.openxmlformats.org/drawingml/2006/main" xmlns:r="http://schemas.openxmlformats.org/officeDocument/2006/relationships" xmlns:p="http://schemas.openxmlformats.org/presentationml/2006/main" showMasterPhAnim="0">
+  <p:cSld>
+    <p:spTree>
+      <p:nvGrpSpPr>
+        <p:cNvPr id="1" name=""/>
+        <p:cNvGrpSpPr/>
+        <p:nvPr/>
+      </p:nvGrpSpPr>
+      <p:grpSpPr>
+        <a:xfrm>
+          <a:off x="0" y="0"/>
+          <a:ext cx="0" cy="0"/>
+          <a:chOff x="0" y="0"/>
+          <a:chExt cx="0" cy="0"/>
+        </a:xfrm>
+      </p:grpSpPr>
+      <p:sp>
+        <p:nvSpPr>
+          <p:cNvPr id="2" name="Title 1"/>
+          <p:cNvSpPr>
+            <a:spLocks noGrp="1"/>
+          </p:cNvSpPr>
+          <p:nvPr>
+            <p:ph type="title"/>
+          </p:nvPr>
+        </p:nvSpPr>
+        <p:spPr/>
+        <p:txBody>
+          <a:bodyPr>
+            <a:normAutofit fontScale="90000"/>
+          </a:bodyPr>
+          <a:lstStyle/>
+          <a:p>
+            <a:r>
+              <a:rPr lang="en-AU" dirty="0" smtClean="0"/>
+              <a:t>anatomy of a </a:t>
+            </a:r>
+            <a:r>
+              <a:rPr lang="en-AU" dirty="0" smtClean="0"/>
+              <a:t>FACTOID </a:t>
+            </a:r>
+            <a:r>
+              <a:rPr lang="en-AU" dirty="0" smtClean="0"/>
+              <a:t>question</a:t>
+            </a:r>
+            <a:endParaRPr lang="en-AU" dirty="0"/>
+          </a:p>
+        </p:txBody>
+      </p:sp>
+      <p:sp>
+        <p:nvSpPr>
+          <p:cNvPr id="3" name="Text Placeholder 2"/>
+          <p:cNvSpPr>
+            <a:spLocks noGrp="1"/>
+          </p:cNvSpPr>
+          <p:nvPr>
+            <p:ph type="body" idx="1"/>
+          </p:nvPr>
+        </p:nvSpPr>
+        <p:spPr>
+          <a:xfrm>
+            <a:off x="165696" y="4640782"/>
+            <a:ext cx="12385376" cy="4268466"/>
+          </a:xfrm>
+        </p:spPr>
+        <p:txBody>
+          <a:bodyPr>
+            <a:normAutofit lnSpcReduction="10000"/>
+          </a:bodyPr>
+          <a:lstStyle/>
+          <a:p>
+            <a:r>
+              <a:rPr lang="en-AU" b="1" dirty="0" smtClean="0"/>
+              <a:t>Focus</a:t>
+            </a:r>
+            <a:r>
+              <a:rPr lang="en-AU" dirty="0" smtClean="0"/>
+              <a:t> is the part of the question that “stands in” for the answer</a:t>
+            </a:r>
+          </a:p>
+          <a:p>
+            <a:pPr lvl="1"/>
+            <a:r>
+              <a:rPr lang="en-AU" dirty="0" smtClean="0"/>
+              <a:t>Will usually disappear a full correct answer (</a:t>
+            </a:r>
+            <a:r>
+              <a:rPr lang="en-AU" i="1" dirty="0" smtClean="0"/>
+              <a:t>Bill Gates founded Microsoft</a:t>
+            </a:r>
+            <a:r>
+              <a:rPr lang="en-AU" dirty="0" smtClean="0"/>
+              <a:t>)</a:t>
+            </a:r>
+          </a:p>
+          <a:p>
+            <a:r>
+              <a:rPr lang="en-AU" dirty="0" smtClean="0"/>
+              <a:t>Some </a:t>
+            </a:r>
+            <a:r>
+              <a:rPr lang="en-AU" b="1" i="1" dirty="0" err="1" smtClean="0"/>
+              <a:t>Wh</a:t>
+            </a:r>
+            <a:r>
+              <a:rPr lang="en-AU" b="1" dirty="0" smtClean="0"/>
+              <a:t>-words</a:t>
+            </a:r>
+            <a:r>
+              <a:rPr lang="en-AU" dirty="0" smtClean="0"/>
+              <a:t> (</a:t>
+            </a:r>
+            <a:r>
+              <a:rPr lang="en-AU" i="1" dirty="0" smtClean="0"/>
+              <a:t>Who, where, how, when</a:t>
+            </a:r>
+            <a:r>
+              <a:rPr lang="en-AU" dirty="0" smtClean="0"/>
+              <a:t>) give general information about the type of answer required</a:t>
+            </a:r>
+          </a:p>
+          <a:p>
+            <a:r>
+              <a:rPr lang="en-AU" dirty="0" smtClean="0"/>
+              <a:t>For </a:t>
+            </a:r>
+            <a:r>
+              <a:rPr lang="en-AU" i="1" dirty="0" smtClean="0"/>
+              <a:t>what</a:t>
+            </a:r>
+            <a:r>
+              <a:rPr lang="en-AU" dirty="0" smtClean="0"/>
+              <a:t> and </a:t>
+            </a:r>
+            <a:r>
+              <a:rPr lang="en-AU" i="1" dirty="0" smtClean="0"/>
+              <a:t>which</a:t>
+            </a:r>
+            <a:r>
+              <a:rPr lang="en-AU" dirty="0" smtClean="0"/>
+              <a:t>, the</a:t>
+            </a:r>
+            <a:r>
+              <a:rPr lang="en-AU" b="1" dirty="0" smtClean="0"/>
+              <a:t> headword </a:t>
+            </a:r>
+            <a:r>
+              <a:rPr lang="en-AU" dirty="0" smtClean="0"/>
+              <a:t>gives more info</a:t>
+            </a:r>
+          </a:p>
+          <a:p>
+            <a:endParaRPr lang="en-AU" dirty="0" smtClean="0"/>
+          </a:p>
+          <a:p>
+            <a:endParaRPr lang="en-AU" dirty="0" smtClean="0"/>
+          </a:p>
+          <a:p>
+            <a:endParaRPr lang="en-AU" dirty="0"/>
+          </a:p>
+        </p:txBody>
+      </p:sp>
+      <p:sp>
+        <p:nvSpPr>
+          <p:cNvPr id="5" name="TextBox 4"/>
+          <p:cNvSpPr txBox="1"/>
+          <p:nvPr/>
+        </p:nvSpPr>
+        <p:spPr>
+          <a:xfrm>
+            <a:off x="1533848" y="2428528"/>
+            <a:ext cx="9217024" cy="1025922"/>
+          </a:xfrm>
+          <a:prstGeom prst="rect">
+            <a:avLst/>
+          </a:prstGeom>
+          <a:noFill/>
+          <a:ln w="12700" cap="flat">
+            <a:noFill/>
+            <a:miter lim="400000"/>
+          </a:ln>
+          <a:effectLst/>
+          <a:sp3d/>
+        </p:spPr>
+        <p:style>
+          <a:lnRef idx="0">
+            <a:scrgbClr r="0" g="0" b="0"/>
+          </a:lnRef>
+          <a:fillRef idx="0">
+            <a:scrgbClr r="0" g="0" b="0"/>
+          </a:fillRef>
+          <a:effectRef idx="0">
+            <a:scrgbClr r="0" g="0" b="0"/>
+          </a:effectRef>
+          <a:fontRef idx="none"/>
+        </p:style>
+        <p:txBody>
+          <a:bodyPr rot="0" spcFirstLastPara="1" vertOverflow="overflow" horzOverflow="overflow" vert="horz" wrap="square" lIns="50800" tIns="50800" rIns="50800" bIns="50800" numCol="1" spcCol="38100" rtlCol="0" anchor="ctr">
+            <a:spAutoFit/>
+          </a:bodyPr>
+          <a:lstStyle/>
+          <a:p>
+            <a:pPr marL="0" marR="0" indent="0" algn="l" defTabSz="584200" rtl="0" fontAlgn="auto" latinLnBrk="0" hangingPunct="0">
+              <a:lnSpc>
+                <a:spcPct val="100000"/>
+              </a:lnSpc>
+              <a:spcBef>
+                <a:spcPts val="2400"/>
+              </a:spcBef>
+              <a:spcAft>
+                <a:spcPts val="0"/>
+              </a:spcAft>
+              <a:buClrTx/>
+              <a:buSzTx/>
+              <a:buFontTx/>
+              <a:buNone/>
+              <a:tabLst/>
+            </a:pPr>
+            <a:r>
+              <a:rPr kumimoji="0" lang="en-AU" sz="4000" b="0" i="0" u="none" strike="noStrike" cap="none" spc="0" normalizeH="0" baseline="0" dirty="0" smtClean="0">
+                <a:ln>
+                  <a:noFill/>
+                </a:ln>
+                <a:solidFill>
+                  <a:schemeClr val="bg1"/>
+                </a:solidFill>
+                <a:effectLst/>
+                <a:uFillTx/>
+                <a:latin typeface="Century Schoolbook" panose="02040604050505020304" pitchFamily="18" charset="0"/>
+                <a:sym typeface="Avenir Next Medium"/>
+              </a:rPr>
+              <a:t>What company did Bill Gates found? </a:t>
+            </a:r>
+            <a:endParaRPr kumimoji="0" lang="en-AU" sz="4000" b="0" i="0" u="none" strike="noStrike" cap="none" spc="0" normalizeH="0" baseline="0" dirty="0">
+              <a:ln>
+                <a:noFill/>
+              </a:ln>
+              <a:solidFill>
+                <a:schemeClr val="bg1"/>
+              </a:solidFill>
+              <a:effectLst/>
+              <a:uFillTx/>
+              <a:latin typeface="Century Schoolbook" panose="02040604050505020304" pitchFamily="18" charset="0"/>
+              <a:sym typeface="Avenir Next Medium"/>
+            </a:endParaRPr>
+          </a:p>
+        </p:txBody>
+      </p:sp>
+      <p:sp>
+        <p:nvSpPr>
+          <p:cNvPr id="6" name="Right Brace 5"/>
+          <p:cNvSpPr/>
+          <p:nvPr/>
+        </p:nvSpPr>
+        <p:spPr>
+          <a:xfrm rot="16200000">
+            <a:off x="3225763" y="736613"/>
+            <a:ext cx="432594" cy="3528392"/>
+          </a:xfrm>
+          <a:prstGeom prst="rightBrace">
+            <a:avLst/>
+          </a:prstGeom>
+          <a:noFill/>
+          <a:ln w="25400" cap="flat">
+            <a:solidFill>
+              <a:schemeClr val="bg1"/>
+            </a:solidFill>
+            <a:prstDash val="solid"/>
+            <a:miter lim="400000"/>
+          </a:ln>
+          <a:effectLst/>
+          <a:sp3d/>
+        </p:spPr>
+        <p:style>
+          <a:lnRef idx="0">
+            <a:scrgbClr r="0" g="0" b="0"/>
+          </a:lnRef>
+          <a:fillRef idx="0">
+            <a:scrgbClr r="0" g="0" b="0"/>
+          </a:fillRef>
+          <a:effectRef idx="0">
+            <a:scrgbClr r="0" g="0" b="0"/>
+          </a:effectRef>
+          <a:fontRef idx="none"/>
+        </p:style>
+        <p:txBody>
+          <a:bodyPr rot="0" spcFirstLastPara="1" vertOverflow="overflow" horzOverflow="overflow" vert="horz" wrap="square" lIns="91439" tIns="45719" rIns="91439" bIns="45719" numCol="1" spcCol="38100" rtlCol="0" anchor="t">
+            <a:noAutofit/>
+          </a:bodyPr>
+          <a:lstStyle/>
+          <a:p>
+            <a:pPr marL="0" marR="0" indent="0" algn="l" defTabSz="914400" rtl="0" fontAlgn="auto" latinLnBrk="1" hangingPunct="0">
+              <a:lnSpc>
+                <a:spcPct val="100000"/>
+              </a:lnSpc>
+              <a:spcBef>
+                <a:spcPts val="0"/>
+              </a:spcBef>
+              <a:spcAft>
+                <a:spcPts val="0"/>
+              </a:spcAft>
+              <a:buClrTx/>
+              <a:buSzTx/>
+              <a:buFontTx/>
+              <a:buNone/>
+              <a:tabLst/>
+            </a:pPr>
+            <a:endParaRPr kumimoji="0" lang="en-AU" sz="1800" b="0" i="0" u="none" strike="noStrike" cap="none" spc="0" normalizeH="0" baseline="0">
+              <a:ln>
+                <a:noFill/>
+              </a:ln>
+              <a:solidFill>
+                <a:schemeClr val="bg1"/>
+              </a:solidFill>
+              <a:effectLst/>
+              <a:uFillTx/>
+            </a:endParaRPr>
+          </a:p>
+        </p:txBody>
+      </p:sp>
+      <p:sp>
+        <p:nvSpPr>
+          <p:cNvPr id="7" name="TextBox 6"/>
+          <p:cNvSpPr txBox="1"/>
+          <p:nvPr/>
+        </p:nvSpPr>
+        <p:spPr>
+          <a:xfrm>
+            <a:off x="2902000" y="1381700"/>
+            <a:ext cx="1368152" cy="902811"/>
+          </a:xfrm>
+          <a:prstGeom prst="rect">
+            <a:avLst/>
+          </a:prstGeom>
+          <a:noFill/>
+          <a:ln w="12700" cap="flat">
+            <a:noFill/>
+            <a:miter lim="400000"/>
+          </a:ln>
+          <a:effectLst/>
+          <a:sp3d/>
+        </p:spPr>
+        <p:style>
+          <a:lnRef idx="0">
+            <a:scrgbClr r="0" g="0" b="0"/>
+          </a:lnRef>
+          <a:fillRef idx="0">
+            <a:scrgbClr r="0" g="0" b="0"/>
+          </a:fillRef>
+          <a:effectRef idx="0">
+            <a:scrgbClr r="0" g="0" b="0"/>
+          </a:effectRef>
+          <a:fontRef idx="none"/>
+        </p:style>
+        <p:txBody>
+          <a:bodyPr rot="0" spcFirstLastPara="1" vertOverflow="overflow" horzOverflow="overflow" vert="horz" wrap="square" lIns="50800" tIns="50800" rIns="50800" bIns="50800" numCol="1" spcCol="38100" rtlCol="0" anchor="ctr">
+            <a:spAutoFit/>
+          </a:bodyPr>
+          <a:lstStyle/>
+          <a:p>
+            <a:pPr marL="0" marR="0" indent="0" algn="l" defTabSz="584200" rtl="0" fontAlgn="auto" latinLnBrk="0" hangingPunct="0">
+              <a:lnSpc>
+                <a:spcPct val="100000"/>
+              </a:lnSpc>
+              <a:spcBef>
+                <a:spcPts val="2400"/>
+              </a:spcBef>
+              <a:spcAft>
+                <a:spcPts val="0"/>
+              </a:spcAft>
+              <a:buClrTx/>
+              <a:buSzTx/>
+              <a:buFontTx/>
+              <a:buNone/>
+              <a:tabLst/>
+            </a:pPr>
+            <a:r>
+              <a:rPr lang="en-AU" sz="3200" dirty="0" smtClean="0">
+                <a:solidFill>
+                  <a:srgbClr val="0070C0"/>
+                </a:solidFill>
+                <a:latin typeface="Century Schoolbook" panose="02040604050505020304" pitchFamily="18" charset="0"/>
+              </a:rPr>
+              <a:t>Focus</a:t>
+            </a:r>
+            <a:endParaRPr kumimoji="0" lang="en-AU" sz="3200" b="0" i="0" u="none" strike="noStrike" cap="none" spc="0" normalizeH="0" baseline="0" dirty="0">
+              <a:ln>
+                <a:noFill/>
+              </a:ln>
+              <a:solidFill>
+                <a:srgbClr val="0070C0"/>
+              </a:solidFill>
+              <a:effectLst/>
+              <a:uFillTx/>
+              <a:latin typeface="Century Schoolbook" panose="02040604050505020304" pitchFamily="18" charset="0"/>
+              <a:sym typeface="Avenir Next Medium"/>
+            </a:endParaRPr>
+          </a:p>
+        </p:txBody>
+      </p:sp>
+      <p:sp>
+        <p:nvSpPr>
+          <p:cNvPr id="8" name="Right Brace 7"/>
+          <p:cNvSpPr/>
+          <p:nvPr/>
+        </p:nvSpPr>
+        <p:spPr>
+          <a:xfrm rot="16200000" flipH="1">
+            <a:off x="2054052" y="3020741"/>
+            <a:ext cx="504056" cy="1191844"/>
+          </a:xfrm>
+          <a:prstGeom prst="rightBrace">
+            <a:avLst/>
+          </a:prstGeom>
+          <a:noFill/>
+          <a:ln w="25400" cap="flat">
+            <a:solidFill>
+              <a:schemeClr val="bg1"/>
+            </a:solidFill>
+            <a:prstDash val="solid"/>
+            <a:miter lim="400000"/>
+          </a:ln>
+          <a:effectLst/>
+          <a:sp3d/>
+        </p:spPr>
+        <p:style>
+          <a:lnRef idx="0">
+            <a:scrgbClr r="0" g="0" b="0"/>
+          </a:lnRef>
+          <a:fillRef idx="0">
+            <a:scrgbClr r="0" g="0" b="0"/>
+          </a:fillRef>
+          <a:effectRef idx="0">
+            <a:scrgbClr r="0" g="0" b="0"/>
+          </a:effectRef>
+          <a:fontRef idx="none"/>
+        </p:style>
+        <p:txBody>
+          <a:bodyPr rot="0" spcFirstLastPara="1" vertOverflow="overflow" horzOverflow="overflow" vert="horz" wrap="square" lIns="91439" tIns="45719" rIns="91439" bIns="45719" numCol="1" spcCol="38100" rtlCol="0" anchor="t">
+            <a:noAutofit/>
+          </a:bodyPr>
+          <a:lstStyle/>
+          <a:p>
+            <a:pPr marL="0" marR="0" indent="0" algn="l" defTabSz="914400" rtl="0" fontAlgn="auto" latinLnBrk="1" hangingPunct="0">
+              <a:lnSpc>
+                <a:spcPct val="100000"/>
+              </a:lnSpc>
+              <a:spcBef>
+                <a:spcPts val="0"/>
+              </a:spcBef>
+              <a:spcAft>
+                <a:spcPts val="0"/>
+              </a:spcAft>
+              <a:buClrTx/>
+              <a:buSzTx/>
+              <a:buFontTx/>
+              <a:buNone/>
+              <a:tabLst/>
+            </a:pPr>
+            <a:endParaRPr kumimoji="0" lang="en-AU" sz="1800" b="0" i="0" u="none" strike="noStrike" cap="none" spc="0" normalizeH="0" baseline="0">
+              <a:ln>
+                <a:noFill/>
+              </a:ln>
+              <a:solidFill>
+                <a:schemeClr val="bg1"/>
+              </a:solidFill>
+              <a:effectLst/>
+              <a:uFillTx/>
+            </a:endParaRPr>
+          </a:p>
+        </p:txBody>
+      </p:sp>
+      <p:sp>
+        <p:nvSpPr>
+          <p:cNvPr id="9" name="TextBox 8"/>
+          <p:cNvSpPr txBox="1"/>
+          <p:nvPr/>
+        </p:nvSpPr>
+        <p:spPr>
+          <a:xfrm>
+            <a:off x="1173808" y="3613949"/>
+            <a:ext cx="1908213" cy="902811"/>
+          </a:xfrm>
+          <a:prstGeom prst="rect">
+            <a:avLst/>
+          </a:prstGeom>
+          <a:noFill/>
+          <a:ln w="12700" cap="flat">
+            <a:noFill/>
+            <a:miter lim="400000"/>
+          </a:ln>
+          <a:effectLst/>
+          <a:sp3d/>
+        </p:spPr>
+        <p:style>
+          <a:lnRef idx="0">
+            <a:scrgbClr r="0" g="0" b="0"/>
+          </a:lnRef>
+          <a:fillRef idx="0">
+            <a:scrgbClr r="0" g="0" b="0"/>
+          </a:fillRef>
+          <a:effectRef idx="0">
+            <a:scrgbClr r="0" g="0" b="0"/>
+          </a:effectRef>
+          <a:fontRef idx="none"/>
+        </p:style>
+        <p:txBody>
+          <a:bodyPr rot="0" spcFirstLastPara="1" vertOverflow="overflow" horzOverflow="overflow" vert="horz" wrap="square" lIns="50800" tIns="50800" rIns="50800" bIns="50800" numCol="1" spcCol="38100" rtlCol="0" anchor="ctr">
+            <a:spAutoFit/>
+          </a:bodyPr>
+          <a:lstStyle/>
+          <a:p>
+            <a:pPr marL="0" marR="0" indent="0" algn="l" defTabSz="584200" rtl="0" fontAlgn="auto" latinLnBrk="0" hangingPunct="0">
+              <a:lnSpc>
+                <a:spcPct val="100000"/>
+              </a:lnSpc>
+              <a:spcBef>
+                <a:spcPts val="2400"/>
+              </a:spcBef>
+              <a:spcAft>
+                <a:spcPts val="0"/>
+              </a:spcAft>
+              <a:buClrTx/>
+              <a:buSzTx/>
+              <a:buFontTx/>
+              <a:buNone/>
+              <a:tabLst/>
+            </a:pPr>
+            <a:r>
+              <a:rPr lang="en-AU" sz="3200" dirty="0" err="1" smtClean="0">
+                <a:solidFill>
+                  <a:srgbClr val="0070C0"/>
+                </a:solidFill>
+                <a:latin typeface="Century Schoolbook" panose="02040604050505020304" pitchFamily="18" charset="0"/>
+              </a:rPr>
+              <a:t>Wh</a:t>
+            </a:r>
+            <a:r>
+              <a:rPr lang="en-AU" sz="3200" dirty="0" smtClean="0">
+                <a:solidFill>
+                  <a:srgbClr val="0070C0"/>
+                </a:solidFill>
+                <a:latin typeface="Century Schoolbook" panose="02040604050505020304" pitchFamily="18" charset="0"/>
+              </a:rPr>
+              <a:t>-word</a:t>
+            </a:r>
+            <a:endParaRPr kumimoji="0" lang="en-AU" sz="3200" b="0" i="0" u="none" strike="noStrike" cap="none" spc="0" normalizeH="0" baseline="0" dirty="0">
+              <a:ln>
+                <a:noFill/>
+              </a:ln>
+              <a:solidFill>
+                <a:srgbClr val="0070C0"/>
+              </a:solidFill>
+              <a:effectLst/>
+              <a:uFillTx/>
+              <a:latin typeface="Century Schoolbook" panose="02040604050505020304" pitchFamily="18" charset="0"/>
+              <a:sym typeface="Avenir Next Medium"/>
+            </a:endParaRPr>
+          </a:p>
+        </p:txBody>
+      </p:sp>
+      <p:sp>
+        <p:nvSpPr>
+          <p:cNvPr id="10" name="Right Brace 9"/>
+          <p:cNvSpPr/>
+          <p:nvPr/>
+        </p:nvSpPr>
+        <p:spPr>
+          <a:xfrm rot="16200000" flipH="1">
+            <a:off x="3868098" y="2536542"/>
+            <a:ext cx="516075" cy="2160240"/>
+          </a:xfrm>
+          <a:prstGeom prst="rightBrace">
+            <a:avLst/>
+          </a:prstGeom>
+          <a:noFill/>
+          <a:ln w="25400" cap="flat">
+            <a:solidFill>
+              <a:schemeClr val="bg1"/>
+            </a:solidFill>
+            <a:prstDash val="solid"/>
+            <a:miter lim="400000"/>
+          </a:ln>
+          <a:effectLst/>
+          <a:sp3d/>
+        </p:spPr>
+        <p:style>
+          <a:lnRef idx="0">
+            <a:scrgbClr r="0" g="0" b="0"/>
+          </a:lnRef>
+          <a:fillRef idx="0">
+            <a:scrgbClr r="0" g="0" b="0"/>
+          </a:fillRef>
+          <a:effectRef idx="0">
+            <a:scrgbClr r="0" g="0" b="0"/>
+          </a:effectRef>
+          <a:fontRef idx="none"/>
+        </p:style>
+        <p:txBody>
+          <a:bodyPr rot="0" spcFirstLastPara="1" vertOverflow="overflow" horzOverflow="overflow" vert="horz" wrap="square" lIns="91439" tIns="45719" rIns="91439" bIns="45719" numCol="1" spcCol="38100" rtlCol="0" anchor="t">
+            <a:noAutofit/>
+          </a:bodyPr>
+          <a:lstStyle/>
+          <a:p>
+            <a:pPr marL="0" marR="0" indent="0" algn="l" defTabSz="914400" rtl="0" fontAlgn="auto" latinLnBrk="1" hangingPunct="0">
+              <a:lnSpc>
+                <a:spcPct val="100000"/>
+              </a:lnSpc>
+              <a:spcBef>
+                <a:spcPts val="0"/>
+              </a:spcBef>
+              <a:spcAft>
+                <a:spcPts val="0"/>
+              </a:spcAft>
+              <a:buClrTx/>
+              <a:buSzTx/>
+              <a:buFontTx/>
+              <a:buNone/>
+              <a:tabLst/>
+            </a:pPr>
+            <a:endParaRPr kumimoji="0" lang="en-AU" sz="1800" b="0" i="0" u="none" strike="noStrike" cap="none" spc="0" normalizeH="0" baseline="0">
+              <a:ln>
+                <a:noFill/>
+              </a:ln>
+              <a:solidFill>
+                <a:schemeClr val="bg1"/>
+              </a:solidFill>
+              <a:effectLst/>
+              <a:uFillTx/>
+            </a:endParaRPr>
+          </a:p>
+        </p:txBody>
+      </p:sp>
+      <p:sp>
+        <p:nvSpPr>
+          <p:cNvPr id="11" name="TextBox 10"/>
+          <p:cNvSpPr txBox="1"/>
+          <p:nvPr/>
+        </p:nvSpPr>
+        <p:spPr>
+          <a:xfrm>
+            <a:off x="3226035" y="3580656"/>
+            <a:ext cx="2268253" cy="902811"/>
+          </a:xfrm>
+          <a:prstGeom prst="rect">
+            <a:avLst/>
+          </a:prstGeom>
+          <a:noFill/>
+          <a:ln w="12700" cap="flat">
+            <a:noFill/>
+            <a:miter lim="400000"/>
+          </a:ln>
+          <a:effectLst/>
+          <a:sp3d/>
+        </p:spPr>
+        <p:style>
+          <a:lnRef idx="0">
+            <a:scrgbClr r="0" g="0" b="0"/>
+          </a:lnRef>
+          <a:fillRef idx="0">
+            <a:scrgbClr r="0" g="0" b="0"/>
+          </a:fillRef>
+          <a:effectRef idx="0">
+            <a:scrgbClr r="0" g="0" b="0"/>
+          </a:effectRef>
+          <a:fontRef idx="none"/>
+        </p:style>
+        <p:txBody>
+          <a:bodyPr rot="0" spcFirstLastPara="1" vertOverflow="overflow" horzOverflow="overflow" vert="horz" wrap="square" lIns="50800" tIns="50800" rIns="50800" bIns="50800" numCol="1" spcCol="38100" rtlCol="0" anchor="ctr">
+            <a:spAutoFit/>
+          </a:bodyPr>
+          <a:lstStyle/>
+          <a:p>
+            <a:pPr marL="0" marR="0" indent="0" algn="l" defTabSz="584200" rtl="0" fontAlgn="auto" latinLnBrk="0" hangingPunct="0">
+              <a:lnSpc>
+                <a:spcPct val="100000"/>
+              </a:lnSpc>
+              <a:spcBef>
+                <a:spcPts val="2400"/>
+              </a:spcBef>
+              <a:spcAft>
+                <a:spcPts val="0"/>
+              </a:spcAft>
+              <a:buClrTx/>
+              <a:buSzTx/>
+              <a:buFontTx/>
+              <a:buNone/>
+              <a:tabLst/>
+            </a:pPr>
+            <a:r>
+              <a:rPr lang="en-AU" sz="3200" dirty="0">
+                <a:solidFill>
+                  <a:srgbClr val="0070C0"/>
+                </a:solidFill>
+                <a:latin typeface="Century Schoolbook" panose="02040604050505020304" pitchFamily="18" charset="0"/>
+              </a:rPr>
+              <a:t>H</a:t>
+            </a:r>
+            <a:r>
+              <a:rPr lang="en-AU" sz="3200" dirty="0" smtClean="0">
+                <a:solidFill>
+                  <a:srgbClr val="0070C0"/>
+                </a:solidFill>
+                <a:latin typeface="Century Schoolbook" panose="02040604050505020304" pitchFamily="18" charset="0"/>
+              </a:rPr>
+              <a:t>eadword</a:t>
+            </a:r>
+            <a:endParaRPr kumimoji="0" lang="en-AU" sz="3200" b="0" i="0" u="none" strike="noStrike" cap="none" spc="0" normalizeH="0" baseline="0" dirty="0">
+              <a:ln>
+                <a:noFill/>
+              </a:ln>
+              <a:solidFill>
+                <a:srgbClr val="0070C0"/>
+              </a:solidFill>
+              <a:effectLst/>
+              <a:uFillTx/>
+              <a:latin typeface="Century Schoolbook" panose="02040604050505020304" pitchFamily="18" charset="0"/>
+              <a:sym typeface="Avenir Next Medium"/>
+            </a:endParaRPr>
+          </a:p>
+        </p:txBody>
+      </p:sp>
+    </p:spTree>
+    <p:extLst>
+      <p:ext uri="{BB962C8B-B14F-4D97-AF65-F5344CB8AC3E}">
+        <p14:creationId xmlns:p14="http://schemas.microsoft.com/office/powerpoint/2010/main" val="3586593200"/>
+      </p:ext>
+    </p:extLst>
+  </p:cSld>
+  <p:clrMapOvr>
+    <a:masterClrMapping/>
+  </p:clrMapOvr>
+  <p:transition spd="med"/>
+  <p:timing>
+    <p:tnLst>
+      <p:par>
+        <p:cTn id="1" dur="indefinite" restart="never" nodeType="tmRoot">
+          <p:childTnLst>
+            <p:seq concurrent="1" nextAc="seek">
+              <p:cTn id="2" dur="indefinite" nodeType="mainSeq">
+                <p:childTnLst>
+                  <p:par>
+                    <p:cTn id="3" fill="hold">
+                      <p:stCondLst>
+                        <p:cond delay="indefinite"/>
+                      </p:stCondLst>
+                      <p:childTnLst>
+                        <p:par>
+                          <p:cTn id="4" fill="hold">
+                            <p:stCondLst>
+                              <p:cond delay="0"/>
+                            </p:stCondLst>
+                            <p:childTnLst>
+                              <p:par>
+                                <p:cTn id="5" presetID="1" presetClass="entr" presetSubtype="0" fill="hold" grpId="0" nodeType="clickEffect">
+                                  <p:stCondLst>
+                                    <p:cond delay="0"/>
+                                  </p:stCondLst>
+                                  <p:childTnLst>
+                                    <p:set>
+                                      <p:cBhvr>
+                                        <p:cTn id="6" dur="1" fill="hold">
+                                          <p:stCondLst>
+                                            <p:cond delay="0"/>
+                                          </p:stCondLst>
+                                        </p:cTn>
+                                        <p:tgtEl>
+                                          <p:spTgt spid="3">
+                                            <p:bg/>
+                                          </p:spTgt>
+                                        </p:tgtEl>
+                                        <p:attrNameLst>
+                                          <p:attrName>style.visibility</p:attrName>
+                                        </p:attrNameLst>
+                                      </p:cBhvr>
+                                      <p:to>
+                                        <p:strVal val="visible"/>
+                                      </p:to>
+                                    </p:set>
+                                  </p:childTnLst>
+                                </p:cTn>
+                              </p:par>
+                            </p:childTnLst>
+                          </p:cTn>
+                        </p:par>
+                      </p:childTnLst>
+                    </p:cTn>
+                  </p:par>
+                  <p:par>
+                    <p:cTn id="7" fill="hold">
+                      <p:stCondLst>
+                        <p:cond delay="indefinite"/>
+                      </p:stCondLst>
+                      <p:childTnLst>
+                        <p:par>
+                          <p:cTn id="8" fill="hold">
+                            <p:stCondLst>
+                              <p:cond delay="0"/>
+                            </p:stCondLst>
+                            <p:childTnLst>
+                              <p:par>
+                                <p:cTn id="9" presetID="1" presetClass="entr" presetSubtype="0" fill="hold" grpId="0" nodeType="clickEffect">
+                                  <p:stCondLst>
+                                    <p:cond delay="0"/>
+                                  </p:stCondLst>
+                                  <p:childTnLst>
+                                    <p:set>
+                                      <p:cBhvr>
+                                        <p:cTn id="10" dur="1" fill="hold">
+                                          <p:stCondLst>
+                                            <p:cond delay="0"/>
+                                          </p:stCondLst>
+                                        </p:cTn>
+                                        <p:tgtEl>
+                                          <p:spTgt spid="5"/>
+                                        </p:tgtEl>
+                                        <p:attrNameLst>
+                                          <p:attrName>style.visibility</p:attrName>
+                                        </p:attrNameLst>
+                                      </p:cBhvr>
+                                      <p:to>
+                                        <p:strVal val="visible"/>
+                                      </p:to>
+                                    </p:set>
+                                  </p:childTnLst>
+                                </p:cTn>
+                              </p:par>
+                            </p:childTnLst>
+                          </p:cTn>
+                        </p:par>
+                      </p:childTnLst>
+                    </p:cTn>
+                  </p:par>
+                  <p:par>
+                    <p:cTn id="11" fill="hold">
+                      <p:stCondLst>
+                        <p:cond delay="indefinite"/>
+                      </p:stCondLst>
+                      <p:childTnLst>
+                        <p:par>
+                          <p:cTn id="12" fill="hold">
+                            <p:stCondLst>
+                              <p:cond delay="0"/>
+                            </p:stCondLst>
+                            <p:childTnLst>
+                              <p:par>
+                                <p:cTn id="13" presetID="1" presetClass="entr" presetSubtype="0" fill="hold" grpId="0" nodeType="clickEffect">
+                                  <p:stCondLst>
+                                    <p:cond delay="0"/>
+                                  </p:stCondLst>
+                                  <p:childTnLst>
+                                    <p:set>
+                                      <p:cBhvr>
+                                        <p:cTn id="14" dur="1" fill="hold">
+                                          <p:stCondLst>
+                                            <p:cond delay="0"/>
+                                          </p:stCondLst>
+                                        </p:cTn>
+                                        <p:tgtEl>
+                                          <p:spTgt spid="3">
+                                            <p:txEl>
+                                              <p:pRg st="0" end="0"/>
+                                            </p:txEl>
+                                          </p:spTgt>
+                                        </p:tgtEl>
+                                        <p:attrNameLst>
+                                          <p:attrName>style.visibility</p:attrName>
+                                        </p:attrNameLst>
+                                      </p:cBhvr>
+                                      <p:to>
+                                        <p:strVal val="visible"/>
+                                      </p:to>
+                                    </p:set>
+                                  </p:childTnLst>
+                                </p:cTn>
+                              </p:par>
+                              <p:par>
+                                <p:cTn id="15" presetID="1" presetClass="entr" presetSubtype="0" fill="hold" grpId="0" nodeType="withEffect">
+                                  <p:stCondLst>
+                                    <p:cond delay="0"/>
+                                  </p:stCondLst>
+                                  <p:childTnLst>
+                                    <p:set>
+                                      <p:cBhvr>
+                                        <p:cTn id="16" dur="1" fill="hold">
+                                          <p:stCondLst>
+                                            <p:cond delay="0"/>
+                                          </p:stCondLst>
+                                        </p:cTn>
+                                        <p:tgtEl>
+                                          <p:spTgt spid="6"/>
+                                        </p:tgtEl>
+                                        <p:attrNameLst>
+                                          <p:attrName>style.visibility</p:attrName>
+                                        </p:attrNameLst>
+                                      </p:cBhvr>
+                                      <p:to>
+                                        <p:strVal val="visible"/>
+                                      </p:to>
+                                    </p:set>
+                                  </p:childTnLst>
+                                </p:cTn>
+                              </p:par>
+                              <p:par>
+                                <p:cTn id="17" presetID="1" presetClass="entr" presetSubtype="0" fill="hold" grpId="0" nodeType="withEffect">
+                                  <p:stCondLst>
+                                    <p:cond delay="0"/>
+                                  </p:stCondLst>
+                                  <p:childTnLst>
+                                    <p:set>
+                                      <p:cBhvr>
+                                        <p:cTn id="18" dur="1" fill="hold">
+                                          <p:stCondLst>
+                                            <p:cond delay="0"/>
+                                          </p:stCondLst>
+                                        </p:cTn>
+                                        <p:tgtEl>
+                                          <p:spTgt spid="7"/>
+                                        </p:tgtEl>
+                                        <p:attrNameLst>
+                                          <p:attrName>style.visibility</p:attrName>
+                                        </p:attrNameLst>
+                                      </p:cBhvr>
+                                      <p:to>
+                                        <p:strVal val="visible"/>
+                                      </p:to>
+                                    </p:set>
+                                  </p:childTnLst>
+                                </p:cTn>
+                              </p:par>
+                            </p:childTnLst>
+                          </p:cTn>
+                        </p:par>
+                      </p:childTnLst>
+                    </p:cTn>
+                  </p:par>
+                  <p:par>
+                    <p:cTn id="19" fill="hold">
+                      <p:stCondLst>
+                        <p:cond delay="indefinite"/>
+                      </p:stCondLst>
+                      <p:childTnLst>
+                        <p:par>
+                          <p:cTn id="20" fill="hold">
+                            <p:stCondLst>
+                              <p:cond delay="0"/>
+                            </p:stCondLst>
+                            <p:childTnLst>
+                              <p:par>
+                                <p:cTn id="21" presetID="1" presetClass="entr" presetSubtype="0" fill="hold" grpId="0" nodeType="clickEffect">
+                                  <p:stCondLst>
+                                    <p:cond delay="0"/>
+                                  </p:stCondLst>
+                                  <p:childTnLst>
+                                    <p:set>
+                                      <p:cBhvr>
+                                        <p:cTn id="22" dur="1" fill="hold">
+                                          <p:stCondLst>
+                                            <p:cond delay="0"/>
+                                          </p:stCondLst>
+                                        </p:cTn>
+                                        <p:tgtEl>
+                                          <p:spTgt spid="3">
+                                            <p:txEl>
+                                              <p:pRg st="1" end="1"/>
+                                            </p:txEl>
+                                          </p:spTgt>
+                                        </p:tgtEl>
+                                        <p:attrNameLst>
+                                          <p:attrName>style.visibility</p:attrName>
+                                        </p:attrNameLst>
+                                      </p:cBhvr>
+                                      <p:to>
+                                        <p:strVal val="visible"/>
+                                      </p:to>
+                                    </p:set>
+                                  </p:childTnLst>
+                                </p:cTn>
+                              </p:par>
+                            </p:childTnLst>
+                          </p:cTn>
+                        </p:par>
+                      </p:childTnLst>
+                    </p:cTn>
+                  </p:par>
+                  <p:par>
+                    <p:cTn id="23" fill="hold">
+                      <p:stCondLst>
+                        <p:cond delay="indefinite"/>
+                      </p:stCondLst>
+                      <p:childTnLst>
+                        <p:par>
+                          <p:cTn id="24" fill="hold">
+                            <p:stCondLst>
+                              <p:cond delay="0"/>
+                            </p:stCondLst>
+                            <p:childTnLst>
+                              <p:par>
+                                <p:cTn id="25" presetID="1" presetClass="entr" presetSubtype="0" fill="hold" grpId="0" nodeType="clickEffect">
+                                  <p:stCondLst>
+                                    <p:cond delay="0"/>
+                                  </p:stCondLst>
+                                  <p:childTnLst>
+                                    <p:set>
+                                      <p:cBhvr>
+                                        <p:cTn id="26" dur="1" fill="hold">
+                                          <p:stCondLst>
+                                            <p:cond delay="0"/>
+                                          </p:stCondLst>
+                                        </p:cTn>
+                                        <p:tgtEl>
+                                          <p:spTgt spid="3">
+                                            <p:txEl>
                                               <p:pRg st="2" end="2"/>
                                             </p:txEl>
                                           </p:spTgt>
@@ -7148,14 +8919,14 @@
                                 </p:cTn>
                               </p:par>
                               <p:par>
-                                <p:cTn id="23" presetID="1" presetClass="entr" presetSubtype="0" fill="hold" grpId="0" nodeType="withEffect">
+                                <p:cTn id="27" presetID="1" presetClass="entr" presetSubtype="0" fill="hold" grpId="0" nodeType="withEffect">
                                   <p:stCondLst>
                                     <p:cond delay="0"/>
                                   </p:stCondLst>
                                   <p:childTnLst>
                                     <p:set>
                                       <p:cBhvr>
-                                        <p:cTn id="24" dur="1" fill="hold">
+                                        <p:cTn id="28" dur="1" fill="hold">
                                           <p:stCondLst>
                                             <p:cond delay="0"/>
                                           </p:stCondLst>
@@ -7175,14 +8946,14 @@
                                 </p:cTn>
                               </p:par>
                               <p:par>
-                                <p:cTn id="25" presetID="1" presetClass="entr" presetSubtype="0" fill="hold" grpId="0" nodeType="withEffect">
+                                <p:cTn id="29" presetID="1" presetClass="entr" presetSubtype="0" fill="hold" grpId="0" nodeType="withEffect">
                                   <p:stCondLst>
                                     <p:cond delay="0"/>
                                   </p:stCondLst>
                                   <p:childTnLst>
                                     <p:set>
                                       <p:cBhvr>
-                                        <p:cTn id="26" dur="1" fill="hold">
+                                        <p:cTn id="30" dur="1" fill="hold">
                                           <p:stCondLst>
                                             <p:cond delay="0"/>
                                           </p:stCondLst>
@@ -7208,26 +8979,26 @@
                     </p:cTn>
                   </p:par>
                   <p:par>
-                    <p:cTn id="27" fill="hold">
+                    <p:cTn id="31" fill="hold">
                       <p:stCondLst>
                         <p:cond delay="indefinite"/>
                       </p:stCondLst>
                       <p:childTnLst>
                         <p:par>
-                          <p:cTn id="28" fill="hold">
+                          <p:cTn id="32" fill="hold">
                             <p:stCondLst>
                               <p:cond delay="0"/>
                             </p:stCondLst>
                             <p:childTnLst>
                               <p:par>
-                                <p:cTn id="29" presetID="1" presetClass="entr" presetSubtype="0" fill="hold" grpId="0" nodeType="clickEffect">
+                                <p:cTn id="33" presetID="1" presetClass="entr" presetSubtype="0" fill="hold" grpId="0" nodeType="clickEffect">
                                   <p:stCondLst>
                                     <p:cond delay="0"/>
                                   </p:stCondLst>
                                   <p:childTnLst>
                                     <p:set>
                                       <p:cBhvr>
-                                        <p:cTn id="30" dur="1" fill="hold">
+                                        <p:cTn id="34" dur="1" fill="hold">
                                           <p:stCondLst>
                                             <p:cond delay="0"/>
                                           </p:stCondLst>
@@ -7251,14 +9022,14 @@
                                 </p:cTn>
                               </p:par>
                               <p:par>
-                                <p:cTn id="31" presetID="1" presetClass="entr" presetSubtype="0" fill="hold" grpId="0" nodeType="withEffect">
+                                <p:cTn id="35" presetID="1" presetClass="entr" presetSubtype="0" fill="hold" grpId="0" nodeType="withEffect">
                                   <p:stCondLst>
                                     <p:cond delay="0"/>
                                   </p:stCondLst>
                                   <p:childTnLst>
                                     <p:set>
                                       <p:cBhvr>
-                                        <p:cTn id="32" dur="1" fill="hold">
+                                        <p:cTn id="36" dur="1" fill="hold">
                                           <p:stCondLst>
                                             <p:cond delay="0"/>
                                           </p:stCondLst>
@@ -7278,14 +9049,14 @@
                                 </p:cTn>
                               </p:par>
                               <p:par>
-                                <p:cTn id="33" presetID="1" presetClass="entr" presetSubtype="0" fill="hold" grpId="0" nodeType="withEffect">
+                                <p:cTn id="37" presetID="1" presetClass="entr" presetSubtype="0" fill="hold" grpId="0" nodeType="withEffect">
                                   <p:stCondLst>
                                     <p:cond delay="0"/>
                                   </p:stCondLst>
                                   <p:childTnLst>
                                     <p:set>
                                       <p:cBhvr>
-                                        <p:cTn id="34" dur="1" fill="hold">
+                                        <p:cTn id="38" dur="1" fill="hold">
                                           <p:stCondLst>
                                             <p:cond delay="0"/>
                                           </p:stCondLst>
@@ -7333,6 +9104,7 @@
     </p:tnLst>
     <p:bldLst>
       <p:bldP spid="3" grpId="0" uiExpand="1" build="p" animBg="1"/>
+      <p:bldP spid="5" grpId="0"/>
       <p:bldP spid="6" grpId="0" animBg="1"/>
       <p:bldP spid="7" grpId="0"/>
       <p:bldP spid="8" grpId="0" animBg="1"/>
@@ -7344,7 +9116,7 @@
 </p:sld>
 </file>
 
-<file path=ppt/slides/slide6.xml><?xml version="1.0" encoding="utf-8"?>
+<file path=ppt/slides/slide7.xml><?xml version="1.0" encoding="utf-8"?>
 <p:sld xmlns:a="http://schemas.openxmlformats.org/drawingml/2006/main" xmlns:r="http://schemas.openxmlformats.org/officeDocument/2006/relationships" xmlns:p="http://schemas.openxmlformats.org/presentationml/2006/main">
   <p:cSld>
     <p:spTree>
@@ -7434,7 +9206,27 @@
             <a:pPr lvl="1"/>
             <a:r>
               <a:rPr lang="en-AU" dirty="0" smtClean="0"/>
-              <a:t>Predicates, e.g. founder-of</a:t>
+              <a:t>Predicates, e.g. founder(</a:t>
+            </a:r>
+            <a:r>
+              <a:rPr lang="en-AU" dirty="0" smtClean="0">
+                <a:latin typeface="Century Schoolbook"/>
+              </a:rPr>
+              <a:t>·</a:t>
+            </a:r>
+            <a:r>
+              <a:rPr lang="en-AU" dirty="0" smtClean="0"/>
+              <a:t>,</a:t>
+            </a:r>
+            <a:r>
+              <a:rPr lang="en-AU" dirty="0" smtClean="0">
+                <a:latin typeface="Century Schoolbook"/>
+              </a:rPr>
+              <a:t>·</a:t>
+            </a:r>
+            <a:r>
+              <a:rPr lang="en-AU" dirty="0" smtClean="0"/>
+              <a:t>)</a:t>
             </a:r>
           </a:p>
           <a:p>
@@ -7449,6 +9241,14 @@
             <a:r>
               <a:rPr lang="en-AU" dirty="0" smtClean="0"/>
               <a:t>Logical connectives (^, v, ⌐) and quantifiers (</a:t>
+            </a:r>
+            <a:r>
+              <a:rPr lang="en-AU" dirty="0"/>
+              <a:t>∀, </a:t>
+            </a:r>
+            <a:r>
+              <a:rPr lang="en-AU" dirty="0" smtClean="0"/>
+              <a:t>∃)</a:t>
             </a:r>
           </a:p>
           <a:p>
@@ -7482,12 +9282,20 @@
               <a:buNone/>
             </a:pPr>
             <a:r>
-              <a:rPr lang="en-AU" dirty="0"/>
-              <a:t>f</a:t>
-            </a:r>
-            <a:r>
-              <a:rPr lang="en-AU" dirty="0" smtClean="0"/>
-              <a:t>ounder-of(BILL_GATES, ?x) ^ company(?x)</a:t>
+              <a:rPr lang="en-AU" dirty="0" smtClean="0"/>
+              <a:t>?x </a:t>
+            </a:r>
+            <a:r>
+              <a:rPr lang="en-AU" dirty="0" err="1" smtClean="0"/>
+              <a:t>s.t.</a:t>
+            </a:r>
+            <a:r>
+              <a:rPr lang="en-AU" dirty="0" smtClean="0"/>
+              <a:t> founder(BILL_GATES</a:t>
+            </a:r>
+            <a:r>
+              <a:rPr lang="en-AU" dirty="0" smtClean="0"/>
+              <a:t>, ?x) ^ company(?x)</a:t>
             </a:r>
           </a:p>
           <a:p>
@@ -7519,7 +9327,7 @@
 </p:sld>
 </file>
 
-<file path=ppt/slides/slide7.xml><?xml version="1.0" encoding="utf-8"?>
+<file path=ppt/slides/slide8.xml><?xml version="1.0" encoding="utf-8"?>
 <p:sld xmlns:a="http://schemas.openxmlformats.org/drawingml/2006/main" xmlns:r="http://schemas.openxmlformats.org/officeDocument/2006/relationships" xmlns:p="http://schemas.openxmlformats.org/presentationml/2006/main" showMasterPhAnim="0">
   <p:cSld>
     <p:spTree>
@@ -7578,7 +9386,7 @@
           <a:p>
             <a:r>
               <a:rPr lang="en-AU" dirty="0" smtClean="0"/>
-              <a:t>For simple questions in small domains, rules work well</a:t>
+              <a:t>For simple questions in closed-domains, rules work well</a:t>
             </a:r>
           </a:p>
           <a:p>
@@ -7599,8 +9407,9 @@
           <a:p>
             <a:r>
               <a:rPr lang="en-AU" dirty="0" smtClean="0"/>
-              <a:t>To scale up to a wide variety of forms</a:t>
-            </a:r>
+              <a:t>Problem: natural language is too variable</a:t>
+            </a:r>
+            <a:endParaRPr lang="en-AU" dirty="0" smtClean="0"/>
           </a:p>
           <a:p>
             <a:pPr lvl="1"/>
@@ -7618,11 +9427,11 @@
             </a:pPr>
             <a:r>
               <a:rPr lang="en-AU" dirty="0"/>
-              <a:t>align results </a:t>
-            </a:r>
-            <a:r>
-              <a:rPr lang="en-AU" dirty="0" smtClean="0"/>
-              <a:t>of large scale unsupervised</a:t>
+              <a:t>align existing </a:t>
+            </a:r>
+            <a:r>
+              <a:rPr lang="en-AU" dirty="0" smtClean="0"/>
+              <a:t>KBs with results of large-scale unsupervised</a:t>
             </a:r>
             <a:r>
               <a:rPr lang="en-AU" i="1" dirty="0" smtClean="0"/>
@@ -7630,19 +9439,8 @@
             </a:r>
             <a:r>
               <a:rPr lang="en-AU" dirty="0" smtClean="0"/>
-              <a:t>relation extraction with </a:t>
-            </a:r>
-            <a:r>
-              <a:rPr lang="en-AU" dirty="0"/>
-              <a:t>existing </a:t>
-            </a:r>
-            <a:r>
-              <a:rPr lang="en-AU" dirty="0" smtClean="0"/>
-              <a:t>KBs</a:t>
-            </a:r>
-            <a:endParaRPr lang="en-AU" dirty="0"/>
-          </a:p>
-          <a:p>
+              <a:t>relation extraction</a:t>
+            </a:r>
             <a:endParaRPr lang="en-AU" dirty="0"/>
           </a:p>
         </p:txBody>
@@ -8067,304 +9865,6 @@
 </p:sld>
 </file>
 
-<file path=ppt/slides/slide8.xml><?xml version="1.0" encoding="utf-8"?>
-<p:sld xmlns:a="http://schemas.openxmlformats.org/drawingml/2006/main" xmlns:r="http://schemas.openxmlformats.org/officeDocument/2006/relationships" xmlns:p="http://schemas.openxmlformats.org/presentationml/2006/main">
-  <p:cSld>
-    <p:spTree>
-      <p:nvGrpSpPr>
-        <p:cNvPr id="1" name=""/>
-        <p:cNvGrpSpPr/>
-        <p:nvPr/>
-      </p:nvGrpSpPr>
-      <p:grpSpPr>
-        <a:xfrm>
-          <a:off x="0" y="0"/>
-          <a:ext cx="0" cy="0"/>
-          <a:chOff x="0" y="0"/>
-          <a:chExt cx="0" cy="0"/>
-        </a:xfrm>
-      </p:grpSpPr>
-      <p:sp>
-        <p:nvSpPr>
-          <p:cNvPr id="2" name="Title 1"/>
-          <p:cNvSpPr>
-            <a:spLocks noGrp="1"/>
-          </p:cNvSpPr>
-          <p:nvPr>
-            <p:ph type="title"/>
-          </p:nvPr>
-        </p:nvSpPr>
-        <p:spPr/>
-        <p:txBody>
-          <a:bodyPr>
-            <a:normAutofit fontScale="90000"/>
-          </a:bodyPr>
-          <a:lstStyle/>
-          <a:p>
-            <a:r>
-              <a:rPr lang="en-AU" dirty="0" smtClean="0"/>
-              <a:t>Open Information extraction</a:t>
-            </a:r>
-            <a:endParaRPr lang="en-AU" dirty="0"/>
-          </a:p>
-        </p:txBody>
-      </p:sp>
-      <p:sp>
-        <p:nvSpPr>
-          <p:cNvPr id="3" name="Text Placeholder 2"/>
-          <p:cNvSpPr>
-            <a:spLocks noGrp="1"/>
-          </p:cNvSpPr>
-          <p:nvPr>
-            <p:ph type="body" idx="1"/>
-          </p:nvPr>
-        </p:nvSpPr>
-        <p:spPr/>
-        <p:txBody>
-          <a:bodyPr/>
-          <a:lstStyle/>
-          <a:p>
-            <a:r>
-              <a:rPr lang="en-AU" dirty="0" smtClean="0"/>
-              <a:t>Purely unsupervised</a:t>
-            </a:r>
-          </a:p>
-          <a:p>
-            <a:r>
-              <a:rPr lang="en-AU" dirty="0" smtClean="0"/>
-              <a:t>Use POS regex (chunking) and normalization </a:t>
-            </a:r>
-          </a:p>
-          <a:p>
-            <a:pPr marL="0" indent="0">
-              <a:buNone/>
-            </a:pPr>
-            <a:r>
-              <a:rPr lang="en-AU" i="1" dirty="0" smtClean="0">
-                <a:solidFill>
-                  <a:srgbClr val="0070C0"/>
-                </a:solidFill>
-              </a:rPr>
-              <a:t>Bill Gates </a:t>
-            </a:r>
-            <a:r>
-              <a:rPr lang="en-AU" i="1" dirty="0" smtClean="0">
-                <a:solidFill>
-                  <a:srgbClr val="FF0000"/>
-                </a:solidFill>
-              </a:rPr>
-              <a:t>is a founder of </a:t>
-            </a:r>
-            <a:r>
-              <a:rPr lang="en-AU" i="1" dirty="0" smtClean="0">
-                <a:solidFill>
-                  <a:srgbClr val="0070C0"/>
-                </a:solidFill>
-              </a:rPr>
-              <a:t>Microsoft</a:t>
-            </a:r>
-            <a:r>
-              <a:rPr lang="en-AU" i="1" dirty="0" smtClean="0"/>
-              <a:t>, a software company </a:t>
-            </a:r>
-            <a:r>
-              <a:rPr lang="en-AU" i="1" dirty="0" smtClean="0">
-                <a:solidFill>
-                  <a:srgbClr val="FF0000"/>
-                </a:solidFill>
-              </a:rPr>
-              <a:t>based in </a:t>
-            </a:r>
-            <a:r>
-              <a:rPr lang="en-AU" i="1" dirty="0" smtClean="0">
-                <a:solidFill>
-                  <a:srgbClr val="0070C0"/>
-                </a:solidFill>
-              </a:rPr>
-              <a:t>Redmond, Washington</a:t>
-            </a:r>
-            <a:r>
-              <a:rPr lang="en-AU" i="1" dirty="0" smtClean="0"/>
-              <a:t>.</a:t>
-            </a:r>
-            <a:endParaRPr lang="en-AU" i="1" dirty="0"/>
-          </a:p>
-          <a:p>
-            <a:pPr marL="0" indent="0">
-              <a:buNone/>
-            </a:pPr>
-            <a:r>
-              <a:rPr lang="en-AU" dirty="0" smtClean="0"/>
-              <a:t>&lt;</a:t>
-            </a:r>
-            <a:r>
-              <a:rPr lang="en-AU" i="1" dirty="0">
-                <a:solidFill>
-                  <a:srgbClr val="0070C0"/>
-                </a:solidFill>
-              </a:rPr>
-              <a:t> Bill </a:t>
-            </a:r>
-            <a:r>
-              <a:rPr lang="en-AU" i="1" dirty="0" smtClean="0">
-                <a:solidFill>
-                  <a:srgbClr val="0070C0"/>
-                </a:solidFill>
-              </a:rPr>
-              <a:t>Gates</a:t>
-            </a:r>
-            <a:r>
-              <a:rPr lang="en-AU" i="1" dirty="0" smtClean="0">
-                <a:solidFill>
-                  <a:schemeClr val="bg1"/>
-                </a:solidFill>
-              </a:rPr>
-              <a:t>, </a:t>
-            </a:r>
-            <a:r>
-              <a:rPr lang="en-AU" i="1" dirty="0" smtClean="0">
-                <a:solidFill>
-                  <a:srgbClr val="FF0000"/>
-                </a:solidFill>
-              </a:rPr>
-              <a:t>be a founder of </a:t>
-            </a:r>
-            <a:r>
-              <a:rPr lang="en-AU" i="1" dirty="0" smtClean="0">
-                <a:solidFill>
-                  <a:schemeClr val="bg1"/>
-                </a:solidFill>
-              </a:rPr>
-              <a:t>, </a:t>
-            </a:r>
-            <a:r>
-              <a:rPr lang="en-AU" i="1" dirty="0">
-                <a:solidFill>
-                  <a:srgbClr val="0070C0"/>
-                </a:solidFill>
-              </a:rPr>
-              <a:t>Microsoft </a:t>
-            </a:r>
-            <a:r>
-              <a:rPr lang="en-AU" i="1" dirty="0" smtClean="0">
-                <a:solidFill>
-                  <a:schemeClr val="bg1"/>
-                </a:solidFill>
-              </a:rPr>
-              <a:t>&gt;</a:t>
-            </a:r>
-            <a:br>
-              <a:rPr lang="en-AU" i="1" dirty="0" smtClean="0">
-                <a:solidFill>
-                  <a:schemeClr val="bg1"/>
-                </a:solidFill>
-              </a:rPr>
-            </a:br>
-            <a:r>
-              <a:rPr lang="en-AU" i="1" dirty="0" smtClean="0">
-                <a:solidFill>
-                  <a:schemeClr val="bg1"/>
-                </a:solidFill>
-              </a:rPr>
-              <a:t>&lt;</a:t>
-            </a:r>
-            <a:r>
-              <a:rPr lang="en-AU" i="1" dirty="0" smtClean="0">
-                <a:solidFill>
-                  <a:srgbClr val="0070C0"/>
-                </a:solidFill>
-              </a:rPr>
-              <a:t> Microsoft</a:t>
-            </a:r>
-            <a:r>
-              <a:rPr lang="en-AU" i="1" dirty="0" smtClean="0">
-                <a:solidFill>
-                  <a:schemeClr val="bg1"/>
-                </a:solidFill>
-              </a:rPr>
-              <a:t>, </a:t>
-            </a:r>
-            <a:r>
-              <a:rPr lang="en-AU" i="1" dirty="0" smtClean="0">
-                <a:solidFill>
-                  <a:srgbClr val="FF0000"/>
-                </a:solidFill>
-              </a:rPr>
-              <a:t>based in</a:t>
-            </a:r>
-            <a:r>
-              <a:rPr lang="en-AU" i="1" dirty="0" smtClean="0">
-                <a:solidFill>
-                  <a:schemeClr val="bg1"/>
-                </a:solidFill>
-              </a:rPr>
-              <a:t>, </a:t>
-            </a:r>
-            <a:r>
-              <a:rPr lang="en-AU" i="1" dirty="0">
-                <a:solidFill>
-                  <a:srgbClr val="0070C0"/>
-                </a:solidFill>
-              </a:rPr>
-              <a:t>Redmond, </a:t>
-            </a:r>
-            <a:r>
-              <a:rPr lang="en-AU" i="1" dirty="0" smtClean="0">
-                <a:solidFill>
-                  <a:srgbClr val="0070C0"/>
-                </a:solidFill>
-              </a:rPr>
-              <a:t>Washington</a:t>
-            </a:r>
-            <a:r>
-              <a:rPr lang="en-AU" i="1" dirty="0" smtClean="0">
-                <a:solidFill>
-                  <a:schemeClr val="bg1"/>
-                </a:solidFill>
-              </a:rPr>
-              <a:t>&gt;</a:t>
-            </a:r>
-            <a:endParaRPr lang="en-AU" dirty="0"/>
-          </a:p>
-          <a:p>
-            <a:r>
-              <a:rPr lang="en-AU" dirty="0" smtClean="0"/>
-              <a:t>Main difficulty: Lots of junk!</a:t>
-            </a:r>
-          </a:p>
-          <a:p>
-            <a:r>
-              <a:rPr lang="en-AU" dirty="0" smtClean="0">
-                <a:solidFill>
-                  <a:schemeClr val="bg1"/>
-                </a:solidFill>
-              </a:rPr>
-              <a:t>After entity linking, different possible realisations can be linked together by known relations in database</a:t>
-            </a:r>
-          </a:p>
-        </p:txBody>
-      </p:sp>
-    </p:spTree>
-    <p:extLst>
-      <p:ext uri="{BB962C8B-B14F-4D97-AF65-F5344CB8AC3E}">
-        <p14:creationId xmlns:p14="http://schemas.microsoft.com/office/powerpoint/2010/main" val="1095238856"/>
-      </p:ext>
-    </p:extLst>
-  </p:cSld>
-  <p:clrMapOvr>
-    <a:masterClrMapping/>
-  </p:clrMapOvr>
-  <p:transition spd="med"/>
-  <p:timing>
-    <p:tnLst>
-      <p:par>
-        <p:cTn id="1" dur="indefinite" restart="never" nodeType="tmRoot"/>
-      </p:par>
-    </p:tnLst>
-  </p:timing>
-</p:sld>
-</file>
-
 <file path=ppt/slides/slide9.xml><?xml version="1.0" encoding="utf-8"?>
 <p:sld xmlns:a="http://schemas.openxmlformats.org/drawingml/2006/main" xmlns:r="http://schemas.openxmlformats.org/officeDocument/2006/relationships" xmlns:p="http://schemas.openxmlformats.org/presentationml/2006/main">
   <p:cSld>
@@ -8401,7 +9901,7 @@
           <a:p>
             <a:r>
               <a:rPr lang="en-AU" dirty="0" smtClean="0"/>
-              <a:t>Some Harder (to parse) Questions</a:t>
+              <a:t>Open Information extraction</a:t>
             </a:r>
             <a:endParaRPr lang="en-AU" dirty="0"/>
           </a:p>
@@ -8419,186 +9919,245 @@
         </p:nvSpPr>
         <p:spPr/>
         <p:txBody>
-          <a:bodyPr>
-            <a:normAutofit/>
-          </a:bodyPr>
+          <a:bodyPr/>
           <a:lstStyle/>
           <a:p>
-            <a:pPr marL="0" lvl="1" indent="0" rtl="0">
-              <a:spcBef>
-                <a:spcPts val="2600"/>
-              </a:spcBef>
+            <a:pPr marL="0" indent="0">
               <a:buNone/>
             </a:pPr>
             <a:r>
-              <a:rPr lang="en-AU" sz="3400" dirty="0" smtClean="0"/>
-              <a:t>What is the city where the Eiffel Tower is located? </a:t>
-            </a:r>
-            <a:r>
-              <a:rPr lang="en-AU" sz="3400" dirty="0">
+              <a:rPr lang="en-AU" i="1" dirty="0" smtClean="0">
+                <a:solidFill>
+                  <a:srgbClr val="0070C0"/>
+                </a:solidFill>
+              </a:rPr>
+              <a:t>Bill </a:t>
+            </a:r>
+            <a:r>
+              <a:rPr lang="en-AU" i="1" dirty="0" smtClean="0">
+                <a:solidFill>
+                  <a:srgbClr val="0070C0"/>
+                </a:solidFill>
+              </a:rPr>
+              <a:t>Gates </a:t>
+            </a:r>
+            <a:r>
+              <a:rPr lang="en-AU" i="1" dirty="0" smtClean="0">
+                <a:solidFill>
+                  <a:srgbClr val="FF0000"/>
+                </a:solidFill>
+              </a:rPr>
+              <a:t>is a founder of </a:t>
+            </a:r>
+            <a:r>
+              <a:rPr lang="en-AU" i="1" dirty="0" smtClean="0">
+                <a:solidFill>
+                  <a:srgbClr val="0070C0"/>
+                </a:solidFill>
+              </a:rPr>
+              <a:t>Microsoft</a:t>
+            </a:r>
+            <a:r>
+              <a:rPr lang="en-AU" i="1" dirty="0" smtClean="0"/>
+              <a:t>, a software company </a:t>
+            </a:r>
+            <a:r>
+              <a:rPr lang="en-AU" i="1" dirty="0" smtClean="0">
+                <a:solidFill>
+                  <a:srgbClr val="FF0000"/>
+                </a:solidFill>
+              </a:rPr>
+              <a:t>based in </a:t>
+            </a:r>
+            <a:r>
+              <a:rPr lang="en-AU" i="1" dirty="0" smtClean="0">
+                <a:solidFill>
+                  <a:srgbClr val="0070C0"/>
+                </a:solidFill>
+              </a:rPr>
+              <a:t>Redmond, Washington</a:t>
+            </a:r>
+            <a:r>
+              <a:rPr lang="en-AU" i="1" dirty="0" smtClean="0"/>
+              <a:t>.</a:t>
+            </a:r>
+            <a:endParaRPr lang="en-AU" i="1" dirty="0"/>
+          </a:p>
+          <a:p>
+            <a:pPr marL="0" indent="0">
+              <a:buNone/>
+            </a:pPr>
+            <a:r>
+              <a:rPr lang="en-AU" dirty="0" smtClean="0"/>
+              <a:t>&lt;</a:t>
+            </a:r>
+            <a:r>
+              <a:rPr lang="en-AU" i="1" dirty="0">
+                <a:solidFill>
+                  <a:srgbClr val="0070C0"/>
+                </a:solidFill>
+              </a:rPr>
+              <a:t> Bill </a:t>
+            </a:r>
+            <a:r>
+              <a:rPr lang="en-AU" i="1" dirty="0" smtClean="0">
+                <a:solidFill>
+                  <a:srgbClr val="0070C0"/>
+                </a:solidFill>
+              </a:rPr>
+              <a:t>Gates</a:t>
+            </a:r>
+            <a:r>
+              <a:rPr lang="en-AU" i="1" dirty="0" smtClean="0">
                 <a:solidFill>
                   <a:schemeClr val="bg1"/>
                 </a:solidFill>
               </a:rPr>
-              <a:t>→</a:t>
-            </a:r>
-            <a:endParaRPr lang="en-AU" sz="3400" dirty="0"/>
-          </a:p>
-          <a:p>
-            <a:pPr marL="0" indent="0">
-              <a:buNone/>
-            </a:pPr>
-            <a:r>
-              <a:rPr lang="en-AU" dirty="0"/>
-              <a:t>l</a:t>
-            </a:r>
-            <a:r>
-              <a:rPr lang="en-AU" dirty="0" smtClean="0"/>
-              <a:t>ocated-in(</a:t>
-            </a:r>
-            <a:r>
-              <a:rPr lang="en-AU" dirty="0" err="1" smtClean="0"/>
-              <a:t>EIFFEL_TOWER,?x</a:t>
-            </a:r>
-            <a:r>
-              <a:rPr lang="en-AU" dirty="0" smtClean="0"/>
-              <a:t>) ^ </a:t>
-            </a:r>
-            <a:r>
-              <a:rPr lang="en-AU" i="1" dirty="0" smtClean="0"/>
-              <a:t>city</a:t>
-            </a:r>
-            <a:r>
-              <a:rPr lang="en-AU" dirty="0" smtClean="0"/>
-              <a:t>(?x) </a:t>
-            </a:r>
-          </a:p>
-          <a:p>
-            <a:pPr marL="0" lvl="1" indent="0" rtl="0">
-              <a:spcBef>
-                <a:spcPts val="2600"/>
-              </a:spcBef>
-              <a:buNone/>
-            </a:pPr>
-            <a:r>
-              <a:rPr lang="en-AU" dirty="0" smtClean="0"/>
-              <a:t>How many countries are there in the United Nations? </a:t>
-            </a:r>
-            <a:r>
-              <a:rPr lang="en-AU" sz="3400" dirty="0" smtClean="0">
+              <a:t>, </a:t>
+            </a:r>
+            <a:r>
+              <a:rPr lang="en-AU" i="1" dirty="0" smtClean="0">
+                <a:solidFill>
+                  <a:srgbClr val="FF0000"/>
+                </a:solidFill>
+              </a:rPr>
+              <a:t>be a founder of </a:t>
+            </a:r>
+            <a:r>
+              <a:rPr lang="en-AU" i="1" dirty="0" smtClean="0">
                 <a:solidFill>
                   <a:schemeClr val="bg1"/>
                 </a:solidFill>
               </a:rPr>
-              <a:t>→</a:t>
-            </a:r>
-            <a:endParaRPr lang="en-AU" dirty="0" smtClean="0"/>
-          </a:p>
-          <a:p>
-            <a:pPr marL="0" indent="0">
-              <a:buNone/>
-            </a:pPr>
-            <a:r>
-              <a:rPr lang="en-AU" i="1" dirty="0" smtClean="0"/>
-              <a:t>Count</a:t>
-            </a:r>
-            <a:r>
-              <a:rPr lang="en-AU" dirty="0" smtClean="0"/>
-              <a:t>(∀ ?x </a:t>
-            </a:r>
-            <a:r>
-              <a:rPr lang="en-AU" dirty="0" err="1" smtClean="0"/>
-              <a:t>s.t.</a:t>
-            </a:r>
-            <a:r>
-              <a:rPr lang="en-AU" dirty="0" smtClean="0"/>
-              <a:t> member-of(?x, UNITED_NATIONS))</a:t>
-            </a:r>
-          </a:p>
-          <a:p>
-            <a:pPr marL="0" lvl="1" indent="0" rtl="0">
-              <a:spcBef>
-                <a:spcPts val="2600"/>
-              </a:spcBef>
-              <a:buNone/>
-            </a:pPr>
-            <a:r>
-              <a:rPr lang="en-AU" dirty="0" smtClean="0"/>
-              <a:t>What kind of mammal lays eggs? </a:t>
-            </a:r>
-            <a:r>
-              <a:rPr lang="en-AU" sz="3400" dirty="0" smtClean="0">
+              <a:t>, </a:t>
+            </a:r>
+            <a:r>
+              <a:rPr lang="en-AU" i="1" dirty="0">
+                <a:solidFill>
+                  <a:srgbClr val="0070C0"/>
+                </a:solidFill>
+              </a:rPr>
+              <a:t>Microsoft </a:t>
+            </a:r>
+            <a:r>
+              <a:rPr lang="en-AU" i="1" dirty="0" smtClean="0">
                 <a:solidFill>
                   <a:schemeClr val="bg1"/>
                 </a:solidFill>
               </a:rPr>
-              <a:t>→</a:t>
-            </a:r>
-            <a:endParaRPr lang="en-AU" dirty="0" smtClean="0"/>
-          </a:p>
-          <a:p>
-            <a:pPr marL="0" indent="0">
-              <a:buNone/>
-            </a:pPr>
-            <a:r>
-              <a:rPr lang="en-AU" dirty="0"/>
-              <a:t>t</a:t>
-            </a:r>
-            <a:r>
-              <a:rPr lang="en-AU" dirty="0" smtClean="0"/>
-              <a:t>ype-of(?x, MAMMAL)^egg-laying(?x)</a:t>
-            </a:r>
-          </a:p>
-          <a:p>
-            <a:pPr marL="0" lvl="1" indent="0" rtl="0">
-              <a:spcBef>
-                <a:spcPts val="2600"/>
-              </a:spcBef>
-              <a:buNone/>
-            </a:pPr>
-            <a:r>
-              <a:rPr lang="en-AU" dirty="0" smtClean="0"/>
-              <a:t>When was the Declaration of Independence signed? </a:t>
-            </a:r>
-            <a:r>
-              <a:rPr lang="en-AU" sz="3400" dirty="0" smtClean="0">
+              <a:t>&gt;</a:t>
+            </a:r>
+            <a:br>
+              <a:rPr lang="en-AU" i="1" dirty="0" smtClean="0">
                 <a:solidFill>
                   <a:schemeClr val="bg1"/>
                 </a:solidFill>
               </a:rPr>
-              <a:t>→</a:t>
-            </a:r>
-            <a:endParaRPr lang="en-AU" dirty="0" smtClean="0"/>
-          </a:p>
-          <a:p>
-            <a:pPr marL="0" indent="0">
-              <a:buNone/>
-            </a:pPr>
+            </a:br>
+            <a:r>
+              <a:rPr lang="en-AU" i="1" dirty="0" smtClean="0">
+                <a:solidFill>
+                  <a:schemeClr val="bg1"/>
+                </a:solidFill>
+              </a:rPr>
+              <a:t>&lt;</a:t>
+            </a:r>
+            <a:r>
+              <a:rPr lang="en-AU" i="1" dirty="0" smtClean="0">
+                <a:solidFill>
+                  <a:srgbClr val="0070C0"/>
+                </a:solidFill>
+              </a:rPr>
+              <a:t> Microsoft</a:t>
+            </a:r>
+            <a:r>
+              <a:rPr lang="en-AU" i="1" dirty="0" smtClean="0">
+                <a:solidFill>
+                  <a:schemeClr val="bg1"/>
+                </a:solidFill>
+              </a:rPr>
+              <a:t>, </a:t>
+            </a:r>
+            <a:r>
+              <a:rPr lang="en-AU" i="1" dirty="0" smtClean="0">
+                <a:solidFill>
+                  <a:srgbClr val="FF0000"/>
+                </a:solidFill>
+              </a:rPr>
+              <a:t>based in</a:t>
+            </a:r>
+            <a:r>
+              <a:rPr lang="en-AU" i="1" dirty="0" smtClean="0">
+                <a:solidFill>
+                  <a:schemeClr val="bg1"/>
+                </a:solidFill>
+              </a:rPr>
+              <a:t>, </a:t>
+            </a:r>
+            <a:r>
+              <a:rPr lang="en-AU" i="1" dirty="0">
+                <a:solidFill>
+                  <a:srgbClr val="0070C0"/>
+                </a:solidFill>
+              </a:rPr>
+              <a:t>Redmond, </a:t>
+            </a:r>
+            <a:r>
+              <a:rPr lang="en-AU" i="1" dirty="0" smtClean="0">
+                <a:solidFill>
+                  <a:srgbClr val="0070C0"/>
+                </a:solidFill>
+              </a:rPr>
+              <a:t>Washington</a:t>
+            </a:r>
+            <a:r>
+              <a:rPr lang="en-AU" i="1" dirty="0" smtClean="0">
+                <a:solidFill>
+                  <a:schemeClr val="bg1"/>
+                </a:solidFill>
+              </a:rPr>
+              <a:t>&gt;</a:t>
+            </a:r>
+            <a:endParaRPr lang="en-AU" dirty="0"/>
+          </a:p>
+          <a:p>
             <a:r>
               <a:rPr lang="en-AU" dirty="0"/>
-              <a:t>y</a:t>
-            </a:r>
-            <a:r>
-              <a:rPr lang="en-AU" dirty="0" smtClean="0"/>
-              <a:t>ear-signed(DECLARATION_OF_INDEPENDANCE, ?x)</a:t>
-            </a:r>
-          </a:p>
-          <a:p>
-            <a:pPr marL="0" indent="0">
-              <a:buNone/>
-            </a:pPr>
-            <a:r>
-              <a:rPr lang="en-AU" dirty="0" smtClean="0"/>
-              <a:t> </a:t>
-            </a:r>
-            <a:endParaRPr lang="en-AU" dirty="0"/>
+              <a:t>Purely unsupervised</a:t>
+            </a:r>
+          </a:p>
+          <a:p>
+            <a:r>
+              <a:rPr lang="en-AU" dirty="0"/>
+              <a:t>Use POS regex (chunking) and normalization </a:t>
+            </a:r>
+          </a:p>
+          <a:p>
+            <a:r>
+              <a:rPr lang="en-AU" dirty="0" smtClean="0"/>
+              <a:t>Main </a:t>
+            </a:r>
+            <a:r>
+              <a:rPr lang="en-AU" dirty="0" smtClean="0"/>
+              <a:t>difficulty: Lots of junk!</a:t>
+            </a:r>
+          </a:p>
+          <a:p>
+            <a:r>
+              <a:rPr lang="en-AU" dirty="0" smtClean="0">
+                <a:solidFill>
+                  <a:schemeClr val="bg1"/>
+                </a:solidFill>
+              </a:rPr>
+              <a:t>After entity linking, different possible realisations can be clustered together by known relations in database</a:t>
+            </a:r>
           </a:p>
         </p:txBody>
       </p:sp>
     </p:spTree>
     <p:extLst>
       <p:ext uri="{BB962C8B-B14F-4D97-AF65-F5344CB8AC3E}">
-        <p14:creationId xmlns:p14="http://schemas.microsoft.com/office/powerpoint/2010/main" val="2689816690"/>
+        <p14:creationId xmlns:p14="http://schemas.microsoft.com/office/powerpoint/2010/main" val="1095238856"/>
       </p:ext>
     </p:extLst>
   </p:cSld>
@@ -8612,6 +10171,198 @@
         <p:cTn id="1" dur="indefinite" restart="never" nodeType="tmRoot"/>
       </p:par>
     </p:tnLst>
+    <p:bldLst>
+      <p:bldP spid="3" grpId="0" uiExpand="1" build="p">
+        <p:tmplLst>
+          <p:tmpl>
+            <p:tnLst>
+              <p:par>
+                <p:cTn presetID="1" presetClass="entr" presetSubtype="0" fill="hold" nodeType="clickEffect">
+                  <p:stCondLst>
+                    <p:cond delay="0"/>
+                  </p:stCondLst>
+                  <p:childTnLst>
+                    <p:set>
+                      <p:cBhvr>
+                        <p:cTn dur="1" fill="hold">
+                          <p:stCondLst>
+                            <p:cond delay="0"/>
+                          </p:stCondLst>
+                        </p:cTn>
+                        <p:tgtEl>
+                          <p:spTgt spid="3"/>
+                        </p:tgtEl>
+                        <p:attrNameLst>
+                          <p:attrName>style.visibility</p:attrName>
+                        </p:attrNameLst>
+                      </p:cBhvr>
+                      <p:to>
+                        <p:strVal val="visible"/>
+                      </p:to>
+                    </p:set>
+                  </p:childTnLst>
+                </p:cTn>
+              </p:par>
+            </p:tnLst>
+          </p:tmpl>
+          <p:tmpl lvl="1">
+            <p:tnLst>
+              <p:par>
+                <p:cTn presetID="1" presetClass="entr" presetSubtype="0" fill="hold" nodeType="clickEffect">
+                  <p:stCondLst>
+                    <p:cond delay="0"/>
+                  </p:stCondLst>
+                  <p:childTnLst>
+                    <p:set>
+                      <p:cBhvr>
+                        <p:cTn dur="1" fill="hold">
+                          <p:stCondLst>
+                            <p:cond delay="0"/>
+                          </p:stCondLst>
+                        </p:cTn>
+                        <p:tgtEl>
+                          <p:spTgt spid="3"/>
+                        </p:tgtEl>
+                        <p:attrNameLst>
+                          <p:attrName>style.visibility</p:attrName>
+                        </p:attrNameLst>
+                      </p:cBhvr>
+                      <p:to>
+                        <p:strVal val="visible"/>
+                      </p:to>
+                    </p:set>
+                  </p:childTnLst>
+                </p:cTn>
+              </p:par>
+            </p:tnLst>
+          </p:tmpl>
+          <p:tmpl lvl="2">
+            <p:tnLst>
+              <p:par>
+                <p:cTn presetID="1" presetClass="entr" presetSubtype="0" fill="hold" nodeType="clickEffect">
+                  <p:stCondLst>
+                    <p:cond delay="0"/>
+                  </p:stCondLst>
+                  <p:childTnLst>
+                    <p:set>
+                      <p:cBhvr>
+                        <p:cTn dur="1" fill="hold">
+                          <p:stCondLst>
+                            <p:cond delay="0"/>
+                          </p:stCondLst>
+                        </p:cTn>
+                        <p:tgtEl>
+                          <p:spTgt spid="3"/>
+                        </p:tgtEl>
+                        <p:attrNameLst>
+                          <p:attrName>style.visibility</p:attrName>
+                        </p:attrNameLst>
+                      </p:cBhvr>
+                      <p:to>
+                        <p:strVal val="visible"/>
+                      </p:to>
+                    </p:set>
+                  </p:childTnLst>
+                </p:cTn>
+              </p:par>
+            </p:tnLst>
+          </p:tmpl>
+          <p:tmpl lvl="3">
+            <p:tnLst>
+              <p:par>
+                <p:cTn presetID="1" presetClass="entr" presetSubtype="0" fill="hold" nodeType="clickEffect">
+                  <p:stCondLst>
+                    <p:cond delay="0"/>
+                  </p:stCondLst>
+                  <p:childTnLst>
+                    <p:set>
+                      <p:cBhvr>
+                        <p:cTn dur="1" fill="hold">
+                          <p:stCondLst>
+                            <p:cond delay="0"/>
+                          </p:stCondLst>
+                        </p:cTn>
+                        <p:tgtEl>
+                          <p:spTgt spid="3"/>
+                        </p:tgtEl>
+                        <p:attrNameLst>
+                          <p:attrName>style.visibility</p:attrName>
+                        </p:attrNameLst>
+                      </p:cBhvr>
+                      <p:to>
+                        <p:strVal val="visible"/>
+                      </p:to>
+                    </p:set>
+                  </p:childTnLst>
+                </p:cTn>
+              </p:par>
+            </p:tnLst>
+          </p:tmpl>
+          <p:tmpl lvl="4">
+            <p:tnLst>
+              <p:par>
+                <p:cTn presetID="1" presetClass="entr" presetSubtype="0" fill="hold" nodeType="clickEffect">
+                  <p:stCondLst>
+                    <p:cond delay="0"/>
+                  </p:stCondLst>
+                  <p:childTnLst>
+                    <p:set>
+                      <p:cBhvr>
+                        <p:cTn dur="1" fill="hold">
+                          <p:stCondLst>
+                            <p:cond delay="0"/>
+                          </p:stCondLst>
+                        </p:cTn>
+                        <p:tgtEl>
+                          <p:spTgt spid="3"/>
+                        </p:tgtEl>
+                        <p:attrNameLst>
+                          <p:attrName>style.visibility</p:attrName>
+                        </p:attrNameLst>
+                      </p:cBhvr>
+                      <p:to>
+                        <p:strVal val="visible"/>
+                      </p:to>
+                    </p:set>
+                  </p:childTnLst>
+                </p:cTn>
+              </p:par>
+            </p:tnLst>
+          </p:tmpl>
+          <p:tmpl lvl="5">
+            <p:tnLst>
+              <p:par>
+                <p:cTn presetID="1" presetClass="entr" presetSubtype="0" fill="hold" nodeType="clickEffect">
+                  <p:stCondLst>
+                    <p:cond delay="0"/>
+                  </p:stCondLst>
+                  <p:childTnLst>
+                    <p:set>
+                      <p:cBhvr>
+                        <p:cTn dur="1" fill="hold">
+                          <p:stCondLst>
+                            <p:cond delay="0"/>
+                          </p:stCondLst>
+                        </p:cTn>
+                        <p:tgtEl>
+                          <p:spTgt spid="3"/>
+                        </p:tgtEl>
+                        <p:attrNameLst>
+                          <p:attrName>style.visibility</p:attrName>
+                        </p:attrNameLst>
+                      </p:cBhvr>
+                      <p:to>
+                        <p:strVal val="visible"/>
+                      </p:to>
+                    </p:set>
+                  </p:childTnLst>
+                </p:cTn>
+              </p:par>
+            </p:tnLst>
+          </p:tmpl>
+        </p:tmplLst>
+      </p:bldP>
+    </p:bldLst>
   </p:timing>
 </p:sld>
 </file>
